--- a/presentation.pptx
+++ b/presentation.pptx
@@ -1,29 +1,125 @@
 
 <file path=ppt/presentation.xml><?xml version="1.0" encoding="utf-8"?>
-<p:presentation xmlns:a="http://schemas.openxmlformats.org/drawingml/2006/main" xmlns:p="http://schemas.openxmlformats.org/presentationml/2006/main" xmlns:r="http://schemas.openxmlformats.org/officeDocument/2006/relationships" xmlns:p14="http://schemas.microsoft.com/office/powerpoint/2010/main" xmlns:p15="http://schemas.microsoft.com/office/powerpoint/2012/main" xmlns:mc="http://schemas.openxmlformats.org/markup-compatibility/2006">
+<p:presentation xmlns:a="http://schemas.openxmlformats.org/drawingml/2006/main" xmlns:r="http://schemas.openxmlformats.org/officeDocument/2006/relationships" xmlns:p="http://schemas.openxmlformats.org/presentationml/2006/main">
   <p:sldMasterIdLst>
-    <p:sldMasterId id="2147483648" r:id="rId2"/>
-    <p:sldMasterId id="2147483661" r:id="rId3"/>
-    <p:sldMasterId id="2147483674" r:id="rId4"/>
-    <p:sldMasterId id="2147483687" r:id="rId5"/>
+    <p:sldMasterId id="2147483648" r:id="rId1"/>
+    <p:sldMasterId id="2147483661" r:id="rId2"/>
+    <p:sldMasterId id="2147483674" r:id="rId3"/>
+    <p:sldMasterId id="2147483687" r:id="rId4"/>
   </p:sldMasterIdLst>
   <p:sldIdLst>
-    <p:sldId id="256" r:id="rId6"/>
-    <p:sldId id="257" r:id="rId7"/>
-    <p:sldId id="258" r:id="rId8"/>
-    <p:sldId id="259" r:id="rId9"/>
-    <p:sldId id="260" r:id="rId10"/>
-    <p:sldId id="261" r:id="rId11"/>
-    <p:sldId id="262" r:id="rId12"/>
-    <p:sldId id="263" r:id="rId13"/>
+    <p:sldId id="256" r:id="rId5"/>
+    <p:sldId id="257" r:id="rId6"/>
+    <p:sldId id="258" r:id="rId7"/>
+    <p:sldId id="259" r:id="rId8"/>
+    <p:sldId id="260" r:id="rId9"/>
+    <p:sldId id="261" r:id="rId10"/>
+    <p:sldId id="262" r:id="rId11"/>
+    <p:sldId id="263" r:id="rId12"/>
+    <p:sldId id="264" r:id="rId13"/>
   </p:sldIdLst>
   <p:sldSz cx="10080625" cy="7559675"/>
-  <p:notesSz cx="7559675" cy="10691812"/>
+  <p:notesSz cx="7559675" cy="10691813"/>
+  <p:defaultTextStyle>
+    <a:defPPr>
+      <a:defRPr lang="en-US"/>
+    </a:defPPr>
+    <a:lvl1pPr marL="0" algn="l" defTabSz="914400" rtl="0" eaLnBrk="1" latinLnBrk="0" hangingPunct="1">
+      <a:defRPr sz="1800" kern="1200">
+        <a:solidFill>
+          <a:schemeClr val="tx1"/>
+        </a:solidFill>
+        <a:latin typeface="+mn-lt"/>
+        <a:ea typeface="+mn-ea"/>
+        <a:cs typeface="+mn-cs"/>
+      </a:defRPr>
+    </a:lvl1pPr>
+    <a:lvl2pPr marL="457200" algn="l" defTabSz="914400" rtl="0" eaLnBrk="1" latinLnBrk="0" hangingPunct="1">
+      <a:defRPr sz="1800" kern="1200">
+        <a:solidFill>
+          <a:schemeClr val="tx1"/>
+        </a:solidFill>
+        <a:latin typeface="+mn-lt"/>
+        <a:ea typeface="+mn-ea"/>
+        <a:cs typeface="+mn-cs"/>
+      </a:defRPr>
+    </a:lvl2pPr>
+    <a:lvl3pPr marL="914400" algn="l" defTabSz="914400" rtl="0" eaLnBrk="1" latinLnBrk="0" hangingPunct="1">
+      <a:defRPr sz="1800" kern="1200">
+        <a:solidFill>
+          <a:schemeClr val="tx1"/>
+        </a:solidFill>
+        <a:latin typeface="+mn-lt"/>
+        <a:ea typeface="+mn-ea"/>
+        <a:cs typeface="+mn-cs"/>
+      </a:defRPr>
+    </a:lvl3pPr>
+    <a:lvl4pPr marL="1371600" algn="l" defTabSz="914400" rtl="0" eaLnBrk="1" latinLnBrk="0" hangingPunct="1">
+      <a:defRPr sz="1800" kern="1200">
+        <a:solidFill>
+          <a:schemeClr val="tx1"/>
+        </a:solidFill>
+        <a:latin typeface="+mn-lt"/>
+        <a:ea typeface="+mn-ea"/>
+        <a:cs typeface="+mn-cs"/>
+      </a:defRPr>
+    </a:lvl4pPr>
+    <a:lvl5pPr marL="1828800" algn="l" defTabSz="914400" rtl="0" eaLnBrk="1" latinLnBrk="0" hangingPunct="1">
+      <a:defRPr sz="1800" kern="1200">
+        <a:solidFill>
+          <a:schemeClr val="tx1"/>
+        </a:solidFill>
+        <a:latin typeface="+mn-lt"/>
+        <a:ea typeface="+mn-ea"/>
+        <a:cs typeface="+mn-cs"/>
+      </a:defRPr>
+    </a:lvl5pPr>
+    <a:lvl6pPr marL="2286000" algn="l" defTabSz="914400" rtl="0" eaLnBrk="1" latinLnBrk="0" hangingPunct="1">
+      <a:defRPr sz="1800" kern="1200">
+        <a:solidFill>
+          <a:schemeClr val="tx1"/>
+        </a:solidFill>
+        <a:latin typeface="+mn-lt"/>
+        <a:ea typeface="+mn-ea"/>
+        <a:cs typeface="+mn-cs"/>
+      </a:defRPr>
+    </a:lvl6pPr>
+    <a:lvl7pPr marL="2743200" algn="l" defTabSz="914400" rtl="0" eaLnBrk="1" latinLnBrk="0" hangingPunct="1">
+      <a:defRPr sz="1800" kern="1200">
+        <a:solidFill>
+          <a:schemeClr val="tx1"/>
+        </a:solidFill>
+        <a:latin typeface="+mn-lt"/>
+        <a:ea typeface="+mn-ea"/>
+        <a:cs typeface="+mn-cs"/>
+      </a:defRPr>
+    </a:lvl7pPr>
+    <a:lvl8pPr marL="3200400" algn="l" defTabSz="914400" rtl="0" eaLnBrk="1" latinLnBrk="0" hangingPunct="1">
+      <a:defRPr sz="1800" kern="1200">
+        <a:solidFill>
+          <a:schemeClr val="tx1"/>
+        </a:solidFill>
+        <a:latin typeface="+mn-lt"/>
+        <a:ea typeface="+mn-ea"/>
+        <a:cs typeface="+mn-cs"/>
+      </a:defRPr>
+    </a:lvl8pPr>
+    <a:lvl9pPr marL="3657600" algn="l" defTabSz="914400" rtl="0" eaLnBrk="1" latinLnBrk="0" hangingPunct="1">
+      <a:defRPr sz="1800" kern="1200">
+        <a:solidFill>
+          <a:schemeClr val="tx1"/>
+        </a:solidFill>
+        <a:latin typeface="+mn-lt"/>
+        <a:ea typeface="+mn-ea"/>
+        <a:cs typeface="+mn-cs"/>
+      </a:defRPr>
+    </a:lvl9pPr>
+  </p:defaultTextStyle>
 </p:presentation>
 </file>
 
 <file path=ppt/slideLayouts/slideLayout1.xml><?xml version="1.0" encoding="utf-8"?>
-<p:sldLayout xmlns:a="http://schemas.openxmlformats.org/drawingml/2006/main" xmlns:p="http://schemas.openxmlformats.org/presentationml/2006/main" xmlns:r="http://schemas.openxmlformats.org/officeDocument/2006/relationships" xmlns:p14="http://schemas.microsoft.com/office/powerpoint/2010/main" xmlns:p15="http://schemas.microsoft.com/office/powerpoint/2012/main" xmlns:mc="http://schemas.openxmlformats.org/markup-compatibility/2006" type="blank" preserve="1">
+<p:sldLayout xmlns:a="http://schemas.openxmlformats.org/drawingml/2006/main" xmlns:r="http://schemas.openxmlformats.org/officeDocument/2006/relationships" xmlns:p="http://schemas.openxmlformats.org/presentationml/2006/main" type="blank" preserve="1">
   <p:cSld name="Blank Slide">
     <p:spTree>
       <p:nvGrpSpPr>
@@ -41,11 +137,14 @@
       </p:grpSpPr>
     </p:spTree>
   </p:cSld>
+  <p:clrMapOvr>
+    <a:masterClrMapping/>
+  </p:clrMapOvr>
 </p:sldLayout>
 </file>
 
 <file path=ppt/slideLayouts/slideLayout10.xml><?xml version="1.0" encoding="utf-8"?>
-<p:sldLayout xmlns:a="http://schemas.openxmlformats.org/drawingml/2006/main" xmlns:p="http://schemas.openxmlformats.org/presentationml/2006/main" xmlns:r="http://schemas.openxmlformats.org/officeDocument/2006/relationships" xmlns:p14="http://schemas.microsoft.com/office/powerpoint/2010/main" xmlns:p15="http://schemas.microsoft.com/office/powerpoint/2012/main" xmlns:mc="http://schemas.openxmlformats.org/markup-compatibility/2006" type="objOverTx" preserve="1">
+<p:sldLayout xmlns:a="http://schemas.openxmlformats.org/drawingml/2006/main" xmlns:r="http://schemas.openxmlformats.org/officeDocument/2006/relationships" xmlns:p="http://schemas.openxmlformats.org/presentationml/2006/main" type="objOverTx" preserve="1">
   <p:cSld name="Title, Content over Content">
     <p:spTree>
       <p:nvGrpSpPr>
@@ -81,12 +180,13 @@
           </a:prstGeom>
         </p:spPr>
         <p:txBody>
-          <a:bodyPr lIns="0" rIns="0" tIns="0" bIns="0" anchor="ctr">
+          <a:bodyPr lIns="0" tIns="0" rIns="0" bIns="0" anchor="ctr">
             <a:noAutofit/>
           </a:bodyPr>
+          <a:lstStyle/>
           <a:p>
             <a:pPr algn="ctr"/>
-            <a:endParaRPr b="0" lang="en-GB" sz="4400" spc="-1" strike="noStrike">
+            <a:endParaRPr lang="en-GB" sz="4400" b="0" strike="noStrike" spc="-1">
               <a:solidFill>
                 <a:srgbClr val="006699"/>
               </a:solidFill>
@@ -115,11 +215,12 @@
           </a:prstGeom>
         </p:spPr>
         <p:txBody>
-          <a:bodyPr lIns="0" rIns="0" tIns="0" bIns="0">
+          <a:bodyPr lIns="0" tIns="0" rIns="0" bIns="0">
             <a:normAutofit/>
           </a:bodyPr>
-          <a:p>
-            <a:endParaRPr b="0" lang="en-GB" sz="3200" spc="-1" strike="noStrike">
+          <a:lstStyle/>
+          <a:p>
+            <a:endParaRPr lang="en-GB" sz="3200" b="0" strike="noStrike" spc="-1">
               <a:latin typeface="Arial"/>
             </a:endParaRPr>
           </a:p>
@@ -145,11 +246,12 @@
           </a:prstGeom>
         </p:spPr>
         <p:txBody>
-          <a:bodyPr lIns="0" rIns="0" tIns="0" bIns="0">
+          <a:bodyPr lIns="0" tIns="0" rIns="0" bIns="0">
             <a:normAutofit/>
           </a:bodyPr>
-          <a:p>
-            <a:endParaRPr b="0" lang="en-GB" sz="3200" spc="-1" strike="noStrike">
+          <a:lstStyle/>
+          <a:p>
+            <a:endParaRPr lang="en-GB" sz="3200" b="0" strike="noStrike" spc="-1">
               <a:latin typeface="Arial"/>
             </a:endParaRPr>
           </a:p>
@@ -157,11 +259,14 @@
       </p:sp>
     </p:spTree>
   </p:cSld>
+  <p:clrMapOvr>
+    <a:masterClrMapping/>
+  </p:clrMapOvr>
 </p:sldLayout>
 </file>
 
 <file path=ppt/slideLayouts/slideLayout11.xml><?xml version="1.0" encoding="utf-8"?>
-<p:sldLayout xmlns:a="http://schemas.openxmlformats.org/drawingml/2006/main" xmlns:p="http://schemas.openxmlformats.org/presentationml/2006/main" xmlns:r="http://schemas.openxmlformats.org/officeDocument/2006/relationships" xmlns:p14="http://schemas.microsoft.com/office/powerpoint/2010/main" xmlns:p15="http://schemas.microsoft.com/office/powerpoint/2012/main" xmlns:mc="http://schemas.openxmlformats.org/markup-compatibility/2006" type="fourObj" preserve="1">
+<p:sldLayout xmlns:a="http://schemas.openxmlformats.org/drawingml/2006/main" xmlns:r="http://schemas.openxmlformats.org/officeDocument/2006/relationships" xmlns:p="http://schemas.openxmlformats.org/presentationml/2006/main" type="fourObj" preserve="1">
   <p:cSld name="Title, 4 Content">
     <p:spTree>
       <p:nvGrpSpPr>
@@ -197,12 +302,13 @@
           </a:prstGeom>
         </p:spPr>
         <p:txBody>
-          <a:bodyPr lIns="0" rIns="0" tIns="0" bIns="0" anchor="ctr">
+          <a:bodyPr lIns="0" tIns="0" rIns="0" bIns="0" anchor="ctr">
             <a:noAutofit/>
           </a:bodyPr>
+          <a:lstStyle/>
           <a:p>
             <a:pPr algn="ctr"/>
-            <a:endParaRPr b="0" lang="en-GB" sz="4400" spc="-1" strike="noStrike">
+            <a:endParaRPr lang="en-GB" sz="4400" b="0" strike="noStrike" spc="-1">
               <a:solidFill>
                 <a:srgbClr val="006699"/>
               </a:solidFill>
@@ -231,11 +337,12 @@
           </a:prstGeom>
         </p:spPr>
         <p:txBody>
-          <a:bodyPr lIns="0" rIns="0" tIns="0" bIns="0">
+          <a:bodyPr lIns="0" tIns="0" rIns="0" bIns="0">
             <a:normAutofit/>
           </a:bodyPr>
-          <a:p>
-            <a:endParaRPr b="0" lang="en-GB" sz="3200" spc="-1" strike="noStrike">
+          <a:lstStyle/>
+          <a:p>
+            <a:endParaRPr lang="en-GB" sz="3200" b="0" strike="noStrike" spc="-1">
               <a:latin typeface="Arial"/>
             </a:endParaRPr>
           </a:p>
@@ -261,11 +368,12 @@
           </a:prstGeom>
         </p:spPr>
         <p:txBody>
-          <a:bodyPr lIns="0" rIns="0" tIns="0" bIns="0">
+          <a:bodyPr lIns="0" tIns="0" rIns="0" bIns="0">
             <a:normAutofit/>
           </a:bodyPr>
-          <a:p>
-            <a:endParaRPr b="0" lang="en-GB" sz="3200" spc="-1" strike="noStrike">
+          <a:lstStyle/>
+          <a:p>
+            <a:endParaRPr lang="en-GB" sz="3200" b="0" strike="noStrike" spc="-1">
               <a:latin typeface="Arial"/>
             </a:endParaRPr>
           </a:p>
@@ -291,11 +399,12 @@
           </a:prstGeom>
         </p:spPr>
         <p:txBody>
-          <a:bodyPr lIns="0" rIns="0" tIns="0" bIns="0">
+          <a:bodyPr lIns="0" tIns="0" rIns="0" bIns="0">
             <a:normAutofit/>
           </a:bodyPr>
-          <a:p>
-            <a:endParaRPr b="0" lang="en-GB" sz="3200" spc="-1" strike="noStrike">
+          <a:lstStyle/>
+          <a:p>
+            <a:endParaRPr lang="en-GB" sz="3200" b="0" strike="noStrike" spc="-1">
               <a:latin typeface="Arial"/>
             </a:endParaRPr>
           </a:p>
@@ -321,11 +430,12 @@
           </a:prstGeom>
         </p:spPr>
         <p:txBody>
-          <a:bodyPr lIns="0" rIns="0" tIns="0" bIns="0">
+          <a:bodyPr lIns="0" tIns="0" rIns="0" bIns="0">
             <a:normAutofit/>
           </a:bodyPr>
-          <a:p>
-            <a:endParaRPr b="0" lang="en-GB" sz="3200" spc="-1" strike="noStrike">
+          <a:lstStyle/>
+          <a:p>
+            <a:endParaRPr lang="en-GB" sz="3200" b="0" strike="noStrike" spc="-1">
               <a:latin typeface="Arial"/>
             </a:endParaRPr>
           </a:p>
@@ -333,11 +443,14 @@
       </p:sp>
     </p:spTree>
   </p:cSld>
+  <p:clrMapOvr>
+    <a:masterClrMapping/>
+  </p:clrMapOvr>
 </p:sldLayout>
 </file>
 
 <file path=ppt/slideLayouts/slideLayout12.xml><?xml version="1.0" encoding="utf-8"?>
-<p:sldLayout xmlns:a="http://schemas.openxmlformats.org/drawingml/2006/main" xmlns:p="http://schemas.openxmlformats.org/presentationml/2006/main" xmlns:r="http://schemas.openxmlformats.org/officeDocument/2006/relationships" xmlns:p14="http://schemas.microsoft.com/office/powerpoint/2010/main" xmlns:p15="http://schemas.microsoft.com/office/powerpoint/2012/main" xmlns:mc="http://schemas.openxmlformats.org/markup-compatibility/2006" type="blank" preserve="1">
+<p:sldLayout xmlns:a="http://schemas.openxmlformats.org/drawingml/2006/main" xmlns:r="http://schemas.openxmlformats.org/officeDocument/2006/relationships" xmlns:p="http://schemas.openxmlformats.org/presentationml/2006/main" type="blank" preserve="1">
   <p:cSld name="Title, 6 Content">
     <p:spTree>
       <p:nvGrpSpPr>
@@ -373,12 +486,13 @@
           </a:prstGeom>
         </p:spPr>
         <p:txBody>
-          <a:bodyPr lIns="0" rIns="0" tIns="0" bIns="0" anchor="ctr">
+          <a:bodyPr lIns="0" tIns="0" rIns="0" bIns="0" anchor="ctr">
             <a:noAutofit/>
           </a:bodyPr>
+          <a:lstStyle/>
           <a:p>
             <a:pPr algn="ctr"/>
-            <a:endParaRPr b="0" lang="en-GB" sz="4400" spc="-1" strike="noStrike">
+            <a:endParaRPr lang="en-GB" sz="4400" b="0" strike="noStrike" spc="-1">
               <a:solidFill>
                 <a:srgbClr val="006699"/>
               </a:solidFill>
@@ -407,11 +521,12 @@
           </a:prstGeom>
         </p:spPr>
         <p:txBody>
-          <a:bodyPr lIns="0" rIns="0" tIns="0" bIns="0">
+          <a:bodyPr lIns="0" tIns="0" rIns="0" bIns="0">
             <a:normAutofit/>
           </a:bodyPr>
-          <a:p>
-            <a:endParaRPr b="0" lang="en-GB" sz="3200" spc="-1" strike="noStrike">
+          <a:lstStyle/>
+          <a:p>
+            <a:endParaRPr lang="en-GB" sz="3200" b="0" strike="noStrike" spc="-1">
               <a:latin typeface="Arial"/>
             </a:endParaRPr>
           </a:p>
@@ -437,11 +552,12 @@
           </a:prstGeom>
         </p:spPr>
         <p:txBody>
-          <a:bodyPr lIns="0" rIns="0" tIns="0" bIns="0">
+          <a:bodyPr lIns="0" tIns="0" rIns="0" bIns="0">
             <a:normAutofit/>
           </a:bodyPr>
-          <a:p>
-            <a:endParaRPr b="0" lang="en-GB" sz="3200" spc="-1" strike="noStrike">
+          <a:lstStyle/>
+          <a:p>
+            <a:endParaRPr lang="en-GB" sz="3200" b="0" strike="noStrike" spc="-1">
               <a:latin typeface="Arial"/>
             </a:endParaRPr>
           </a:p>
@@ -467,11 +583,12 @@
           </a:prstGeom>
         </p:spPr>
         <p:txBody>
-          <a:bodyPr lIns="0" rIns="0" tIns="0" bIns="0">
+          <a:bodyPr lIns="0" tIns="0" rIns="0" bIns="0">
             <a:normAutofit/>
           </a:bodyPr>
-          <a:p>
-            <a:endParaRPr b="0" lang="en-GB" sz="3200" spc="-1" strike="noStrike">
+          <a:lstStyle/>
+          <a:p>
+            <a:endParaRPr lang="en-GB" sz="3200" b="0" strike="noStrike" spc="-1">
               <a:latin typeface="Arial"/>
             </a:endParaRPr>
           </a:p>
@@ -497,11 +614,12 @@
           </a:prstGeom>
         </p:spPr>
         <p:txBody>
-          <a:bodyPr lIns="0" rIns="0" tIns="0" bIns="0">
+          <a:bodyPr lIns="0" tIns="0" rIns="0" bIns="0">
             <a:normAutofit/>
           </a:bodyPr>
-          <a:p>
-            <a:endParaRPr b="0" lang="en-GB" sz="3200" spc="-1" strike="noStrike">
+          <a:lstStyle/>
+          <a:p>
+            <a:endParaRPr lang="en-GB" sz="3200" b="0" strike="noStrike" spc="-1">
               <a:latin typeface="Arial"/>
             </a:endParaRPr>
           </a:p>
@@ -527,11 +645,12 @@
           </a:prstGeom>
         </p:spPr>
         <p:txBody>
-          <a:bodyPr lIns="0" rIns="0" tIns="0" bIns="0">
+          <a:bodyPr lIns="0" tIns="0" rIns="0" bIns="0">
             <a:normAutofit/>
           </a:bodyPr>
-          <a:p>
-            <a:endParaRPr b="0" lang="en-GB" sz="3200" spc="-1" strike="noStrike">
+          <a:lstStyle/>
+          <a:p>
+            <a:endParaRPr lang="en-GB" sz="3200" b="0" strike="noStrike" spc="-1">
               <a:latin typeface="Arial"/>
             </a:endParaRPr>
           </a:p>
@@ -557,11 +676,12 @@
           </a:prstGeom>
         </p:spPr>
         <p:txBody>
-          <a:bodyPr lIns="0" rIns="0" tIns="0" bIns="0">
+          <a:bodyPr lIns="0" tIns="0" rIns="0" bIns="0">
             <a:normAutofit/>
           </a:bodyPr>
-          <a:p>
-            <a:endParaRPr b="0" lang="en-GB" sz="3200" spc="-1" strike="noStrike">
+          <a:lstStyle/>
+          <a:p>
+            <a:endParaRPr lang="en-GB" sz="3200" b="0" strike="noStrike" spc="-1">
               <a:latin typeface="Arial"/>
             </a:endParaRPr>
           </a:p>
@@ -569,11 +689,14 @@
       </p:sp>
     </p:spTree>
   </p:cSld>
+  <p:clrMapOvr>
+    <a:masterClrMapping/>
+  </p:clrMapOvr>
 </p:sldLayout>
 </file>
 
 <file path=ppt/slideLayouts/slideLayout13.xml><?xml version="1.0" encoding="utf-8"?>
-<p:sldLayout xmlns:a="http://schemas.openxmlformats.org/drawingml/2006/main" xmlns:p="http://schemas.openxmlformats.org/presentationml/2006/main" xmlns:r="http://schemas.openxmlformats.org/officeDocument/2006/relationships" xmlns:p14="http://schemas.microsoft.com/office/powerpoint/2010/main" xmlns:p15="http://schemas.microsoft.com/office/powerpoint/2012/main" xmlns:mc="http://schemas.openxmlformats.org/markup-compatibility/2006" type="blank" preserve="1">
+<p:sldLayout xmlns:a="http://schemas.openxmlformats.org/drawingml/2006/main" xmlns:r="http://schemas.openxmlformats.org/officeDocument/2006/relationships" xmlns:p="http://schemas.openxmlformats.org/presentationml/2006/main" type="blank" preserve="1">
   <p:cSld name="Blank Slide">
     <p:spTree>
       <p:nvGrpSpPr>
@@ -591,11 +714,14 @@
       </p:grpSpPr>
     </p:spTree>
   </p:cSld>
+  <p:clrMapOvr>
+    <a:masterClrMapping/>
+  </p:clrMapOvr>
 </p:sldLayout>
 </file>
 
 <file path=ppt/slideLayouts/slideLayout14.xml><?xml version="1.0" encoding="utf-8"?>
-<p:sldLayout xmlns:a="http://schemas.openxmlformats.org/drawingml/2006/main" xmlns:p="http://schemas.openxmlformats.org/presentationml/2006/main" xmlns:r="http://schemas.openxmlformats.org/officeDocument/2006/relationships" xmlns:p14="http://schemas.microsoft.com/office/powerpoint/2010/main" xmlns:p15="http://schemas.microsoft.com/office/powerpoint/2012/main" xmlns:mc="http://schemas.openxmlformats.org/markup-compatibility/2006" type="tx" preserve="1">
+<p:sldLayout xmlns:a="http://schemas.openxmlformats.org/drawingml/2006/main" xmlns:r="http://schemas.openxmlformats.org/officeDocument/2006/relationships" xmlns:p="http://schemas.openxmlformats.org/presentationml/2006/main" type="tx" preserve="1">
   <p:cSld name="Title Slide">
     <p:spTree>
       <p:nvGrpSpPr>
@@ -631,12 +757,13 @@
           </a:prstGeom>
         </p:spPr>
         <p:txBody>
-          <a:bodyPr lIns="0" rIns="0" tIns="0" bIns="0" anchor="ctr">
+          <a:bodyPr lIns="0" tIns="0" rIns="0" bIns="0" anchor="ctr">
             <a:noAutofit/>
           </a:bodyPr>
+          <a:lstStyle/>
           <a:p>
             <a:pPr algn="ctr"/>
-            <a:endParaRPr b="0" lang="en-GB" sz="4400" spc="-1" strike="noStrike">
+            <a:endParaRPr lang="en-GB" sz="4400" b="0" strike="noStrike" spc="-1">
               <a:solidFill>
                 <a:srgbClr val="006699"/>
               </a:solidFill>
@@ -665,14 +792,15 @@
           </a:prstGeom>
         </p:spPr>
         <p:txBody>
-          <a:bodyPr lIns="0" rIns="0" tIns="0" bIns="0" anchor="ctr">
+          <a:bodyPr lIns="0" tIns="0" rIns="0" bIns="0" anchor="ctr">
             <a:noAutofit/>
           </a:bodyPr>
+          <a:lstStyle/>
           <a:p>
             <a:pPr algn="ctr"/>
-            <a:endParaRPr b="0" lang="en-GB" sz="3200" spc="-1" strike="noStrike">
+            <a:endParaRPr lang="en-GB" sz="3200" b="0" strike="noStrike" spc="-1">
               <a:highlight>
-                <a:srgbClr val="ffffff"/>
+                <a:srgbClr val="FFFFFF"/>
               </a:highlight>
               <a:latin typeface="Arial"/>
             </a:endParaRPr>
@@ -681,11 +809,14 @@
       </p:sp>
     </p:spTree>
   </p:cSld>
+  <p:clrMapOvr>
+    <a:masterClrMapping/>
+  </p:clrMapOvr>
 </p:sldLayout>
 </file>
 
 <file path=ppt/slideLayouts/slideLayout15.xml><?xml version="1.0" encoding="utf-8"?>
-<p:sldLayout xmlns:a="http://schemas.openxmlformats.org/drawingml/2006/main" xmlns:p="http://schemas.openxmlformats.org/presentationml/2006/main" xmlns:r="http://schemas.openxmlformats.org/officeDocument/2006/relationships" xmlns:p14="http://schemas.microsoft.com/office/powerpoint/2010/main" xmlns:p15="http://schemas.microsoft.com/office/powerpoint/2012/main" xmlns:mc="http://schemas.openxmlformats.org/markup-compatibility/2006" type="obj" preserve="1">
+<p:sldLayout xmlns:a="http://schemas.openxmlformats.org/drawingml/2006/main" xmlns:r="http://schemas.openxmlformats.org/officeDocument/2006/relationships" xmlns:p="http://schemas.openxmlformats.org/presentationml/2006/main" type="obj" preserve="1">
   <p:cSld name="Title, Content">
     <p:spTree>
       <p:nvGrpSpPr>
@@ -721,12 +852,13 @@
           </a:prstGeom>
         </p:spPr>
         <p:txBody>
-          <a:bodyPr lIns="0" rIns="0" tIns="0" bIns="0" anchor="ctr">
+          <a:bodyPr lIns="0" tIns="0" rIns="0" bIns="0" anchor="ctr">
             <a:noAutofit/>
           </a:bodyPr>
+          <a:lstStyle/>
           <a:p>
             <a:pPr algn="ctr"/>
-            <a:endParaRPr b="0" lang="en-GB" sz="4400" spc="-1" strike="noStrike">
+            <a:endParaRPr lang="en-GB" sz="4400" b="0" strike="noStrike" spc="-1">
               <a:solidFill>
                 <a:srgbClr val="006699"/>
               </a:solidFill>
@@ -755,11 +887,12 @@
           </a:prstGeom>
         </p:spPr>
         <p:txBody>
-          <a:bodyPr lIns="0" rIns="0" tIns="0" bIns="0">
+          <a:bodyPr lIns="0" tIns="0" rIns="0" bIns="0">
             <a:normAutofit/>
           </a:bodyPr>
-          <a:p>
-            <a:endParaRPr b="0" lang="en-GB" sz="3200" spc="-1" strike="noStrike">
+          <a:lstStyle/>
+          <a:p>
+            <a:endParaRPr lang="en-GB" sz="3200" b="0" strike="noStrike" spc="-1">
               <a:latin typeface="Arial"/>
             </a:endParaRPr>
           </a:p>
@@ -767,11 +900,14 @@
       </p:sp>
     </p:spTree>
   </p:cSld>
+  <p:clrMapOvr>
+    <a:masterClrMapping/>
+  </p:clrMapOvr>
 </p:sldLayout>
 </file>
 
 <file path=ppt/slideLayouts/slideLayout16.xml><?xml version="1.0" encoding="utf-8"?>
-<p:sldLayout xmlns:a="http://schemas.openxmlformats.org/drawingml/2006/main" xmlns:p="http://schemas.openxmlformats.org/presentationml/2006/main" xmlns:r="http://schemas.openxmlformats.org/officeDocument/2006/relationships" xmlns:p14="http://schemas.microsoft.com/office/powerpoint/2010/main" xmlns:p15="http://schemas.microsoft.com/office/powerpoint/2012/main" xmlns:mc="http://schemas.openxmlformats.org/markup-compatibility/2006" type="twoObj" preserve="1">
+<p:sldLayout xmlns:a="http://schemas.openxmlformats.org/drawingml/2006/main" xmlns:r="http://schemas.openxmlformats.org/officeDocument/2006/relationships" xmlns:p="http://schemas.openxmlformats.org/presentationml/2006/main" type="twoObj" preserve="1">
   <p:cSld name="Title, 2 Content">
     <p:spTree>
       <p:nvGrpSpPr>
@@ -807,12 +943,13 @@
           </a:prstGeom>
         </p:spPr>
         <p:txBody>
-          <a:bodyPr lIns="0" rIns="0" tIns="0" bIns="0" anchor="ctr">
+          <a:bodyPr lIns="0" tIns="0" rIns="0" bIns="0" anchor="ctr">
             <a:noAutofit/>
           </a:bodyPr>
+          <a:lstStyle/>
           <a:p>
             <a:pPr algn="ctr"/>
-            <a:endParaRPr b="0" lang="en-GB" sz="4400" spc="-1" strike="noStrike">
+            <a:endParaRPr lang="en-GB" sz="4400" b="0" strike="noStrike" spc="-1">
               <a:solidFill>
                 <a:srgbClr val="006699"/>
               </a:solidFill>
@@ -841,11 +978,12 @@
           </a:prstGeom>
         </p:spPr>
         <p:txBody>
-          <a:bodyPr lIns="0" rIns="0" tIns="0" bIns="0">
+          <a:bodyPr lIns="0" tIns="0" rIns="0" bIns="0">
             <a:normAutofit/>
           </a:bodyPr>
-          <a:p>
-            <a:endParaRPr b="0" lang="en-GB" sz="3200" spc="-1" strike="noStrike">
+          <a:lstStyle/>
+          <a:p>
+            <a:endParaRPr lang="en-GB" sz="3200" b="0" strike="noStrike" spc="-1">
               <a:latin typeface="Arial"/>
             </a:endParaRPr>
           </a:p>
@@ -871,11 +1009,12 @@
           </a:prstGeom>
         </p:spPr>
         <p:txBody>
-          <a:bodyPr lIns="0" rIns="0" tIns="0" bIns="0">
+          <a:bodyPr lIns="0" tIns="0" rIns="0" bIns="0">
             <a:normAutofit/>
           </a:bodyPr>
-          <a:p>
-            <a:endParaRPr b="0" lang="en-GB" sz="3200" spc="-1" strike="noStrike">
+          <a:lstStyle/>
+          <a:p>
+            <a:endParaRPr lang="en-GB" sz="3200" b="0" strike="noStrike" spc="-1">
               <a:latin typeface="Arial"/>
             </a:endParaRPr>
           </a:p>
@@ -883,11 +1022,14 @@
       </p:sp>
     </p:spTree>
   </p:cSld>
+  <p:clrMapOvr>
+    <a:masterClrMapping/>
+  </p:clrMapOvr>
 </p:sldLayout>
 </file>
 
 <file path=ppt/slideLayouts/slideLayout17.xml><?xml version="1.0" encoding="utf-8"?>
-<p:sldLayout xmlns:a="http://schemas.openxmlformats.org/drawingml/2006/main" xmlns:p="http://schemas.openxmlformats.org/presentationml/2006/main" xmlns:r="http://schemas.openxmlformats.org/officeDocument/2006/relationships" xmlns:p14="http://schemas.microsoft.com/office/powerpoint/2010/main" xmlns:p15="http://schemas.microsoft.com/office/powerpoint/2012/main" xmlns:mc="http://schemas.openxmlformats.org/markup-compatibility/2006" type="titleOnly" preserve="1">
+<p:sldLayout xmlns:a="http://schemas.openxmlformats.org/drawingml/2006/main" xmlns:r="http://schemas.openxmlformats.org/officeDocument/2006/relationships" xmlns:p="http://schemas.openxmlformats.org/presentationml/2006/main" type="titleOnly" preserve="1">
   <p:cSld name="Title Only">
     <p:spTree>
       <p:nvGrpSpPr>
@@ -923,12 +1065,13 @@
           </a:prstGeom>
         </p:spPr>
         <p:txBody>
-          <a:bodyPr lIns="0" rIns="0" tIns="0" bIns="0" anchor="ctr">
+          <a:bodyPr lIns="0" tIns="0" rIns="0" bIns="0" anchor="ctr">
             <a:noAutofit/>
           </a:bodyPr>
+          <a:lstStyle/>
           <a:p>
             <a:pPr algn="ctr"/>
-            <a:endParaRPr b="0" lang="en-GB" sz="4400" spc="-1" strike="noStrike">
+            <a:endParaRPr lang="en-GB" sz="4400" b="0" strike="noStrike" spc="-1">
               <a:solidFill>
                 <a:srgbClr val="006699"/>
               </a:solidFill>
@@ -939,11 +1082,14 @@
       </p:sp>
     </p:spTree>
   </p:cSld>
+  <p:clrMapOvr>
+    <a:masterClrMapping/>
+  </p:clrMapOvr>
 </p:sldLayout>
 </file>
 
 <file path=ppt/slideLayouts/slideLayout18.xml><?xml version="1.0" encoding="utf-8"?>
-<p:sldLayout xmlns:a="http://schemas.openxmlformats.org/drawingml/2006/main" xmlns:p="http://schemas.openxmlformats.org/presentationml/2006/main" xmlns:r="http://schemas.openxmlformats.org/officeDocument/2006/relationships" xmlns:p14="http://schemas.microsoft.com/office/powerpoint/2010/main" xmlns:p15="http://schemas.microsoft.com/office/powerpoint/2012/main" xmlns:mc="http://schemas.openxmlformats.org/markup-compatibility/2006" type="objOnly" preserve="1">
+<p:sldLayout xmlns:a="http://schemas.openxmlformats.org/drawingml/2006/main" xmlns:r="http://schemas.openxmlformats.org/officeDocument/2006/relationships" xmlns:p="http://schemas.openxmlformats.org/presentationml/2006/main" type="objOnly" preserve="1">
   <p:cSld name="Centered Text">
     <p:spTree>
       <p:nvGrpSpPr>
@@ -979,14 +1125,15 @@
           </a:prstGeom>
         </p:spPr>
         <p:txBody>
-          <a:bodyPr lIns="0" rIns="0" tIns="0" bIns="0" anchor="ctr">
+          <a:bodyPr lIns="0" tIns="0" rIns="0" bIns="0" anchor="ctr">
             <a:noAutofit/>
           </a:bodyPr>
+          <a:lstStyle/>
           <a:p>
             <a:pPr algn="ctr"/>
-            <a:endParaRPr b="0" lang="en-GB" sz="3200" spc="-1" strike="noStrike">
+            <a:endParaRPr lang="en-GB" sz="3200" b="0" strike="noStrike" spc="-1">
               <a:highlight>
-                <a:srgbClr val="ffffff"/>
+                <a:srgbClr val="FFFFFF"/>
               </a:highlight>
               <a:latin typeface="Arial"/>
             </a:endParaRPr>
@@ -995,11 +1142,14 @@
       </p:sp>
     </p:spTree>
   </p:cSld>
+  <p:clrMapOvr>
+    <a:masterClrMapping/>
+  </p:clrMapOvr>
 </p:sldLayout>
 </file>
 
 <file path=ppt/slideLayouts/slideLayout19.xml><?xml version="1.0" encoding="utf-8"?>
-<p:sldLayout xmlns:a="http://schemas.openxmlformats.org/drawingml/2006/main" xmlns:p="http://schemas.openxmlformats.org/presentationml/2006/main" xmlns:r="http://schemas.openxmlformats.org/officeDocument/2006/relationships" xmlns:p14="http://schemas.microsoft.com/office/powerpoint/2010/main" xmlns:p15="http://schemas.microsoft.com/office/powerpoint/2012/main" xmlns:mc="http://schemas.openxmlformats.org/markup-compatibility/2006" type="twoObjAndObj" preserve="1">
+<p:sldLayout xmlns:a="http://schemas.openxmlformats.org/drawingml/2006/main" xmlns:r="http://schemas.openxmlformats.org/officeDocument/2006/relationships" xmlns:p="http://schemas.openxmlformats.org/presentationml/2006/main" type="twoObjAndObj" preserve="1">
   <p:cSld name="Title, 2 Content and Content">
     <p:spTree>
       <p:nvGrpSpPr>
@@ -1035,12 +1185,13 @@
           </a:prstGeom>
         </p:spPr>
         <p:txBody>
-          <a:bodyPr lIns="0" rIns="0" tIns="0" bIns="0" anchor="ctr">
+          <a:bodyPr lIns="0" tIns="0" rIns="0" bIns="0" anchor="ctr">
             <a:noAutofit/>
           </a:bodyPr>
+          <a:lstStyle/>
           <a:p>
             <a:pPr algn="ctr"/>
-            <a:endParaRPr b="0" lang="en-GB" sz="4400" spc="-1" strike="noStrike">
+            <a:endParaRPr lang="en-GB" sz="4400" b="0" strike="noStrike" spc="-1">
               <a:solidFill>
                 <a:srgbClr val="006699"/>
               </a:solidFill>
@@ -1069,11 +1220,12 @@
           </a:prstGeom>
         </p:spPr>
         <p:txBody>
-          <a:bodyPr lIns="0" rIns="0" tIns="0" bIns="0">
+          <a:bodyPr lIns="0" tIns="0" rIns="0" bIns="0">
             <a:normAutofit/>
           </a:bodyPr>
-          <a:p>
-            <a:endParaRPr b="0" lang="en-GB" sz="3200" spc="-1" strike="noStrike">
+          <a:lstStyle/>
+          <a:p>
+            <a:endParaRPr lang="en-GB" sz="3200" b="0" strike="noStrike" spc="-1">
               <a:latin typeface="Arial"/>
             </a:endParaRPr>
           </a:p>
@@ -1099,11 +1251,12 @@
           </a:prstGeom>
         </p:spPr>
         <p:txBody>
-          <a:bodyPr lIns="0" rIns="0" tIns="0" bIns="0">
+          <a:bodyPr lIns="0" tIns="0" rIns="0" bIns="0">
             <a:normAutofit/>
           </a:bodyPr>
-          <a:p>
-            <a:endParaRPr b="0" lang="en-GB" sz="3200" spc="-1" strike="noStrike">
+          <a:lstStyle/>
+          <a:p>
+            <a:endParaRPr lang="en-GB" sz="3200" b="0" strike="noStrike" spc="-1">
               <a:latin typeface="Arial"/>
             </a:endParaRPr>
           </a:p>
@@ -1129,11 +1282,12 @@
           </a:prstGeom>
         </p:spPr>
         <p:txBody>
-          <a:bodyPr lIns="0" rIns="0" tIns="0" bIns="0">
+          <a:bodyPr lIns="0" tIns="0" rIns="0" bIns="0">
             <a:normAutofit/>
           </a:bodyPr>
-          <a:p>
-            <a:endParaRPr b="0" lang="en-GB" sz="3200" spc="-1" strike="noStrike">
+          <a:lstStyle/>
+          <a:p>
+            <a:endParaRPr lang="en-GB" sz="3200" b="0" strike="noStrike" spc="-1">
               <a:latin typeface="Arial"/>
             </a:endParaRPr>
           </a:p>
@@ -1141,11 +1295,14 @@
       </p:sp>
     </p:spTree>
   </p:cSld>
+  <p:clrMapOvr>
+    <a:masterClrMapping/>
+  </p:clrMapOvr>
 </p:sldLayout>
 </file>
 
 <file path=ppt/slideLayouts/slideLayout2.xml><?xml version="1.0" encoding="utf-8"?>
-<p:sldLayout xmlns:a="http://schemas.openxmlformats.org/drawingml/2006/main" xmlns:p="http://schemas.openxmlformats.org/presentationml/2006/main" xmlns:r="http://schemas.openxmlformats.org/officeDocument/2006/relationships" xmlns:p14="http://schemas.microsoft.com/office/powerpoint/2010/main" xmlns:p15="http://schemas.microsoft.com/office/powerpoint/2012/main" xmlns:mc="http://schemas.openxmlformats.org/markup-compatibility/2006" type="tx" preserve="1">
+<p:sldLayout xmlns:a="http://schemas.openxmlformats.org/drawingml/2006/main" xmlns:r="http://schemas.openxmlformats.org/officeDocument/2006/relationships" xmlns:p="http://schemas.openxmlformats.org/presentationml/2006/main" type="tx" preserve="1">
   <p:cSld name="Title Slide">
     <p:spTree>
       <p:nvGrpSpPr>
@@ -1181,12 +1338,13 @@
           </a:prstGeom>
         </p:spPr>
         <p:txBody>
-          <a:bodyPr lIns="0" rIns="0" tIns="0" bIns="0" anchor="ctr">
+          <a:bodyPr lIns="0" tIns="0" rIns="0" bIns="0" anchor="ctr">
             <a:noAutofit/>
           </a:bodyPr>
+          <a:lstStyle/>
           <a:p>
             <a:pPr algn="ctr"/>
-            <a:endParaRPr b="0" lang="en-GB" sz="4400" spc="-1" strike="noStrike">
+            <a:endParaRPr lang="en-GB" sz="4400" b="0" strike="noStrike" spc="-1">
               <a:solidFill>
                 <a:srgbClr val="006699"/>
               </a:solidFill>
@@ -1215,14 +1373,15 @@
           </a:prstGeom>
         </p:spPr>
         <p:txBody>
-          <a:bodyPr lIns="0" rIns="0" tIns="0" bIns="0" anchor="ctr">
+          <a:bodyPr lIns="0" tIns="0" rIns="0" bIns="0" anchor="ctr">
             <a:noAutofit/>
           </a:bodyPr>
+          <a:lstStyle/>
           <a:p>
             <a:pPr algn="ctr"/>
-            <a:endParaRPr b="0" lang="en-GB" sz="3200" spc="-1" strike="noStrike">
+            <a:endParaRPr lang="en-GB" sz="3200" b="0" strike="noStrike" spc="-1">
               <a:highlight>
-                <a:srgbClr val="ffffff"/>
+                <a:srgbClr val="FFFFFF"/>
               </a:highlight>
               <a:latin typeface="Arial"/>
             </a:endParaRPr>
@@ -1231,11 +1390,14 @@
       </p:sp>
     </p:spTree>
   </p:cSld>
+  <p:clrMapOvr>
+    <a:masterClrMapping/>
+  </p:clrMapOvr>
 </p:sldLayout>
 </file>
 
 <file path=ppt/slideLayouts/slideLayout20.xml><?xml version="1.0" encoding="utf-8"?>
-<p:sldLayout xmlns:a="http://schemas.openxmlformats.org/drawingml/2006/main" xmlns:p="http://schemas.openxmlformats.org/presentationml/2006/main" xmlns:r="http://schemas.openxmlformats.org/officeDocument/2006/relationships" xmlns:p14="http://schemas.microsoft.com/office/powerpoint/2010/main" xmlns:p15="http://schemas.microsoft.com/office/powerpoint/2012/main" xmlns:mc="http://schemas.openxmlformats.org/markup-compatibility/2006" type="objAndTwoObj" preserve="1">
+<p:sldLayout xmlns:a="http://schemas.openxmlformats.org/drawingml/2006/main" xmlns:r="http://schemas.openxmlformats.org/officeDocument/2006/relationships" xmlns:p="http://schemas.openxmlformats.org/presentationml/2006/main" type="objAndTwoObj" preserve="1">
   <p:cSld name="Title Content and 2 Content">
     <p:spTree>
       <p:nvGrpSpPr>
@@ -1271,12 +1433,13 @@
           </a:prstGeom>
         </p:spPr>
         <p:txBody>
-          <a:bodyPr lIns="0" rIns="0" tIns="0" bIns="0" anchor="ctr">
+          <a:bodyPr lIns="0" tIns="0" rIns="0" bIns="0" anchor="ctr">
             <a:noAutofit/>
           </a:bodyPr>
+          <a:lstStyle/>
           <a:p>
             <a:pPr algn="ctr"/>
-            <a:endParaRPr b="0" lang="en-GB" sz="4400" spc="-1" strike="noStrike">
+            <a:endParaRPr lang="en-GB" sz="4400" b="0" strike="noStrike" spc="-1">
               <a:solidFill>
                 <a:srgbClr val="006699"/>
               </a:solidFill>
@@ -1305,11 +1468,12 @@
           </a:prstGeom>
         </p:spPr>
         <p:txBody>
-          <a:bodyPr lIns="0" rIns="0" tIns="0" bIns="0">
+          <a:bodyPr lIns="0" tIns="0" rIns="0" bIns="0">
             <a:normAutofit/>
           </a:bodyPr>
-          <a:p>
-            <a:endParaRPr b="0" lang="en-GB" sz="3200" spc="-1" strike="noStrike">
+          <a:lstStyle/>
+          <a:p>
+            <a:endParaRPr lang="en-GB" sz="3200" b="0" strike="noStrike" spc="-1">
               <a:latin typeface="Arial"/>
             </a:endParaRPr>
           </a:p>
@@ -1335,11 +1499,12 @@
           </a:prstGeom>
         </p:spPr>
         <p:txBody>
-          <a:bodyPr lIns="0" rIns="0" tIns="0" bIns="0">
+          <a:bodyPr lIns="0" tIns="0" rIns="0" bIns="0">
             <a:normAutofit/>
           </a:bodyPr>
-          <a:p>
-            <a:endParaRPr b="0" lang="en-GB" sz="3200" spc="-1" strike="noStrike">
+          <a:lstStyle/>
+          <a:p>
+            <a:endParaRPr lang="en-GB" sz="3200" b="0" strike="noStrike" spc="-1">
               <a:latin typeface="Arial"/>
             </a:endParaRPr>
           </a:p>
@@ -1365,11 +1530,12 @@
           </a:prstGeom>
         </p:spPr>
         <p:txBody>
-          <a:bodyPr lIns="0" rIns="0" tIns="0" bIns="0">
+          <a:bodyPr lIns="0" tIns="0" rIns="0" bIns="0">
             <a:normAutofit/>
           </a:bodyPr>
-          <a:p>
-            <a:endParaRPr b="0" lang="en-GB" sz="3200" spc="-1" strike="noStrike">
+          <a:lstStyle/>
+          <a:p>
+            <a:endParaRPr lang="en-GB" sz="3200" b="0" strike="noStrike" spc="-1">
               <a:latin typeface="Arial"/>
             </a:endParaRPr>
           </a:p>
@@ -1377,11 +1543,14 @@
       </p:sp>
     </p:spTree>
   </p:cSld>
+  <p:clrMapOvr>
+    <a:masterClrMapping/>
+  </p:clrMapOvr>
 </p:sldLayout>
 </file>
 
 <file path=ppt/slideLayouts/slideLayout21.xml><?xml version="1.0" encoding="utf-8"?>
-<p:sldLayout xmlns:a="http://schemas.openxmlformats.org/drawingml/2006/main" xmlns:p="http://schemas.openxmlformats.org/presentationml/2006/main" xmlns:r="http://schemas.openxmlformats.org/officeDocument/2006/relationships" xmlns:p14="http://schemas.microsoft.com/office/powerpoint/2010/main" xmlns:p15="http://schemas.microsoft.com/office/powerpoint/2012/main" xmlns:mc="http://schemas.openxmlformats.org/markup-compatibility/2006" type="twoObjOverTx" preserve="1">
+<p:sldLayout xmlns:a="http://schemas.openxmlformats.org/drawingml/2006/main" xmlns:r="http://schemas.openxmlformats.org/officeDocument/2006/relationships" xmlns:p="http://schemas.openxmlformats.org/presentationml/2006/main" type="twoObjOverTx" preserve="1">
   <p:cSld name="Title, 2 Content over Content">
     <p:spTree>
       <p:nvGrpSpPr>
@@ -1417,12 +1586,13 @@
           </a:prstGeom>
         </p:spPr>
         <p:txBody>
-          <a:bodyPr lIns="0" rIns="0" tIns="0" bIns="0" anchor="ctr">
+          <a:bodyPr lIns="0" tIns="0" rIns="0" bIns="0" anchor="ctr">
             <a:noAutofit/>
           </a:bodyPr>
+          <a:lstStyle/>
           <a:p>
             <a:pPr algn="ctr"/>
-            <a:endParaRPr b="0" lang="en-GB" sz="4400" spc="-1" strike="noStrike">
+            <a:endParaRPr lang="en-GB" sz="4400" b="0" strike="noStrike" spc="-1">
               <a:solidFill>
                 <a:srgbClr val="006699"/>
               </a:solidFill>
@@ -1451,11 +1621,12 @@
           </a:prstGeom>
         </p:spPr>
         <p:txBody>
-          <a:bodyPr lIns="0" rIns="0" tIns="0" bIns="0">
+          <a:bodyPr lIns="0" tIns="0" rIns="0" bIns="0">
             <a:normAutofit/>
           </a:bodyPr>
-          <a:p>
-            <a:endParaRPr b="0" lang="en-GB" sz="3200" spc="-1" strike="noStrike">
+          <a:lstStyle/>
+          <a:p>
+            <a:endParaRPr lang="en-GB" sz="3200" b="0" strike="noStrike" spc="-1">
               <a:latin typeface="Arial"/>
             </a:endParaRPr>
           </a:p>
@@ -1481,11 +1652,12 @@
           </a:prstGeom>
         </p:spPr>
         <p:txBody>
-          <a:bodyPr lIns="0" rIns="0" tIns="0" bIns="0">
+          <a:bodyPr lIns="0" tIns="0" rIns="0" bIns="0">
             <a:normAutofit/>
           </a:bodyPr>
-          <a:p>
-            <a:endParaRPr b="0" lang="en-GB" sz="3200" spc="-1" strike="noStrike">
+          <a:lstStyle/>
+          <a:p>
+            <a:endParaRPr lang="en-GB" sz="3200" b="0" strike="noStrike" spc="-1">
               <a:latin typeface="Arial"/>
             </a:endParaRPr>
           </a:p>
@@ -1511,11 +1683,12 @@
           </a:prstGeom>
         </p:spPr>
         <p:txBody>
-          <a:bodyPr lIns="0" rIns="0" tIns="0" bIns="0">
+          <a:bodyPr lIns="0" tIns="0" rIns="0" bIns="0">
             <a:normAutofit/>
           </a:bodyPr>
-          <a:p>
-            <a:endParaRPr b="0" lang="en-GB" sz="3200" spc="-1" strike="noStrike">
+          <a:lstStyle/>
+          <a:p>
+            <a:endParaRPr lang="en-GB" sz="3200" b="0" strike="noStrike" spc="-1">
               <a:latin typeface="Arial"/>
             </a:endParaRPr>
           </a:p>
@@ -1523,11 +1696,14 @@
       </p:sp>
     </p:spTree>
   </p:cSld>
+  <p:clrMapOvr>
+    <a:masterClrMapping/>
+  </p:clrMapOvr>
 </p:sldLayout>
 </file>
 
 <file path=ppt/slideLayouts/slideLayout22.xml><?xml version="1.0" encoding="utf-8"?>
-<p:sldLayout xmlns:a="http://schemas.openxmlformats.org/drawingml/2006/main" xmlns:p="http://schemas.openxmlformats.org/presentationml/2006/main" xmlns:r="http://schemas.openxmlformats.org/officeDocument/2006/relationships" xmlns:p14="http://schemas.microsoft.com/office/powerpoint/2010/main" xmlns:p15="http://schemas.microsoft.com/office/powerpoint/2012/main" xmlns:mc="http://schemas.openxmlformats.org/markup-compatibility/2006" type="objOverTx" preserve="1">
+<p:sldLayout xmlns:a="http://schemas.openxmlformats.org/drawingml/2006/main" xmlns:r="http://schemas.openxmlformats.org/officeDocument/2006/relationships" xmlns:p="http://schemas.openxmlformats.org/presentationml/2006/main" type="objOverTx" preserve="1">
   <p:cSld name="Title, Content over Content">
     <p:spTree>
       <p:nvGrpSpPr>
@@ -1563,12 +1739,13 @@
           </a:prstGeom>
         </p:spPr>
         <p:txBody>
-          <a:bodyPr lIns="0" rIns="0" tIns="0" bIns="0" anchor="ctr">
+          <a:bodyPr lIns="0" tIns="0" rIns="0" bIns="0" anchor="ctr">
             <a:noAutofit/>
           </a:bodyPr>
+          <a:lstStyle/>
           <a:p>
             <a:pPr algn="ctr"/>
-            <a:endParaRPr b="0" lang="en-GB" sz="4400" spc="-1" strike="noStrike">
+            <a:endParaRPr lang="en-GB" sz="4400" b="0" strike="noStrike" spc="-1">
               <a:solidFill>
                 <a:srgbClr val="006699"/>
               </a:solidFill>
@@ -1597,11 +1774,12 @@
           </a:prstGeom>
         </p:spPr>
         <p:txBody>
-          <a:bodyPr lIns="0" rIns="0" tIns="0" bIns="0">
+          <a:bodyPr lIns="0" tIns="0" rIns="0" bIns="0">
             <a:normAutofit/>
           </a:bodyPr>
-          <a:p>
-            <a:endParaRPr b="0" lang="en-GB" sz="3200" spc="-1" strike="noStrike">
+          <a:lstStyle/>
+          <a:p>
+            <a:endParaRPr lang="en-GB" sz="3200" b="0" strike="noStrike" spc="-1">
               <a:latin typeface="Arial"/>
             </a:endParaRPr>
           </a:p>
@@ -1627,11 +1805,12 @@
           </a:prstGeom>
         </p:spPr>
         <p:txBody>
-          <a:bodyPr lIns="0" rIns="0" tIns="0" bIns="0">
+          <a:bodyPr lIns="0" tIns="0" rIns="0" bIns="0">
             <a:normAutofit/>
           </a:bodyPr>
-          <a:p>
-            <a:endParaRPr b="0" lang="en-GB" sz="3200" spc="-1" strike="noStrike">
+          <a:lstStyle/>
+          <a:p>
+            <a:endParaRPr lang="en-GB" sz="3200" b="0" strike="noStrike" spc="-1">
               <a:latin typeface="Arial"/>
             </a:endParaRPr>
           </a:p>
@@ -1639,11 +1818,14 @@
       </p:sp>
     </p:spTree>
   </p:cSld>
+  <p:clrMapOvr>
+    <a:masterClrMapping/>
+  </p:clrMapOvr>
 </p:sldLayout>
 </file>
 
 <file path=ppt/slideLayouts/slideLayout23.xml><?xml version="1.0" encoding="utf-8"?>
-<p:sldLayout xmlns:a="http://schemas.openxmlformats.org/drawingml/2006/main" xmlns:p="http://schemas.openxmlformats.org/presentationml/2006/main" xmlns:r="http://schemas.openxmlformats.org/officeDocument/2006/relationships" xmlns:p14="http://schemas.microsoft.com/office/powerpoint/2010/main" xmlns:p15="http://schemas.microsoft.com/office/powerpoint/2012/main" xmlns:mc="http://schemas.openxmlformats.org/markup-compatibility/2006" type="fourObj" preserve="1">
+<p:sldLayout xmlns:a="http://schemas.openxmlformats.org/drawingml/2006/main" xmlns:r="http://schemas.openxmlformats.org/officeDocument/2006/relationships" xmlns:p="http://schemas.openxmlformats.org/presentationml/2006/main" type="fourObj" preserve="1">
   <p:cSld name="Title, 4 Content">
     <p:spTree>
       <p:nvGrpSpPr>
@@ -1679,12 +1861,13 @@
           </a:prstGeom>
         </p:spPr>
         <p:txBody>
-          <a:bodyPr lIns="0" rIns="0" tIns="0" bIns="0" anchor="ctr">
+          <a:bodyPr lIns="0" tIns="0" rIns="0" bIns="0" anchor="ctr">
             <a:noAutofit/>
           </a:bodyPr>
+          <a:lstStyle/>
           <a:p>
             <a:pPr algn="ctr"/>
-            <a:endParaRPr b="0" lang="en-GB" sz="4400" spc="-1" strike="noStrike">
+            <a:endParaRPr lang="en-GB" sz="4400" b="0" strike="noStrike" spc="-1">
               <a:solidFill>
                 <a:srgbClr val="006699"/>
               </a:solidFill>
@@ -1713,11 +1896,12 @@
           </a:prstGeom>
         </p:spPr>
         <p:txBody>
-          <a:bodyPr lIns="0" rIns="0" tIns="0" bIns="0">
+          <a:bodyPr lIns="0" tIns="0" rIns="0" bIns="0">
             <a:normAutofit/>
           </a:bodyPr>
-          <a:p>
-            <a:endParaRPr b="0" lang="en-GB" sz="3200" spc="-1" strike="noStrike">
+          <a:lstStyle/>
+          <a:p>
+            <a:endParaRPr lang="en-GB" sz="3200" b="0" strike="noStrike" spc="-1">
               <a:latin typeface="Arial"/>
             </a:endParaRPr>
           </a:p>
@@ -1743,11 +1927,12 @@
           </a:prstGeom>
         </p:spPr>
         <p:txBody>
-          <a:bodyPr lIns="0" rIns="0" tIns="0" bIns="0">
+          <a:bodyPr lIns="0" tIns="0" rIns="0" bIns="0">
             <a:normAutofit/>
           </a:bodyPr>
-          <a:p>
-            <a:endParaRPr b="0" lang="en-GB" sz="3200" spc="-1" strike="noStrike">
+          <a:lstStyle/>
+          <a:p>
+            <a:endParaRPr lang="en-GB" sz="3200" b="0" strike="noStrike" spc="-1">
               <a:latin typeface="Arial"/>
             </a:endParaRPr>
           </a:p>
@@ -1773,11 +1958,12 @@
           </a:prstGeom>
         </p:spPr>
         <p:txBody>
-          <a:bodyPr lIns="0" rIns="0" tIns="0" bIns="0">
+          <a:bodyPr lIns="0" tIns="0" rIns="0" bIns="0">
             <a:normAutofit/>
           </a:bodyPr>
-          <a:p>
-            <a:endParaRPr b="0" lang="en-GB" sz="3200" spc="-1" strike="noStrike">
+          <a:lstStyle/>
+          <a:p>
+            <a:endParaRPr lang="en-GB" sz="3200" b="0" strike="noStrike" spc="-1">
               <a:latin typeface="Arial"/>
             </a:endParaRPr>
           </a:p>
@@ -1803,11 +1989,12 @@
           </a:prstGeom>
         </p:spPr>
         <p:txBody>
-          <a:bodyPr lIns="0" rIns="0" tIns="0" bIns="0">
+          <a:bodyPr lIns="0" tIns="0" rIns="0" bIns="0">
             <a:normAutofit/>
           </a:bodyPr>
-          <a:p>
-            <a:endParaRPr b="0" lang="en-GB" sz="3200" spc="-1" strike="noStrike">
+          <a:lstStyle/>
+          <a:p>
+            <a:endParaRPr lang="en-GB" sz="3200" b="0" strike="noStrike" spc="-1">
               <a:latin typeface="Arial"/>
             </a:endParaRPr>
           </a:p>
@@ -1815,11 +2002,14 @@
       </p:sp>
     </p:spTree>
   </p:cSld>
+  <p:clrMapOvr>
+    <a:masterClrMapping/>
+  </p:clrMapOvr>
 </p:sldLayout>
 </file>
 
 <file path=ppt/slideLayouts/slideLayout24.xml><?xml version="1.0" encoding="utf-8"?>
-<p:sldLayout xmlns:a="http://schemas.openxmlformats.org/drawingml/2006/main" xmlns:p="http://schemas.openxmlformats.org/presentationml/2006/main" xmlns:r="http://schemas.openxmlformats.org/officeDocument/2006/relationships" xmlns:p14="http://schemas.microsoft.com/office/powerpoint/2010/main" xmlns:p15="http://schemas.microsoft.com/office/powerpoint/2012/main" xmlns:mc="http://schemas.openxmlformats.org/markup-compatibility/2006" type="blank" preserve="1">
+<p:sldLayout xmlns:a="http://schemas.openxmlformats.org/drawingml/2006/main" xmlns:r="http://schemas.openxmlformats.org/officeDocument/2006/relationships" xmlns:p="http://schemas.openxmlformats.org/presentationml/2006/main" type="blank" preserve="1">
   <p:cSld name="Title, 6 Content">
     <p:spTree>
       <p:nvGrpSpPr>
@@ -1855,12 +2045,13 @@
           </a:prstGeom>
         </p:spPr>
         <p:txBody>
-          <a:bodyPr lIns="0" rIns="0" tIns="0" bIns="0" anchor="ctr">
+          <a:bodyPr lIns="0" tIns="0" rIns="0" bIns="0" anchor="ctr">
             <a:noAutofit/>
           </a:bodyPr>
+          <a:lstStyle/>
           <a:p>
             <a:pPr algn="ctr"/>
-            <a:endParaRPr b="0" lang="en-GB" sz="4400" spc="-1" strike="noStrike">
+            <a:endParaRPr lang="en-GB" sz="4400" b="0" strike="noStrike" spc="-1">
               <a:solidFill>
                 <a:srgbClr val="006699"/>
               </a:solidFill>
@@ -1889,11 +2080,12 @@
           </a:prstGeom>
         </p:spPr>
         <p:txBody>
-          <a:bodyPr lIns="0" rIns="0" tIns="0" bIns="0">
+          <a:bodyPr lIns="0" tIns="0" rIns="0" bIns="0">
             <a:normAutofit/>
           </a:bodyPr>
-          <a:p>
-            <a:endParaRPr b="0" lang="en-GB" sz="3200" spc="-1" strike="noStrike">
+          <a:lstStyle/>
+          <a:p>
+            <a:endParaRPr lang="en-GB" sz="3200" b="0" strike="noStrike" spc="-1">
               <a:latin typeface="Arial"/>
             </a:endParaRPr>
           </a:p>
@@ -1919,11 +2111,12 @@
           </a:prstGeom>
         </p:spPr>
         <p:txBody>
-          <a:bodyPr lIns="0" rIns="0" tIns="0" bIns="0">
+          <a:bodyPr lIns="0" tIns="0" rIns="0" bIns="0">
             <a:normAutofit/>
           </a:bodyPr>
-          <a:p>
-            <a:endParaRPr b="0" lang="en-GB" sz="3200" spc="-1" strike="noStrike">
+          <a:lstStyle/>
+          <a:p>
+            <a:endParaRPr lang="en-GB" sz="3200" b="0" strike="noStrike" spc="-1">
               <a:latin typeface="Arial"/>
             </a:endParaRPr>
           </a:p>
@@ -1949,11 +2142,12 @@
           </a:prstGeom>
         </p:spPr>
         <p:txBody>
-          <a:bodyPr lIns="0" rIns="0" tIns="0" bIns="0">
+          <a:bodyPr lIns="0" tIns="0" rIns="0" bIns="0">
             <a:normAutofit/>
           </a:bodyPr>
-          <a:p>
-            <a:endParaRPr b="0" lang="en-GB" sz="3200" spc="-1" strike="noStrike">
+          <a:lstStyle/>
+          <a:p>
+            <a:endParaRPr lang="en-GB" sz="3200" b="0" strike="noStrike" spc="-1">
               <a:latin typeface="Arial"/>
             </a:endParaRPr>
           </a:p>
@@ -1979,11 +2173,12 @@
           </a:prstGeom>
         </p:spPr>
         <p:txBody>
-          <a:bodyPr lIns="0" rIns="0" tIns="0" bIns="0">
+          <a:bodyPr lIns="0" tIns="0" rIns="0" bIns="0">
             <a:normAutofit/>
           </a:bodyPr>
-          <a:p>
-            <a:endParaRPr b="0" lang="en-GB" sz="3200" spc="-1" strike="noStrike">
+          <a:lstStyle/>
+          <a:p>
+            <a:endParaRPr lang="en-GB" sz="3200" b="0" strike="noStrike" spc="-1">
               <a:latin typeface="Arial"/>
             </a:endParaRPr>
           </a:p>
@@ -2009,11 +2204,12 @@
           </a:prstGeom>
         </p:spPr>
         <p:txBody>
-          <a:bodyPr lIns="0" rIns="0" tIns="0" bIns="0">
+          <a:bodyPr lIns="0" tIns="0" rIns="0" bIns="0">
             <a:normAutofit/>
           </a:bodyPr>
-          <a:p>
-            <a:endParaRPr b="0" lang="en-GB" sz="3200" spc="-1" strike="noStrike">
+          <a:lstStyle/>
+          <a:p>
+            <a:endParaRPr lang="en-GB" sz="3200" b="0" strike="noStrike" spc="-1">
               <a:latin typeface="Arial"/>
             </a:endParaRPr>
           </a:p>
@@ -2039,11 +2235,12 @@
           </a:prstGeom>
         </p:spPr>
         <p:txBody>
-          <a:bodyPr lIns="0" rIns="0" tIns="0" bIns="0">
+          <a:bodyPr lIns="0" tIns="0" rIns="0" bIns="0">
             <a:normAutofit/>
           </a:bodyPr>
-          <a:p>
-            <a:endParaRPr b="0" lang="en-GB" sz="3200" spc="-1" strike="noStrike">
+          <a:lstStyle/>
+          <a:p>
+            <a:endParaRPr lang="en-GB" sz="3200" b="0" strike="noStrike" spc="-1">
               <a:latin typeface="Arial"/>
             </a:endParaRPr>
           </a:p>
@@ -2051,11 +2248,14 @@
       </p:sp>
     </p:spTree>
   </p:cSld>
+  <p:clrMapOvr>
+    <a:masterClrMapping/>
+  </p:clrMapOvr>
 </p:sldLayout>
 </file>
 
 <file path=ppt/slideLayouts/slideLayout25.xml><?xml version="1.0" encoding="utf-8"?>
-<p:sldLayout xmlns:a="http://schemas.openxmlformats.org/drawingml/2006/main" xmlns:p="http://schemas.openxmlformats.org/presentationml/2006/main" xmlns:r="http://schemas.openxmlformats.org/officeDocument/2006/relationships" xmlns:p14="http://schemas.microsoft.com/office/powerpoint/2010/main" xmlns:p15="http://schemas.microsoft.com/office/powerpoint/2012/main" xmlns:mc="http://schemas.openxmlformats.org/markup-compatibility/2006" type="blank" preserve="1">
+<p:sldLayout xmlns:a="http://schemas.openxmlformats.org/drawingml/2006/main" xmlns:r="http://schemas.openxmlformats.org/officeDocument/2006/relationships" xmlns:p="http://schemas.openxmlformats.org/presentationml/2006/main" type="blank" preserve="1">
   <p:cSld name="Blank Slide">
     <p:spTree>
       <p:nvGrpSpPr>
@@ -2073,11 +2273,14 @@
       </p:grpSpPr>
     </p:spTree>
   </p:cSld>
+  <p:clrMapOvr>
+    <a:masterClrMapping/>
+  </p:clrMapOvr>
 </p:sldLayout>
 </file>
 
 <file path=ppt/slideLayouts/slideLayout26.xml><?xml version="1.0" encoding="utf-8"?>
-<p:sldLayout xmlns:a="http://schemas.openxmlformats.org/drawingml/2006/main" xmlns:p="http://schemas.openxmlformats.org/presentationml/2006/main" xmlns:r="http://schemas.openxmlformats.org/officeDocument/2006/relationships" xmlns:p14="http://schemas.microsoft.com/office/powerpoint/2010/main" xmlns:p15="http://schemas.microsoft.com/office/powerpoint/2012/main" xmlns:mc="http://schemas.openxmlformats.org/markup-compatibility/2006" type="tx" preserve="1">
+<p:sldLayout xmlns:a="http://schemas.openxmlformats.org/drawingml/2006/main" xmlns:r="http://schemas.openxmlformats.org/officeDocument/2006/relationships" xmlns:p="http://schemas.openxmlformats.org/presentationml/2006/main" type="tx" preserve="1">
   <p:cSld name="Title Slide">
     <p:spTree>
       <p:nvGrpSpPr>
@@ -2113,12 +2316,13 @@
           </a:prstGeom>
         </p:spPr>
         <p:txBody>
-          <a:bodyPr lIns="0" rIns="0" tIns="0" bIns="0" anchor="ctr">
+          <a:bodyPr lIns="0" tIns="0" rIns="0" bIns="0" anchor="ctr">
             <a:noAutofit/>
           </a:bodyPr>
+          <a:lstStyle/>
           <a:p>
             <a:pPr algn="ctr"/>
-            <a:endParaRPr b="0" lang="en-GB" sz="4400" spc="-1" strike="noStrike">
+            <a:endParaRPr lang="en-GB" sz="4400" b="0" strike="noStrike" spc="-1">
               <a:solidFill>
                 <a:srgbClr val="006699"/>
               </a:solidFill>
@@ -2147,14 +2351,15 @@
           </a:prstGeom>
         </p:spPr>
         <p:txBody>
-          <a:bodyPr lIns="0" rIns="0" tIns="0" bIns="0" anchor="ctr">
+          <a:bodyPr lIns="0" tIns="0" rIns="0" bIns="0" anchor="ctr">
             <a:noAutofit/>
           </a:bodyPr>
+          <a:lstStyle/>
           <a:p>
             <a:pPr algn="ctr"/>
-            <a:endParaRPr b="0" lang="en-GB" sz="3200" spc="-1" strike="noStrike">
+            <a:endParaRPr lang="en-GB" sz="3200" b="0" strike="noStrike" spc="-1">
               <a:highlight>
-                <a:srgbClr val="ffffff"/>
+                <a:srgbClr val="FFFFFF"/>
               </a:highlight>
               <a:latin typeface="Arial"/>
             </a:endParaRPr>
@@ -2163,11 +2368,14 @@
       </p:sp>
     </p:spTree>
   </p:cSld>
+  <p:clrMapOvr>
+    <a:masterClrMapping/>
+  </p:clrMapOvr>
 </p:sldLayout>
 </file>
 
 <file path=ppt/slideLayouts/slideLayout27.xml><?xml version="1.0" encoding="utf-8"?>
-<p:sldLayout xmlns:a="http://schemas.openxmlformats.org/drawingml/2006/main" xmlns:p="http://schemas.openxmlformats.org/presentationml/2006/main" xmlns:r="http://schemas.openxmlformats.org/officeDocument/2006/relationships" xmlns:p14="http://schemas.microsoft.com/office/powerpoint/2010/main" xmlns:p15="http://schemas.microsoft.com/office/powerpoint/2012/main" xmlns:mc="http://schemas.openxmlformats.org/markup-compatibility/2006" type="obj" preserve="1">
+<p:sldLayout xmlns:a="http://schemas.openxmlformats.org/drawingml/2006/main" xmlns:r="http://schemas.openxmlformats.org/officeDocument/2006/relationships" xmlns:p="http://schemas.openxmlformats.org/presentationml/2006/main" type="obj" preserve="1">
   <p:cSld name="Title, Content">
     <p:spTree>
       <p:nvGrpSpPr>
@@ -2203,12 +2411,13 @@
           </a:prstGeom>
         </p:spPr>
         <p:txBody>
-          <a:bodyPr lIns="0" rIns="0" tIns="0" bIns="0" anchor="ctr">
+          <a:bodyPr lIns="0" tIns="0" rIns="0" bIns="0" anchor="ctr">
             <a:noAutofit/>
           </a:bodyPr>
+          <a:lstStyle/>
           <a:p>
             <a:pPr algn="ctr"/>
-            <a:endParaRPr b="0" lang="en-GB" sz="4400" spc="-1" strike="noStrike">
+            <a:endParaRPr lang="en-GB" sz="4400" b="0" strike="noStrike" spc="-1">
               <a:solidFill>
                 <a:srgbClr val="006699"/>
               </a:solidFill>
@@ -2237,11 +2446,12 @@
           </a:prstGeom>
         </p:spPr>
         <p:txBody>
-          <a:bodyPr lIns="0" rIns="0" tIns="0" bIns="0">
+          <a:bodyPr lIns="0" tIns="0" rIns="0" bIns="0">
             <a:normAutofit/>
           </a:bodyPr>
-          <a:p>
-            <a:endParaRPr b="0" lang="en-GB" sz="3200" spc="-1" strike="noStrike">
+          <a:lstStyle/>
+          <a:p>
+            <a:endParaRPr lang="en-GB" sz="3200" b="0" strike="noStrike" spc="-1">
               <a:latin typeface="Arial"/>
             </a:endParaRPr>
           </a:p>
@@ -2249,11 +2459,14 @@
       </p:sp>
     </p:spTree>
   </p:cSld>
+  <p:clrMapOvr>
+    <a:masterClrMapping/>
+  </p:clrMapOvr>
 </p:sldLayout>
 </file>
 
 <file path=ppt/slideLayouts/slideLayout28.xml><?xml version="1.0" encoding="utf-8"?>
-<p:sldLayout xmlns:a="http://schemas.openxmlformats.org/drawingml/2006/main" xmlns:p="http://schemas.openxmlformats.org/presentationml/2006/main" xmlns:r="http://schemas.openxmlformats.org/officeDocument/2006/relationships" xmlns:p14="http://schemas.microsoft.com/office/powerpoint/2010/main" xmlns:p15="http://schemas.microsoft.com/office/powerpoint/2012/main" xmlns:mc="http://schemas.openxmlformats.org/markup-compatibility/2006" type="twoObj" preserve="1">
+<p:sldLayout xmlns:a="http://schemas.openxmlformats.org/drawingml/2006/main" xmlns:r="http://schemas.openxmlformats.org/officeDocument/2006/relationships" xmlns:p="http://schemas.openxmlformats.org/presentationml/2006/main" type="twoObj" preserve="1">
   <p:cSld name="Title, 2 Content">
     <p:spTree>
       <p:nvGrpSpPr>
@@ -2289,12 +2502,13 @@
           </a:prstGeom>
         </p:spPr>
         <p:txBody>
-          <a:bodyPr lIns="0" rIns="0" tIns="0" bIns="0" anchor="ctr">
+          <a:bodyPr lIns="0" tIns="0" rIns="0" bIns="0" anchor="ctr">
             <a:noAutofit/>
           </a:bodyPr>
+          <a:lstStyle/>
           <a:p>
             <a:pPr algn="ctr"/>
-            <a:endParaRPr b="0" lang="en-GB" sz="4400" spc="-1" strike="noStrike">
+            <a:endParaRPr lang="en-GB" sz="4400" b="0" strike="noStrike" spc="-1">
               <a:solidFill>
                 <a:srgbClr val="006699"/>
               </a:solidFill>
@@ -2323,11 +2537,12 @@
           </a:prstGeom>
         </p:spPr>
         <p:txBody>
-          <a:bodyPr lIns="0" rIns="0" tIns="0" bIns="0">
+          <a:bodyPr lIns="0" tIns="0" rIns="0" bIns="0">
             <a:normAutofit/>
           </a:bodyPr>
-          <a:p>
-            <a:endParaRPr b="0" lang="en-GB" sz="3200" spc="-1" strike="noStrike">
+          <a:lstStyle/>
+          <a:p>
+            <a:endParaRPr lang="en-GB" sz="3200" b="0" strike="noStrike" spc="-1">
               <a:latin typeface="Arial"/>
             </a:endParaRPr>
           </a:p>
@@ -2353,11 +2568,12 @@
           </a:prstGeom>
         </p:spPr>
         <p:txBody>
-          <a:bodyPr lIns="0" rIns="0" tIns="0" bIns="0">
+          <a:bodyPr lIns="0" tIns="0" rIns="0" bIns="0">
             <a:normAutofit/>
           </a:bodyPr>
-          <a:p>
-            <a:endParaRPr b="0" lang="en-GB" sz="3200" spc="-1" strike="noStrike">
+          <a:lstStyle/>
+          <a:p>
+            <a:endParaRPr lang="en-GB" sz="3200" b="0" strike="noStrike" spc="-1">
               <a:latin typeface="Arial"/>
             </a:endParaRPr>
           </a:p>
@@ -2365,11 +2581,14 @@
       </p:sp>
     </p:spTree>
   </p:cSld>
+  <p:clrMapOvr>
+    <a:masterClrMapping/>
+  </p:clrMapOvr>
 </p:sldLayout>
 </file>
 
 <file path=ppt/slideLayouts/slideLayout29.xml><?xml version="1.0" encoding="utf-8"?>
-<p:sldLayout xmlns:a="http://schemas.openxmlformats.org/drawingml/2006/main" xmlns:p="http://schemas.openxmlformats.org/presentationml/2006/main" xmlns:r="http://schemas.openxmlformats.org/officeDocument/2006/relationships" xmlns:p14="http://schemas.microsoft.com/office/powerpoint/2010/main" xmlns:p15="http://schemas.microsoft.com/office/powerpoint/2012/main" xmlns:mc="http://schemas.openxmlformats.org/markup-compatibility/2006" type="titleOnly" preserve="1">
+<p:sldLayout xmlns:a="http://schemas.openxmlformats.org/drawingml/2006/main" xmlns:r="http://schemas.openxmlformats.org/officeDocument/2006/relationships" xmlns:p="http://schemas.openxmlformats.org/presentationml/2006/main" type="titleOnly" preserve="1">
   <p:cSld name="Title Only">
     <p:spTree>
       <p:nvGrpSpPr>
@@ -2405,12 +2624,13 @@
           </a:prstGeom>
         </p:spPr>
         <p:txBody>
-          <a:bodyPr lIns="0" rIns="0" tIns="0" bIns="0" anchor="ctr">
+          <a:bodyPr lIns="0" tIns="0" rIns="0" bIns="0" anchor="ctr">
             <a:noAutofit/>
           </a:bodyPr>
+          <a:lstStyle/>
           <a:p>
             <a:pPr algn="ctr"/>
-            <a:endParaRPr b="0" lang="en-GB" sz="4400" spc="-1" strike="noStrike">
+            <a:endParaRPr lang="en-GB" sz="4400" b="0" strike="noStrike" spc="-1">
               <a:solidFill>
                 <a:srgbClr val="006699"/>
               </a:solidFill>
@@ -2421,11 +2641,14 @@
       </p:sp>
     </p:spTree>
   </p:cSld>
+  <p:clrMapOvr>
+    <a:masterClrMapping/>
+  </p:clrMapOvr>
 </p:sldLayout>
 </file>
 
 <file path=ppt/slideLayouts/slideLayout3.xml><?xml version="1.0" encoding="utf-8"?>
-<p:sldLayout xmlns:a="http://schemas.openxmlformats.org/drawingml/2006/main" xmlns:p="http://schemas.openxmlformats.org/presentationml/2006/main" xmlns:r="http://schemas.openxmlformats.org/officeDocument/2006/relationships" xmlns:p14="http://schemas.microsoft.com/office/powerpoint/2010/main" xmlns:p15="http://schemas.microsoft.com/office/powerpoint/2012/main" xmlns:mc="http://schemas.openxmlformats.org/markup-compatibility/2006" type="obj" preserve="1">
+<p:sldLayout xmlns:a="http://schemas.openxmlformats.org/drawingml/2006/main" xmlns:r="http://schemas.openxmlformats.org/officeDocument/2006/relationships" xmlns:p="http://schemas.openxmlformats.org/presentationml/2006/main" type="obj" preserve="1">
   <p:cSld name="Title, Content">
     <p:spTree>
       <p:nvGrpSpPr>
@@ -2461,12 +2684,13 @@
           </a:prstGeom>
         </p:spPr>
         <p:txBody>
-          <a:bodyPr lIns="0" rIns="0" tIns="0" bIns="0" anchor="ctr">
+          <a:bodyPr lIns="0" tIns="0" rIns="0" bIns="0" anchor="ctr">
             <a:noAutofit/>
           </a:bodyPr>
+          <a:lstStyle/>
           <a:p>
             <a:pPr algn="ctr"/>
-            <a:endParaRPr b="0" lang="en-GB" sz="4400" spc="-1" strike="noStrike">
+            <a:endParaRPr lang="en-GB" sz="4400" b="0" strike="noStrike" spc="-1">
               <a:solidFill>
                 <a:srgbClr val="006699"/>
               </a:solidFill>
@@ -2495,11 +2719,12 @@
           </a:prstGeom>
         </p:spPr>
         <p:txBody>
-          <a:bodyPr lIns="0" rIns="0" tIns="0" bIns="0">
+          <a:bodyPr lIns="0" tIns="0" rIns="0" bIns="0">
             <a:normAutofit/>
           </a:bodyPr>
-          <a:p>
-            <a:endParaRPr b="0" lang="en-GB" sz="3200" spc="-1" strike="noStrike">
+          <a:lstStyle/>
+          <a:p>
+            <a:endParaRPr lang="en-GB" sz="3200" b="0" strike="noStrike" spc="-1">
               <a:latin typeface="Arial"/>
             </a:endParaRPr>
           </a:p>
@@ -2507,11 +2732,14 @@
       </p:sp>
     </p:spTree>
   </p:cSld>
+  <p:clrMapOvr>
+    <a:masterClrMapping/>
+  </p:clrMapOvr>
 </p:sldLayout>
 </file>
 
 <file path=ppt/slideLayouts/slideLayout30.xml><?xml version="1.0" encoding="utf-8"?>
-<p:sldLayout xmlns:a="http://schemas.openxmlformats.org/drawingml/2006/main" xmlns:p="http://schemas.openxmlformats.org/presentationml/2006/main" xmlns:r="http://schemas.openxmlformats.org/officeDocument/2006/relationships" xmlns:p14="http://schemas.microsoft.com/office/powerpoint/2010/main" xmlns:p15="http://schemas.microsoft.com/office/powerpoint/2012/main" xmlns:mc="http://schemas.openxmlformats.org/markup-compatibility/2006" type="objOnly" preserve="1">
+<p:sldLayout xmlns:a="http://schemas.openxmlformats.org/drawingml/2006/main" xmlns:r="http://schemas.openxmlformats.org/officeDocument/2006/relationships" xmlns:p="http://schemas.openxmlformats.org/presentationml/2006/main" type="objOnly" preserve="1">
   <p:cSld name="Centered Text">
     <p:spTree>
       <p:nvGrpSpPr>
@@ -2547,14 +2775,15 @@
           </a:prstGeom>
         </p:spPr>
         <p:txBody>
-          <a:bodyPr lIns="0" rIns="0" tIns="0" bIns="0" anchor="ctr">
+          <a:bodyPr lIns="0" tIns="0" rIns="0" bIns="0" anchor="ctr">
             <a:noAutofit/>
           </a:bodyPr>
+          <a:lstStyle/>
           <a:p>
             <a:pPr algn="ctr"/>
-            <a:endParaRPr b="0" lang="en-GB" sz="3200" spc="-1" strike="noStrike">
+            <a:endParaRPr lang="en-GB" sz="3200" b="0" strike="noStrike" spc="-1">
               <a:highlight>
-                <a:srgbClr val="ffffff"/>
+                <a:srgbClr val="FFFFFF"/>
               </a:highlight>
               <a:latin typeface="Arial"/>
             </a:endParaRPr>
@@ -2563,11 +2792,14 @@
       </p:sp>
     </p:spTree>
   </p:cSld>
+  <p:clrMapOvr>
+    <a:masterClrMapping/>
+  </p:clrMapOvr>
 </p:sldLayout>
 </file>
 
 <file path=ppt/slideLayouts/slideLayout31.xml><?xml version="1.0" encoding="utf-8"?>
-<p:sldLayout xmlns:a="http://schemas.openxmlformats.org/drawingml/2006/main" xmlns:p="http://schemas.openxmlformats.org/presentationml/2006/main" xmlns:r="http://schemas.openxmlformats.org/officeDocument/2006/relationships" xmlns:p14="http://schemas.microsoft.com/office/powerpoint/2010/main" xmlns:p15="http://schemas.microsoft.com/office/powerpoint/2012/main" xmlns:mc="http://schemas.openxmlformats.org/markup-compatibility/2006" type="twoObjAndObj" preserve="1">
+<p:sldLayout xmlns:a="http://schemas.openxmlformats.org/drawingml/2006/main" xmlns:r="http://schemas.openxmlformats.org/officeDocument/2006/relationships" xmlns:p="http://schemas.openxmlformats.org/presentationml/2006/main" type="twoObjAndObj" preserve="1">
   <p:cSld name="Title, 2 Content and Content">
     <p:spTree>
       <p:nvGrpSpPr>
@@ -2603,12 +2835,13 @@
           </a:prstGeom>
         </p:spPr>
         <p:txBody>
-          <a:bodyPr lIns="0" rIns="0" tIns="0" bIns="0" anchor="ctr">
+          <a:bodyPr lIns="0" tIns="0" rIns="0" bIns="0" anchor="ctr">
             <a:noAutofit/>
           </a:bodyPr>
+          <a:lstStyle/>
           <a:p>
             <a:pPr algn="ctr"/>
-            <a:endParaRPr b="0" lang="en-GB" sz="4400" spc="-1" strike="noStrike">
+            <a:endParaRPr lang="en-GB" sz="4400" b="0" strike="noStrike" spc="-1">
               <a:solidFill>
                 <a:srgbClr val="006699"/>
               </a:solidFill>
@@ -2637,11 +2870,12 @@
           </a:prstGeom>
         </p:spPr>
         <p:txBody>
-          <a:bodyPr lIns="0" rIns="0" tIns="0" bIns="0">
+          <a:bodyPr lIns="0" tIns="0" rIns="0" bIns="0">
             <a:normAutofit/>
           </a:bodyPr>
-          <a:p>
-            <a:endParaRPr b="0" lang="en-GB" sz="3200" spc="-1" strike="noStrike">
+          <a:lstStyle/>
+          <a:p>
+            <a:endParaRPr lang="en-GB" sz="3200" b="0" strike="noStrike" spc="-1">
               <a:latin typeface="Arial"/>
             </a:endParaRPr>
           </a:p>
@@ -2667,11 +2901,12 @@
           </a:prstGeom>
         </p:spPr>
         <p:txBody>
-          <a:bodyPr lIns="0" rIns="0" tIns="0" bIns="0">
+          <a:bodyPr lIns="0" tIns="0" rIns="0" bIns="0">
             <a:normAutofit/>
           </a:bodyPr>
-          <a:p>
-            <a:endParaRPr b="0" lang="en-GB" sz="3200" spc="-1" strike="noStrike">
+          <a:lstStyle/>
+          <a:p>
+            <a:endParaRPr lang="en-GB" sz="3200" b="0" strike="noStrike" spc="-1">
               <a:latin typeface="Arial"/>
             </a:endParaRPr>
           </a:p>
@@ -2697,11 +2932,12 @@
           </a:prstGeom>
         </p:spPr>
         <p:txBody>
-          <a:bodyPr lIns="0" rIns="0" tIns="0" bIns="0">
+          <a:bodyPr lIns="0" tIns="0" rIns="0" bIns="0">
             <a:normAutofit/>
           </a:bodyPr>
-          <a:p>
-            <a:endParaRPr b="0" lang="en-GB" sz="3200" spc="-1" strike="noStrike">
+          <a:lstStyle/>
+          <a:p>
+            <a:endParaRPr lang="en-GB" sz="3200" b="0" strike="noStrike" spc="-1">
               <a:latin typeface="Arial"/>
             </a:endParaRPr>
           </a:p>
@@ -2709,11 +2945,14 @@
       </p:sp>
     </p:spTree>
   </p:cSld>
+  <p:clrMapOvr>
+    <a:masterClrMapping/>
+  </p:clrMapOvr>
 </p:sldLayout>
 </file>
 
 <file path=ppt/slideLayouts/slideLayout32.xml><?xml version="1.0" encoding="utf-8"?>
-<p:sldLayout xmlns:a="http://schemas.openxmlformats.org/drawingml/2006/main" xmlns:p="http://schemas.openxmlformats.org/presentationml/2006/main" xmlns:r="http://schemas.openxmlformats.org/officeDocument/2006/relationships" xmlns:p14="http://schemas.microsoft.com/office/powerpoint/2010/main" xmlns:p15="http://schemas.microsoft.com/office/powerpoint/2012/main" xmlns:mc="http://schemas.openxmlformats.org/markup-compatibility/2006" type="objAndTwoObj" preserve="1">
+<p:sldLayout xmlns:a="http://schemas.openxmlformats.org/drawingml/2006/main" xmlns:r="http://schemas.openxmlformats.org/officeDocument/2006/relationships" xmlns:p="http://schemas.openxmlformats.org/presentationml/2006/main" type="objAndTwoObj" preserve="1">
   <p:cSld name="Title Content and 2 Content">
     <p:spTree>
       <p:nvGrpSpPr>
@@ -2749,12 +2988,13 @@
           </a:prstGeom>
         </p:spPr>
         <p:txBody>
-          <a:bodyPr lIns="0" rIns="0" tIns="0" bIns="0" anchor="ctr">
+          <a:bodyPr lIns="0" tIns="0" rIns="0" bIns="0" anchor="ctr">
             <a:noAutofit/>
           </a:bodyPr>
+          <a:lstStyle/>
           <a:p>
             <a:pPr algn="ctr"/>
-            <a:endParaRPr b="0" lang="en-GB" sz="4400" spc="-1" strike="noStrike">
+            <a:endParaRPr lang="en-GB" sz="4400" b="0" strike="noStrike" spc="-1">
               <a:solidFill>
                 <a:srgbClr val="006699"/>
               </a:solidFill>
@@ -2783,11 +3023,12 @@
           </a:prstGeom>
         </p:spPr>
         <p:txBody>
-          <a:bodyPr lIns="0" rIns="0" tIns="0" bIns="0">
+          <a:bodyPr lIns="0" tIns="0" rIns="0" bIns="0">
             <a:normAutofit/>
           </a:bodyPr>
-          <a:p>
-            <a:endParaRPr b="0" lang="en-GB" sz="3200" spc="-1" strike="noStrike">
+          <a:lstStyle/>
+          <a:p>
+            <a:endParaRPr lang="en-GB" sz="3200" b="0" strike="noStrike" spc="-1">
               <a:latin typeface="Arial"/>
             </a:endParaRPr>
           </a:p>
@@ -2813,11 +3054,12 @@
           </a:prstGeom>
         </p:spPr>
         <p:txBody>
-          <a:bodyPr lIns="0" rIns="0" tIns="0" bIns="0">
+          <a:bodyPr lIns="0" tIns="0" rIns="0" bIns="0">
             <a:normAutofit/>
           </a:bodyPr>
-          <a:p>
-            <a:endParaRPr b="0" lang="en-GB" sz="3200" spc="-1" strike="noStrike">
+          <a:lstStyle/>
+          <a:p>
+            <a:endParaRPr lang="en-GB" sz="3200" b="0" strike="noStrike" spc="-1">
               <a:latin typeface="Arial"/>
             </a:endParaRPr>
           </a:p>
@@ -2843,11 +3085,12 @@
           </a:prstGeom>
         </p:spPr>
         <p:txBody>
-          <a:bodyPr lIns="0" rIns="0" tIns="0" bIns="0">
+          <a:bodyPr lIns="0" tIns="0" rIns="0" bIns="0">
             <a:normAutofit/>
           </a:bodyPr>
-          <a:p>
-            <a:endParaRPr b="0" lang="en-GB" sz="3200" spc="-1" strike="noStrike">
+          <a:lstStyle/>
+          <a:p>
+            <a:endParaRPr lang="en-GB" sz="3200" b="0" strike="noStrike" spc="-1">
               <a:latin typeface="Arial"/>
             </a:endParaRPr>
           </a:p>
@@ -2855,11 +3098,14 @@
       </p:sp>
     </p:spTree>
   </p:cSld>
+  <p:clrMapOvr>
+    <a:masterClrMapping/>
+  </p:clrMapOvr>
 </p:sldLayout>
 </file>
 
 <file path=ppt/slideLayouts/slideLayout33.xml><?xml version="1.0" encoding="utf-8"?>
-<p:sldLayout xmlns:a="http://schemas.openxmlformats.org/drawingml/2006/main" xmlns:p="http://schemas.openxmlformats.org/presentationml/2006/main" xmlns:r="http://schemas.openxmlformats.org/officeDocument/2006/relationships" xmlns:p14="http://schemas.microsoft.com/office/powerpoint/2010/main" xmlns:p15="http://schemas.microsoft.com/office/powerpoint/2012/main" xmlns:mc="http://schemas.openxmlformats.org/markup-compatibility/2006" type="twoObjOverTx" preserve="1">
+<p:sldLayout xmlns:a="http://schemas.openxmlformats.org/drawingml/2006/main" xmlns:r="http://schemas.openxmlformats.org/officeDocument/2006/relationships" xmlns:p="http://schemas.openxmlformats.org/presentationml/2006/main" type="twoObjOverTx" preserve="1">
   <p:cSld name="Title, 2 Content over Content">
     <p:spTree>
       <p:nvGrpSpPr>
@@ -2895,12 +3141,13 @@
           </a:prstGeom>
         </p:spPr>
         <p:txBody>
-          <a:bodyPr lIns="0" rIns="0" tIns="0" bIns="0" anchor="ctr">
+          <a:bodyPr lIns="0" tIns="0" rIns="0" bIns="0" anchor="ctr">
             <a:noAutofit/>
           </a:bodyPr>
+          <a:lstStyle/>
           <a:p>
             <a:pPr algn="ctr"/>
-            <a:endParaRPr b="0" lang="en-GB" sz="4400" spc="-1" strike="noStrike">
+            <a:endParaRPr lang="en-GB" sz="4400" b="0" strike="noStrike" spc="-1">
               <a:solidFill>
                 <a:srgbClr val="006699"/>
               </a:solidFill>
@@ -2929,11 +3176,12 @@
           </a:prstGeom>
         </p:spPr>
         <p:txBody>
-          <a:bodyPr lIns="0" rIns="0" tIns="0" bIns="0">
+          <a:bodyPr lIns="0" tIns="0" rIns="0" bIns="0">
             <a:normAutofit/>
           </a:bodyPr>
-          <a:p>
-            <a:endParaRPr b="0" lang="en-GB" sz="3200" spc="-1" strike="noStrike">
+          <a:lstStyle/>
+          <a:p>
+            <a:endParaRPr lang="en-GB" sz="3200" b="0" strike="noStrike" spc="-1">
               <a:latin typeface="Arial"/>
             </a:endParaRPr>
           </a:p>
@@ -2959,11 +3207,12 @@
           </a:prstGeom>
         </p:spPr>
         <p:txBody>
-          <a:bodyPr lIns="0" rIns="0" tIns="0" bIns="0">
+          <a:bodyPr lIns="0" tIns="0" rIns="0" bIns="0">
             <a:normAutofit/>
           </a:bodyPr>
-          <a:p>
-            <a:endParaRPr b="0" lang="en-GB" sz="3200" spc="-1" strike="noStrike">
+          <a:lstStyle/>
+          <a:p>
+            <a:endParaRPr lang="en-GB" sz="3200" b="0" strike="noStrike" spc="-1">
               <a:latin typeface="Arial"/>
             </a:endParaRPr>
           </a:p>
@@ -2989,11 +3238,12 @@
           </a:prstGeom>
         </p:spPr>
         <p:txBody>
-          <a:bodyPr lIns="0" rIns="0" tIns="0" bIns="0">
+          <a:bodyPr lIns="0" tIns="0" rIns="0" bIns="0">
             <a:normAutofit/>
           </a:bodyPr>
-          <a:p>
-            <a:endParaRPr b="0" lang="en-GB" sz="3200" spc="-1" strike="noStrike">
+          <a:lstStyle/>
+          <a:p>
+            <a:endParaRPr lang="en-GB" sz="3200" b="0" strike="noStrike" spc="-1">
               <a:latin typeface="Arial"/>
             </a:endParaRPr>
           </a:p>
@@ -3001,11 +3251,14 @@
       </p:sp>
     </p:spTree>
   </p:cSld>
+  <p:clrMapOvr>
+    <a:masterClrMapping/>
+  </p:clrMapOvr>
 </p:sldLayout>
 </file>
 
 <file path=ppt/slideLayouts/slideLayout34.xml><?xml version="1.0" encoding="utf-8"?>
-<p:sldLayout xmlns:a="http://schemas.openxmlformats.org/drawingml/2006/main" xmlns:p="http://schemas.openxmlformats.org/presentationml/2006/main" xmlns:r="http://schemas.openxmlformats.org/officeDocument/2006/relationships" xmlns:p14="http://schemas.microsoft.com/office/powerpoint/2010/main" xmlns:p15="http://schemas.microsoft.com/office/powerpoint/2012/main" xmlns:mc="http://schemas.openxmlformats.org/markup-compatibility/2006" type="objOverTx" preserve="1">
+<p:sldLayout xmlns:a="http://schemas.openxmlformats.org/drawingml/2006/main" xmlns:r="http://schemas.openxmlformats.org/officeDocument/2006/relationships" xmlns:p="http://schemas.openxmlformats.org/presentationml/2006/main" type="objOverTx" preserve="1">
   <p:cSld name="Title, Content over Content">
     <p:spTree>
       <p:nvGrpSpPr>
@@ -3041,12 +3294,13 @@
           </a:prstGeom>
         </p:spPr>
         <p:txBody>
-          <a:bodyPr lIns="0" rIns="0" tIns="0" bIns="0" anchor="ctr">
+          <a:bodyPr lIns="0" tIns="0" rIns="0" bIns="0" anchor="ctr">
             <a:noAutofit/>
           </a:bodyPr>
+          <a:lstStyle/>
           <a:p>
             <a:pPr algn="ctr"/>
-            <a:endParaRPr b="0" lang="en-GB" sz="4400" spc="-1" strike="noStrike">
+            <a:endParaRPr lang="en-GB" sz="4400" b="0" strike="noStrike" spc="-1">
               <a:solidFill>
                 <a:srgbClr val="006699"/>
               </a:solidFill>
@@ -3075,11 +3329,12 @@
           </a:prstGeom>
         </p:spPr>
         <p:txBody>
-          <a:bodyPr lIns="0" rIns="0" tIns="0" bIns="0">
+          <a:bodyPr lIns="0" tIns="0" rIns="0" bIns="0">
             <a:normAutofit/>
           </a:bodyPr>
-          <a:p>
-            <a:endParaRPr b="0" lang="en-GB" sz="3200" spc="-1" strike="noStrike">
+          <a:lstStyle/>
+          <a:p>
+            <a:endParaRPr lang="en-GB" sz="3200" b="0" strike="noStrike" spc="-1">
               <a:latin typeface="Arial"/>
             </a:endParaRPr>
           </a:p>
@@ -3105,11 +3360,12 @@
           </a:prstGeom>
         </p:spPr>
         <p:txBody>
-          <a:bodyPr lIns="0" rIns="0" tIns="0" bIns="0">
+          <a:bodyPr lIns="0" tIns="0" rIns="0" bIns="0">
             <a:normAutofit/>
           </a:bodyPr>
-          <a:p>
-            <a:endParaRPr b="0" lang="en-GB" sz="3200" spc="-1" strike="noStrike">
+          <a:lstStyle/>
+          <a:p>
+            <a:endParaRPr lang="en-GB" sz="3200" b="0" strike="noStrike" spc="-1">
               <a:latin typeface="Arial"/>
             </a:endParaRPr>
           </a:p>
@@ -3117,11 +3373,14 @@
       </p:sp>
     </p:spTree>
   </p:cSld>
+  <p:clrMapOvr>
+    <a:masterClrMapping/>
+  </p:clrMapOvr>
 </p:sldLayout>
 </file>
 
 <file path=ppt/slideLayouts/slideLayout35.xml><?xml version="1.0" encoding="utf-8"?>
-<p:sldLayout xmlns:a="http://schemas.openxmlformats.org/drawingml/2006/main" xmlns:p="http://schemas.openxmlformats.org/presentationml/2006/main" xmlns:r="http://schemas.openxmlformats.org/officeDocument/2006/relationships" xmlns:p14="http://schemas.microsoft.com/office/powerpoint/2010/main" xmlns:p15="http://schemas.microsoft.com/office/powerpoint/2012/main" xmlns:mc="http://schemas.openxmlformats.org/markup-compatibility/2006" type="fourObj" preserve="1">
+<p:sldLayout xmlns:a="http://schemas.openxmlformats.org/drawingml/2006/main" xmlns:r="http://schemas.openxmlformats.org/officeDocument/2006/relationships" xmlns:p="http://schemas.openxmlformats.org/presentationml/2006/main" type="fourObj" preserve="1">
   <p:cSld name="Title, 4 Content">
     <p:spTree>
       <p:nvGrpSpPr>
@@ -3157,12 +3416,13 @@
           </a:prstGeom>
         </p:spPr>
         <p:txBody>
-          <a:bodyPr lIns="0" rIns="0" tIns="0" bIns="0" anchor="ctr">
+          <a:bodyPr lIns="0" tIns="0" rIns="0" bIns="0" anchor="ctr">
             <a:noAutofit/>
           </a:bodyPr>
+          <a:lstStyle/>
           <a:p>
             <a:pPr algn="ctr"/>
-            <a:endParaRPr b="0" lang="en-GB" sz="4400" spc="-1" strike="noStrike">
+            <a:endParaRPr lang="en-GB" sz="4400" b="0" strike="noStrike" spc="-1">
               <a:solidFill>
                 <a:srgbClr val="006699"/>
               </a:solidFill>
@@ -3191,11 +3451,12 @@
           </a:prstGeom>
         </p:spPr>
         <p:txBody>
-          <a:bodyPr lIns="0" rIns="0" tIns="0" bIns="0">
+          <a:bodyPr lIns="0" tIns="0" rIns="0" bIns="0">
             <a:normAutofit/>
           </a:bodyPr>
-          <a:p>
-            <a:endParaRPr b="0" lang="en-GB" sz="3200" spc="-1" strike="noStrike">
+          <a:lstStyle/>
+          <a:p>
+            <a:endParaRPr lang="en-GB" sz="3200" b="0" strike="noStrike" spc="-1">
               <a:latin typeface="Arial"/>
             </a:endParaRPr>
           </a:p>
@@ -3221,11 +3482,12 @@
           </a:prstGeom>
         </p:spPr>
         <p:txBody>
-          <a:bodyPr lIns="0" rIns="0" tIns="0" bIns="0">
+          <a:bodyPr lIns="0" tIns="0" rIns="0" bIns="0">
             <a:normAutofit/>
           </a:bodyPr>
-          <a:p>
-            <a:endParaRPr b="0" lang="en-GB" sz="3200" spc="-1" strike="noStrike">
+          <a:lstStyle/>
+          <a:p>
+            <a:endParaRPr lang="en-GB" sz="3200" b="0" strike="noStrike" spc="-1">
               <a:latin typeface="Arial"/>
             </a:endParaRPr>
           </a:p>
@@ -3251,11 +3513,12 @@
           </a:prstGeom>
         </p:spPr>
         <p:txBody>
-          <a:bodyPr lIns="0" rIns="0" tIns="0" bIns="0">
+          <a:bodyPr lIns="0" tIns="0" rIns="0" bIns="0">
             <a:normAutofit/>
           </a:bodyPr>
-          <a:p>
-            <a:endParaRPr b="0" lang="en-GB" sz="3200" spc="-1" strike="noStrike">
+          <a:lstStyle/>
+          <a:p>
+            <a:endParaRPr lang="en-GB" sz="3200" b="0" strike="noStrike" spc="-1">
               <a:latin typeface="Arial"/>
             </a:endParaRPr>
           </a:p>
@@ -3281,11 +3544,12 @@
           </a:prstGeom>
         </p:spPr>
         <p:txBody>
-          <a:bodyPr lIns="0" rIns="0" tIns="0" bIns="0">
+          <a:bodyPr lIns="0" tIns="0" rIns="0" bIns="0">
             <a:normAutofit/>
           </a:bodyPr>
-          <a:p>
-            <a:endParaRPr b="0" lang="en-GB" sz="3200" spc="-1" strike="noStrike">
+          <a:lstStyle/>
+          <a:p>
+            <a:endParaRPr lang="en-GB" sz="3200" b="0" strike="noStrike" spc="-1">
               <a:latin typeface="Arial"/>
             </a:endParaRPr>
           </a:p>
@@ -3293,11 +3557,14 @@
       </p:sp>
     </p:spTree>
   </p:cSld>
+  <p:clrMapOvr>
+    <a:masterClrMapping/>
+  </p:clrMapOvr>
 </p:sldLayout>
 </file>
 
 <file path=ppt/slideLayouts/slideLayout36.xml><?xml version="1.0" encoding="utf-8"?>
-<p:sldLayout xmlns:a="http://schemas.openxmlformats.org/drawingml/2006/main" xmlns:p="http://schemas.openxmlformats.org/presentationml/2006/main" xmlns:r="http://schemas.openxmlformats.org/officeDocument/2006/relationships" xmlns:p14="http://schemas.microsoft.com/office/powerpoint/2010/main" xmlns:p15="http://schemas.microsoft.com/office/powerpoint/2012/main" xmlns:mc="http://schemas.openxmlformats.org/markup-compatibility/2006" type="blank" preserve="1">
+<p:sldLayout xmlns:a="http://schemas.openxmlformats.org/drawingml/2006/main" xmlns:r="http://schemas.openxmlformats.org/officeDocument/2006/relationships" xmlns:p="http://schemas.openxmlformats.org/presentationml/2006/main" type="blank" preserve="1">
   <p:cSld name="Title, 6 Content">
     <p:spTree>
       <p:nvGrpSpPr>
@@ -3333,12 +3600,13 @@
           </a:prstGeom>
         </p:spPr>
         <p:txBody>
-          <a:bodyPr lIns="0" rIns="0" tIns="0" bIns="0" anchor="ctr">
+          <a:bodyPr lIns="0" tIns="0" rIns="0" bIns="0" anchor="ctr">
             <a:noAutofit/>
           </a:bodyPr>
+          <a:lstStyle/>
           <a:p>
             <a:pPr algn="ctr"/>
-            <a:endParaRPr b="0" lang="en-GB" sz="4400" spc="-1" strike="noStrike">
+            <a:endParaRPr lang="en-GB" sz="4400" b="0" strike="noStrike" spc="-1">
               <a:solidFill>
                 <a:srgbClr val="006699"/>
               </a:solidFill>
@@ -3367,11 +3635,12 @@
           </a:prstGeom>
         </p:spPr>
         <p:txBody>
-          <a:bodyPr lIns="0" rIns="0" tIns="0" bIns="0">
+          <a:bodyPr lIns="0" tIns="0" rIns="0" bIns="0">
             <a:normAutofit/>
           </a:bodyPr>
-          <a:p>
-            <a:endParaRPr b="0" lang="en-GB" sz="3200" spc="-1" strike="noStrike">
+          <a:lstStyle/>
+          <a:p>
+            <a:endParaRPr lang="en-GB" sz="3200" b="0" strike="noStrike" spc="-1">
               <a:latin typeface="Arial"/>
             </a:endParaRPr>
           </a:p>
@@ -3397,11 +3666,12 @@
           </a:prstGeom>
         </p:spPr>
         <p:txBody>
-          <a:bodyPr lIns="0" rIns="0" tIns="0" bIns="0">
+          <a:bodyPr lIns="0" tIns="0" rIns="0" bIns="0">
             <a:normAutofit/>
           </a:bodyPr>
-          <a:p>
-            <a:endParaRPr b="0" lang="en-GB" sz="3200" spc="-1" strike="noStrike">
+          <a:lstStyle/>
+          <a:p>
+            <a:endParaRPr lang="en-GB" sz="3200" b="0" strike="noStrike" spc="-1">
               <a:latin typeface="Arial"/>
             </a:endParaRPr>
           </a:p>
@@ -3427,11 +3697,12 @@
           </a:prstGeom>
         </p:spPr>
         <p:txBody>
-          <a:bodyPr lIns="0" rIns="0" tIns="0" bIns="0">
+          <a:bodyPr lIns="0" tIns="0" rIns="0" bIns="0">
             <a:normAutofit/>
           </a:bodyPr>
-          <a:p>
-            <a:endParaRPr b="0" lang="en-GB" sz="3200" spc="-1" strike="noStrike">
+          <a:lstStyle/>
+          <a:p>
+            <a:endParaRPr lang="en-GB" sz="3200" b="0" strike="noStrike" spc="-1">
               <a:latin typeface="Arial"/>
             </a:endParaRPr>
           </a:p>
@@ -3457,11 +3728,12 @@
           </a:prstGeom>
         </p:spPr>
         <p:txBody>
-          <a:bodyPr lIns="0" rIns="0" tIns="0" bIns="0">
+          <a:bodyPr lIns="0" tIns="0" rIns="0" bIns="0">
             <a:normAutofit/>
           </a:bodyPr>
-          <a:p>
-            <a:endParaRPr b="0" lang="en-GB" sz="3200" spc="-1" strike="noStrike">
+          <a:lstStyle/>
+          <a:p>
+            <a:endParaRPr lang="en-GB" sz="3200" b="0" strike="noStrike" spc="-1">
               <a:latin typeface="Arial"/>
             </a:endParaRPr>
           </a:p>
@@ -3487,11 +3759,12 @@
           </a:prstGeom>
         </p:spPr>
         <p:txBody>
-          <a:bodyPr lIns="0" rIns="0" tIns="0" bIns="0">
+          <a:bodyPr lIns="0" tIns="0" rIns="0" bIns="0">
             <a:normAutofit/>
           </a:bodyPr>
-          <a:p>
-            <a:endParaRPr b="0" lang="en-GB" sz="3200" spc="-1" strike="noStrike">
+          <a:lstStyle/>
+          <a:p>
+            <a:endParaRPr lang="en-GB" sz="3200" b="0" strike="noStrike" spc="-1">
               <a:latin typeface="Arial"/>
             </a:endParaRPr>
           </a:p>
@@ -3517,11 +3790,12 @@
           </a:prstGeom>
         </p:spPr>
         <p:txBody>
-          <a:bodyPr lIns="0" rIns="0" tIns="0" bIns="0">
+          <a:bodyPr lIns="0" tIns="0" rIns="0" bIns="0">
             <a:normAutofit/>
           </a:bodyPr>
-          <a:p>
-            <a:endParaRPr b="0" lang="en-GB" sz="3200" spc="-1" strike="noStrike">
+          <a:lstStyle/>
+          <a:p>
+            <a:endParaRPr lang="en-GB" sz="3200" b="0" strike="noStrike" spc="-1">
               <a:latin typeface="Arial"/>
             </a:endParaRPr>
           </a:p>
@@ -3529,11 +3803,14 @@
       </p:sp>
     </p:spTree>
   </p:cSld>
+  <p:clrMapOvr>
+    <a:masterClrMapping/>
+  </p:clrMapOvr>
 </p:sldLayout>
 </file>
 
 <file path=ppt/slideLayouts/slideLayout37.xml><?xml version="1.0" encoding="utf-8"?>
-<p:sldLayout xmlns:a="http://schemas.openxmlformats.org/drawingml/2006/main" xmlns:p="http://schemas.openxmlformats.org/presentationml/2006/main" xmlns:r="http://schemas.openxmlformats.org/officeDocument/2006/relationships" xmlns:p14="http://schemas.microsoft.com/office/powerpoint/2010/main" xmlns:p15="http://schemas.microsoft.com/office/powerpoint/2012/main" xmlns:mc="http://schemas.openxmlformats.org/markup-compatibility/2006" type="blank" preserve="1">
+<p:sldLayout xmlns:a="http://schemas.openxmlformats.org/drawingml/2006/main" xmlns:r="http://schemas.openxmlformats.org/officeDocument/2006/relationships" xmlns:p="http://schemas.openxmlformats.org/presentationml/2006/main" type="blank" preserve="1">
   <p:cSld name="Blank Slide">
     <p:spTree>
       <p:nvGrpSpPr>
@@ -3551,11 +3828,14 @@
       </p:grpSpPr>
     </p:spTree>
   </p:cSld>
+  <p:clrMapOvr>
+    <a:masterClrMapping/>
+  </p:clrMapOvr>
 </p:sldLayout>
 </file>
 
 <file path=ppt/slideLayouts/slideLayout38.xml><?xml version="1.0" encoding="utf-8"?>
-<p:sldLayout xmlns:a="http://schemas.openxmlformats.org/drawingml/2006/main" xmlns:p="http://schemas.openxmlformats.org/presentationml/2006/main" xmlns:r="http://schemas.openxmlformats.org/officeDocument/2006/relationships" xmlns:p14="http://schemas.microsoft.com/office/powerpoint/2010/main" xmlns:p15="http://schemas.microsoft.com/office/powerpoint/2012/main" xmlns:mc="http://schemas.openxmlformats.org/markup-compatibility/2006" type="tx" preserve="1">
+<p:sldLayout xmlns:a="http://schemas.openxmlformats.org/drawingml/2006/main" xmlns:r="http://schemas.openxmlformats.org/officeDocument/2006/relationships" xmlns:p="http://schemas.openxmlformats.org/presentationml/2006/main" type="tx" preserve="1">
   <p:cSld name="Title Slide">
     <p:spTree>
       <p:nvGrpSpPr>
@@ -3591,12 +3871,13 @@
           </a:prstGeom>
         </p:spPr>
         <p:txBody>
-          <a:bodyPr lIns="0" rIns="0" tIns="0" bIns="0" anchor="ctr">
+          <a:bodyPr lIns="0" tIns="0" rIns="0" bIns="0" anchor="ctr">
             <a:noAutofit/>
           </a:bodyPr>
+          <a:lstStyle/>
           <a:p>
             <a:pPr algn="ctr"/>
-            <a:endParaRPr b="0" lang="en-GB" sz="4400" spc="-1" strike="noStrike">
+            <a:endParaRPr lang="en-GB" sz="4400" b="0" strike="noStrike" spc="-1">
               <a:solidFill>
                 <a:srgbClr val="006699"/>
               </a:solidFill>
@@ -3625,14 +3906,15 @@
           </a:prstGeom>
         </p:spPr>
         <p:txBody>
-          <a:bodyPr lIns="0" rIns="0" tIns="0" bIns="0" anchor="ctr">
+          <a:bodyPr lIns="0" tIns="0" rIns="0" bIns="0" anchor="ctr">
             <a:noAutofit/>
           </a:bodyPr>
+          <a:lstStyle/>
           <a:p>
             <a:pPr algn="ctr"/>
-            <a:endParaRPr b="0" lang="en-GB" sz="3200" spc="-1" strike="noStrike">
+            <a:endParaRPr lang="en-GB" sz="3200" b="0" strike="noStrike" spc="-1">
               <a:highlight>
-                <a:srgbClr val="ffffff"/>
+                <a:srgbClr val="FFFFFF"/>
               </a:highlight>
               <a:latin typeface="Arial"/>
             </a:endParaRPr>
@@ -3641,11 +3923,14 @@
       </p:sp>
     </p:spTree>
   </p:cSld>
+  <p:clrMapOvr>
+    <a:masterClrMapping/>
+  </p:clrMapOvr>
 </p:sldLayout>
 </file>
 
 <file path=ppt/slideLayouts/slideLayout39.xml><?xml version="1.0" encoding="utf-8"?>
-<p:sldLayout xmlns:a="http://schemas.openxmlformats.org/drawingml/2006/main" xmlns:p="http://schemas.openxmlformats.org/presentationml/2006/main" xmlns:r="http://schemas.openxmlformats.org/officeDocument/2006/relationships" xmlns:p14="http://schemas.microsoft.com/office/powerpoint/2010/main" xmlns:p15="http://schemas.microsoft.com/office/powerpoint/2012/main" xmlns:mc="http://schemas.openxmlformats.org/markup-compatibility/2006" type="obj" preserve="1">
+<p:sldLayout xmlns:a="http://schemas.openxmlformats.org/drawingml/2006/main" xmlns:r="http://schemas.openxmlformats.org/officeDocument/2006/relationships" xmlns:p="http://schemas.openxmlformats.org/presentationml/2006/main" type="obj" preserve="1">
   <p:cSld name="Title, Content">
     <p:spTree>
       <p:nvGrpSpPr>
@@ -3681,12 +3966,13 @@
           </a:prstGeom>
         </p:spPr>
         <p:txBody>
-          <a:bodyPr lIns="0" rIns="0" tIns="0" bIns="0" anchor="ctr">
+          <a:bodyPr lIns="0" tIns="0" rIns="0" bIns="0" anchor="ctr">
             <a:noAutofit/>
           </a:bodyPr>
+          <a:lstStyle/>
           <a:p>
             <a:pPr algn="ctr"/>
-            <a:endParaRPr b="0" lang="en-GB" sz="4400" spc="-1" strike="noStrike">
+            <a:endParaRPr lang="en-GB" sz="4400" b="0" strike="noStrike" spc="-1">
               <a:solidFill>
                 <a:srgbClr val="006699"/>
               </a:solidFill>
@@ -3715,11 +4001,12 @@
           </a:prstGeom>
         </p:spPr>
         <p:txBody>
-          <a:bodyPr lIns="0" rIns="0" tIns="0" bIns="0">
+          <a:bodyPr lIns="0" tIns="0" rIns="0" bIns="0">
             <a:normAutofit/>
           </a:bodyPr>
-          <a:p>
-            <a:endParaRPr b="0" lang="en-GB" sz="3200" spc="-1" strike="noStrike">
+          <a:lstStyle/>
+          <a:p>
+            <a:endParaRPr lang="en-GB" sz="3200" b="0" strike="noStrike" spc="-1">
               <a:latin typeface="Arial"/>
             </a:endParaRPr>
           </a:p>
@@ -3727,11 +4014,14 @@
       </p:sp>
     </p:spTree>
   </p:cSld>
+  <p:clrMapOvr>
+    <a:masterClrMapping/>
+  </p:clrMapOvr>
 </p:sldLayout>
 </file>
 
 <file path=ppt/slideLayouts/slideLayout4.xml><?xml version="1.0" encoding="utf-8"?>
-<p:sldLayout xmlns:a="http://schemas.openxmlformats.org/drawingml/2006/main" xmlns:p="http://schemas.openxmlformats.org/presentationml/2006/main" xmlns:r="http://schemas.openxmlformats.org/officeDocument/2006/relationships" xmlns:p14="http://schemas.microsoft.com/office/powerpoint/2010/main" xmlns:p15="http://schemas.microsoft.com/office/powerpoint/2012/main" xmlns:mc="http://schemas.openxmlformats.org/markup-compatibility/2006" type="twoObj" preserve="1">
+<p:sldLayout xmlns:a="http://schemas.openxmlformats.org/drawingml/2006/main" xmlns:r="http://schemas.openxmlformats.org/officeDocument/2006/relationships" xmlns:p="http://schemas.openxmlformats.org/presentationml/2006/main" type="twoObj" preserve="1">
   <p:cSld name="Title, 2 Content">
     <p:spTree>
       <p:nvGrpSpPr>
@@ -3767,12 +4057,13 @@
           </a:prstGeom>
         </p:spPr>
         <p:txBody>
-          <a:bodyPr lIns="0" rIns="0" tIns="0" bIns="0" anchor="ctr">
+          <a:bodyPr lIns="0" tIns="0" rIns="0" bIns="0" anchor="ctr">
             <a:noAutofit/>
           </a:bodyPr>
+          <a:lstStyle/>
           <a:p>
             <a:pPr algn="ctr"/>
-            <a:endParaRPr b="0" lang="en-GB" sz="4400" spc="-1" strike="noStrike">
+            <a:endParaRPr lang="en-GB" sz="4400" b="0" strike="noStrike" spc="-1">
               <a:solidFill>
                 <a:srgbClr val="006699"/>
               </a:solidFill>
@@ -3801,11 +4092,12 @@
           </a:prstGeom>
         </p:spPr>
         <p:txBody>
-          <a:bodyPr lIns="0" rIns="0" tIns="0" bIns="0">
+          <a:bodyPr lIns="0" tIns="0" rIns="0" bIns="0">
             <a:normAutofit/>
           </a:bodyPr>
-          <a:p>
-            <a:endParaRPr b="0" lang="en-GB" sz="3200" spc="-1" strike="noStrike">
+          <a:lstStyle/>
+          <a:p>
+            <a:endParaRPr lang="en-GB" sz="3200" b="0" strike="noStrike" spc="-1">
               <a:latin typeface="Arial"/>
             </a:endParaRPr>
           </a:p>
@@ -3831,11 +4123,12 @@
           </a:prstGeom>
         </p:spPr>
         <p:txBody>
-          <a:bodyPr lIns="0" rIns="0" tIns="0" bIns="0">
+          <a:bodyPr lIns="0" tIns="0" rIns="0" bIns="0">
             <a:normAutofit/>
           </a:bodyPr>
-          <a:p>
-            <a:endParaRPr b="0" lang="en-GB" sz="3200" spc="-1" strike="noStrike">
+          <a:lstStyle/>
+          <a:p>
+            <a:endParaRPr lang="en-GB" sz="3200" b="0" strike="noStrike" spc="-1">
               <a:latin typeface="Arial"/>
             </a:endParaRPr>
           </a:p>
@@ -3843,11 +4136,14 @@
       </p:sp>
     </p:spTree>
   </p:cSld>
+  <p:clrMapOvr>
+    <a:masterClrMapping/>
+  </p:clrMapOvr>
 </p:sldLayout>
 </file>
 
 <file path=ppt/slideLayouts/slideLayout40.xml><?xml version="1.0" encoding="utf-8"?>
-<p:sldLayout xmlns:a="http://schemas.openxmlformats.org/drawingml/2006/main" xmlns:p="http://schemas.openxmlformats.org/presentationml/2006/main" xmlns:r="http://schemas.openxmlformats.org/officeDocument/2006/relationships" xmlns:p14="http://schemas.microsoft.com/office/powerpoint/2010/main" xmlns:p15="http://schemas.microsoft.com/office/powerpoint/2012/main" xmlns:mc="http://schemas.openxmlformats.org/markup-compatibility/2006" type="twoObj" preserve="1">
+<p:sldLayout xmlns:a="http://schemas.openxmlformats.org/drawingml/2006/main" xmlns:r="http://schemas.openxmlformats.org/officeDocument/2006/relationships" xmlns:p="http://schemas.openxmlformats.org/presentationml/2006/main" type="twoObj" preserve="1">
   <p:cSld name="Title, 2 Content">
     <p:spTree>
       <p:nvGrpSpPr>
@@ -3883,12 +4179,13 @@
           </a:prstGeom>
         </p:spPr>
         <p:txBody>
-          <a:bodyPr lIns="0" rIns="0" tIns="0" bIns="0" anchor="ctr">
+          <a:bodyPr lIns="0" tIns="0" rIns="0" bIns="0" anchor="ctr">
             <a:noAutofit/>
           </a:bodyPr>
+          <a:lstStyle/>
           <a:p>
             <a:pPr algn="ctr"/>
-            <a:endParaRPr b="0" lang="en-GB" sz="4400" spc="-1" strike="noStrike">
+            <a:endParaRPr lang="en-GB" sz="4400" b="0" strike="noStrike" spc="-1">
               <a:solidFill>
                 <a:srgbClr val="006699"/>
               </a:solidFill>
@@ -3917,11 +4214,12 @@
           </a:prstGeom>
         </p:spPr>
         <p:txBody>
-          <a:bodyPr lIns="0" rIns="0" tIns="0" bIns="0">
+          <a:bodyPr lIns="0" tIns="0" rIns="0" bIns="0">
             <a:normAutofit/>
           </a:bodyPr>
-          <a:p>
-            <a:endParaRPr b="0" lang="en-GB" sz="3200" spc="-1" strike="noStrike">
+          <a:lstStyle/>
+          <a:p>
+            <a:endParaRPr lang="en-GB" sz="3200" b="0" strike="noStrike" spc="-1">
               <a:latin typeface="Arial"/>
             </a:endParaRPr>
           </a:p>
@@ -3947,11 +4245,12 @@
           </a:prstGeom>
         </p:spPr>
         <p:txBody>
-          <a:bodyPr lIns="0" rIns="0" tIns="0" bIns="0">
+          <a:bodyPr lIns="0" tIns="0" rIns="0" bIns="0">
             <a:normAutofit/>
           </a:bodyPr>
-          <a:p>
-            <a:endParaRPr b="0" lang="en-GB" sz="3200" spc="-1" strike="noStrike">
+          <a:lstStyle/>
+          <a:p>
+            <a:endParaRPr lang="en-GB" sz="3200" b="0" strike="noStrike" spc="-1">
               <a:latin typeface="Arial"/>
             </a:endParaRPr>
           </a:p>
@@ -3959,11 +4258,14 @@
       </p:sp>
     </p:spTree>
   </p:cSld>
+  <p:clrMapOvr>
+    <a:masterClrMapping/>
+  </p:clrMapOvr>
 </p:sldLayout>
 </file>
 
 <file path=ppt/slideLayouts/slideLayout41.xml><?xml version="1.0" encoding="utf-8"?>
-<p:sldLayout xmlns:a="http://schemas.openxmlformats.org/drawingml/2006/main" xmlns:p="http://schemas.openxmlformats.org/presentationml/2006/main" xmlns:r="http://schemas.openxmlformats.org/officeDocument/2006/relationships" xmlns:p14="http://schemas.microsoft.com/office/powerpoint/2010/main" xmlns:p15="http://schemas.microsoft.com/office/powerpoint/2012/main" xmlns:mc="http://schemas.openxmlformats.org/markup-compatibility/2006" type="titleOnly" preserve="1">
+<p:sldLayout xmlns:a="http://schemas.openxmlformats.org/drawingml/2006/main" xmlns:r="http://schemas.openxmlformats.org/officeDocument/2006/relationships" xmlns:p="http://schemas.openxmlformats.org/presentationml/2006/main" type="titleOnly" preserve="1">
   <p:cSld name="Title Only">
     <p:spTree>
       <p:nvGrpSpPr>
@@ -3999,12 +4301,13 @@
           </a:prstGeom>
         </p:spPr>
         <p:txBody>
-          <a:bodyPr lIns="0" rIns="0" tIns="0" bIns="0" anchor="ctr">
+          <a:bodyPr lIns="0" tIns="0" rIns="0" bIns="0" anchor="ctr">
             <a:noAutofit/>
           </a:bodyPr>
+          <a:lstStyle/>
           <a:p>
             <a:pPr algn="ctr"/>
-            <a:endParaRPr b="0" lang="en-GB" sz="4400" spc="-1" strike="noStrike">
+            <a:endParaRPr lang="en-GB" sz="4400" b="0" strike="noStrike" spc="-1">
               <a:solidFill>
                 <a:srgbClr val="006699"/>
               </a:solidFill>
@@ -4015,11 +4318,14 @@
       </p:sp>
     </p:spTree>
   </p:cSld>
+  <p:clrMapOvr>
+    <a:masterClrMapping/>
+  </p:clrMapOvr>
 </p:sldLayout>
 </file>
 
 <file path=ppt/slideLayouts/slideLayout42.xml><?xml version="1.0" encoding="utf-8"?>
-<p:sldLayout xmlns:a="http://schemas.openxmlformats.org/drawingml/2006/main" xmlns:p="http://schemas.openxmlformats.org/presentationml/2006/main" xmlns:r="http://schemas.openxmlformats.org/officeDocument/2006/relationships" xmlns:p14="http://schemas.microsoft.com/office/powerpoint/2010/main" xmlns:p15="http://schemas.microsoft.com/office/powerpoint/2012/main" xmlns:mc="http://schemas.openxmlformats.org/markup-compatibility/2006" type="objOnly" preserve="1">
+<p:sldLayout xmlns:a="http://schemas.openxmlformats.org/drawingml/2006/main" xmlns:r="http://schemas.openxmlformats.org/officeDocument/2006/relationships" xmlns:p="http://schemas.openxmlformats.org/presentationml/2006/main" type="objOnly" preserve="1">
   <p:cSld name="Centered Text">
     <p:spTree>
       <p:nvGrpSpPr>
@@ -4055,14 +4361,15 @@
           </a:prstGeom>
         </p:spPr>
         <p:txBody>
-          <a:bodyPr lIns="0" rIns="0" tIns="0" bIns="0" anchor="ctr">
+          <a:bodyPr lIns="0" tIns="0" rIns="0" bIns="0" anchor="ctr">
             <a:noAutofit/>
           </a:bodyPr>
+          <a:lstStyle/>
           <a:p>
             <a:pPr algn="ctr"/>
-            <a:endParaRPr b="0" lang="en-GB" sz="3200" spc="-1" strike="noStrike">
+            <a:endParaRPr lang="en-GB" sz="3200" b="0" strike="noStrike" spc="-1">
               <a:highlight>
-                <a:srgbClr val="ffffff"/>
+                <a:srgbClr val="FFFFFF"/>
               </a:highlight>
               <a:latin typeface="Arial"/>
             </a:endParaRPr>
@@ -4071,11 +4378,14 @@
       </p:sp>
     </p:spTree>
   </p:cSld>
+  <p:clrMapOvr>
+    <a:masterClrMapping/>
+  </p:clrMapOvr>
 </p:sldLayout>
 </file>
 
 <file path=ppt/slideLayouts/slideLayout43.xml><?xml version="1.0" encoding="utf-8"?>
-<p:sldLayout xmlns:a="http://schemas.openxmlformats.org/drawingml/2006/main" xmlns:p="http://schemas.openxmlformats.org/presentationml/2006/main" xmlns:r="http://schemas.openxmlformats.org/officeDocument/2006/relationships" xmlns:p14="http://schemas.microsoft.com/office/powerpoint/2010/main" xmlns:p15="http://schemas.microsoft.com/office/powerpoint/2012/main" xmlns:mc="http://schemas.openxmlformats.org/markup-compatibility/2006" type="twoObjAndObj" preserve="1">
+<p:sldLayout xmlns:a="http://schemas.openxmlformats.org/drawingml/2006/main" xmlns:r="http://schemas.openxmlformats.org/officeDocument/2006/relationships" xmlns:p="http://schemas.openxmlformats.org/presentationml/2006/main" type="twoObjAndObj" preserve="1">
   <p:cSld name="Title, 2 Content and Content">
     <p:spTree>
       <p:nvGrpSpPr>
@@ -4111,12 +4421,13 @@
           </a:prstGeom>
         </p:spPr>
         <p:txBody>
-          <a:bodyPr lIns="0" rIns="0" tIns="0" bIns="0" anchor="ctr">
+          <a:bodyPr lIns="0" tIns="0" rIns="0" bIns="0" anchor="ctr">
             <a:noAutofit/>
           </a:bodyPr>
+          <a:lstStyle/>
           <a:p>
             <a:pPr algn="ctr"/>
-            <a:endParaRPr b="0" lang="en-GB" sz="4400" spc="-1" strike="noStrike">
+            <a:endParaRPr lang="en-GB" sz="4400" b="0" strike="noStrike" spc="-1">
               <a:solidFill>
                 <a:srgbClr val="006699"/>
               </a:solidFill>
@@ -4145,11 +4456,12 @@
           </a:prstGeom>
         </p:spPr>
         <p:txBody>
-          <a:bodyPr lIns="0" rIns="0" tIns="0" bIns="0">
+          <a:bodyPr lIns="0" tIns="0" rIns="0" bIns="0">
             <a:normAutofit/>
           </a:bodyPr>
-          <a:p>
-            <a:endParaRPr b="0" lang="en-GB" sz="3200" spc="-1" strike="noStrike">
+          <a:lstStyle/>
+          <a:p>
+            <a:endParaRPr lang="en-GB" sz="3200" b="0" strike="noStrike" spc="-1">
               <a:latin typeface="Arial"/>
             </a:endParaRPr>
           </a:p>
@@ -4175,11 +4487,12 @@
           </a:prstGeom>
         </p:spPr>
         <p:txBody>
-          <a:bodyPr lIns="0" rIns="0" tIns="0" bIns="0">
+          <a:bodyPr lIns="0" tIns="0" rIns="0" bIns="0">
             <a:normAutofit/>
           </a:bodyPr>
-          <a:p>
-            <a:endParaRPr b="0" lang="en-GB" sz="3200" spc="-1" strike="noStrike">
+          <a:lstStyle/>
+          <a:p>
+            <a:endParaRPr lang="en-GB" sz="3200" b="0" strike="noStrike" spc="-1">
               <a:latin typeface="Arial"/>
             </a:endParaRPr>
           </a:p>
@@ -4205,11 +4518,12 @@
           </a:prstGeom>
         </p:spPr>
         <p:txBody>
-          <a:bodyPr lIns="0" rIns="0" tIns="0" bIns="0">
+          <a:bodyPr lIns="0" tIns="0" rIns="0" bIns="0">
             <a:normAutofit/>
           </a:bodyPr>
-          <a:p>
-            <a:endParaRPr b="0" lang="en-GB" sz="3200" spc="-1" strike="noStrike">
+          <a:lstStyle/>
+          <a:p>
+            <a:endParaRPr lang="en-GB" sz="3200" b="0" strike="noStrike" spc="-1">
               <a:latin typeface="Arial"/>
             </a:endParaRPr>
           </a:p>
@@ -4217,11 +4531,14 @@
       </p:sp>
     </p:spTree>
   </p:cSld>
+  <p:clrMapOvr>
+    <a:masterClrMapping/>
+  </p:clrMapOvr>
 </p:sldLayout>
 </file>
 
 <file path=ppt/slideLayouts/slideLayout44.xml><?xml version="1.0" encoding="utf-8"?>
-<p:sldLayout xmlns:a="http://schemas.openxmlformats.org/drawingml/2006/main" xmlns:p="http://schemas.openxmlformats.org/presentationml/2006/main" xmlns:r="http://schemas.openxmlformats.org/officeDocument/2006/relationships" xmlns:p14="http://schemas.microsoft.com/office/powerpoint/2010/main" xmlns:p15="http://schemas.microsoft.com/office/powerpoint/2012/main" xmlns:mc="http://schemas.openxmlformats.org/markup-compatibility/2006" type="objAndTwoObj" preserve="1">
+<p:sldLayout xmlns:a="http://schemas.openxmlformats.org/drawingml/2006/main" xmlns:r="http://schemas.openxmlformats.org/officeDocument/2006/relationships" xmlns:p="http://schemas.openxmlformats.org/presentationml/2006/main" type="objAndTwoObj" preserve="1">
   <p:cSld name="Title Content and 2 Content">
     <p:spTree>
       <p:nvGrpSpPr>
@@ -4257,12 +4574,13 @@
           </a:prstGeom>
         </p:spPr>
         <p:txBody>
-          <a:bodyPr lIns="0" rIns="0" tIns="0" bIns="0" anchor="ctr">
+          <a:bodyPr lIns="0" tIns="0" rIns="0" bIns="0" anchor="ctr">
             <a:noAutofit/>
           </a:bodyPr>
+          <a:lstStyle/>
           <a:p>
             <a:pPr algn="ctr"/>
-            <a:endParaRPr b="0" lang="en-GB" sz="4400" spc="-1" strike="noStrike">
+            <a:endParaRPr lang="en-GB" sz="4400" b="0" strike="noStrike" spc="-1">
               <a:solidFill>
                 <a:srgbClr val="006699"/>
               </a:solidFill>
@@ -4291,11 +4609,12 @@
           </a:prstGeom>
         </p:spPr>
         <p:txBody>
-          <a:bodyPr lIns="0" rIns="0" tIns="0" bIns="0">
+          <a:bodyPr lIns="0" tIns="0" rIns="0" bIns="0">
             <a:normAutofit/>
           </a:bodyPr>
-          <a:p>
-            <a:endParaRPr b="0" lang="en-GB" sz="3200" spc="-1" strike="noStrike">
+          <a:lstStyle/>
+          <a:p>
+            <a:endParaRPr lang="en-GB" sz="3200" b="0" strike="noStrike" spc="-1">
               <a:latin typeface="Arial"/>
             </a:endParaRPr>
           </a:p>
@@ -4321,11 +4640,12 @@
           </a:prstGeom>
         </p:spPr>
         <p:txBody>
-          <a:bodyPr lIns="0" rIns="0" tIns="0" bIns="0">
+          <a:bodyPr lIns="0" tIns="0" rIns="0" bIns="0">
             <a:normAutofit/>
           </a:bodyPr>
-          <a:p>
-            <a:endParaRPr b="0" lang="en-GB" sz="3200" spc="-1" strike="noStrike">
+          <a:lstStyle/>
+          <a:p>
+            <a:endParaRPr lang="en-GB" sz="3200" b="0" strike="noStrike" spc="-1">
               <a:latin typeface="Arial"/>
             </a:endParaRPr>
           </a:p>
@@ -4351,11 +4671,12 @@
           </a:prstGeom>
         </p:spPr>
         <p:txBody>
-          <a:bodyPr lIns="0" rIns="0" tIns="0" bIns="0">
+          <a:bodyPr lIns="0" tIns="0" rIns="0" bIns="0">
             <a:normAutofit/>
           </a:bodyPr>
-          <a:p>
-            <a:endParaRPr b="0" lang="en-GB" sz="3200" spc="-1" strike="noStrike">
+          <a:lstStyle/>
+          <a:p>
+            <a:endParaRPr lang="en-GB" sz="3200" b="0" strike="noStrike" spc="-1">
               <a:latin typeface="Arial"/>
             </a:endParaRPr>
           </a:p>
@@ -4363,11 +4684,14 @@
       </p:sp>
     </p:spTree>
   </p:cSld>
+  <p:clrMapOvr>
+    <a:masterClrMapping/>
+  </p:clrMapOvr>
 </p:sldLayout>
 </file>
 
 <file path=ppt/slideLayouts/slideLayout45.xml><?xml version="1.0" encoding="utf-8"?>
-<p:sldLayout xmlns:a="http://schemas.openxmlformats.org/drawingml/2006/main" xmlns:p="http://schemas.openxmlformats.org/presentationml/2006/main" xmlns:r="http://schemas.openxmlformats.org/officeDocument/2006/relationships" xmlns:p14="http://schemas.microsoft.com/office/powerpoint/2010/main" xmlns:p15="http://schemas.microsoft.com/office/powerpoint/2012/main" xmlns:mc="http://schemas.openxmlformats.org/markup-compatibility/2006" type="twoObjOverTx" preserve="1">
+<p:sldLayout xmlns:a="http://schemas.openxmlformats.org/drawingml/2006/main" xmlns:r="http://schemas.openxmlformats.org/officeDocument/2006/relationships" xmlns:p="http://schemas.openxmlformats.org/presentationml/2006/main" type="twoObjOverTx" preserve="1">
   <p:cSld name="Title, 2 Content over Content">
     <p:spTree>
       <p:nvGrpSpPr>
@@ -4403,12 +4727,13 @@
           </a:prstGeom>
         </p:spPr>
         <p:txBody>
-          <a:bodyPr lIns="0" rIns="0" tIns="0" bIns="0" anchor="ctr">
+          <a:bodyPr lIns="0" tIns="0" rIns="0" bIns="0" anchor="ctr">
             <a:noAutofit/>
           </a:bodyPr>
+          <a:lstStyle/>
           <a:p>
             <a:pPr algn="ctr"/>
-            <a:endParaRPr b="0" lang="en-GB" sz="4400" spc="-1" strike="noStrike">
+            <a:endParaRPr lang="en-GB" sz="4400" b="0" strike="noStrike" spc="-1">
               <a:solidFill>
                 <a:srgbClr val="006699"/>
               </a:solidFill>
@@ -4437,11 +4762,12 @@
           </a:prstGeom>
         </p:spPr>
         <p:txBody>
-          <a:bodyPr lIns="0" rIns="0" tIns="0" bIns="0">
+          <a:bodyPr lIns="0" tIns="0" rIns="0" bIns="0">
             <a:normAutofit/>
           </a:bodyPr>
-          <a:p>
-            <a:endParaRPr b="0" lang="en-GB" sz="3200" spc="-1" strike="noStrike">
+          <a:lstStyle/>
+          <a:p>
+            <a:endParaRPr lang="en-GB" sz="3200" b="0" strike="noStrike" spc="-1">
               <a:latin typeface="Arial"/>
             </a:endParaRPr>
           </a:p>
@@ -4467,11 +4793,12 @@
           </a:prstGeom>
         </p:spPr>
         <p:txBody>
-          <a:bodyPr lIns="0" rIns="0" tIns="0" bIns="0">
+          <a:bodyPr lIns="0" tIns="0" rIns="0" bIns="0">
             <a:normAutofit/>
           </a:bodyPr>
-          <a:p>
-            <a:endParaRPr b="0" lang="en-GB" sz="3200" spc="-1" strike="noStrike">
+          <a:lstStyle/>
+          <a:p>
+            <a:endParaRPr lang="en-GB" sz="3200" b="0" strike="noStrike" spc="-1">
               <a:latin typeface="Arial"/>
             </a:endParaRPr>
           </a:p>
@@ -4497,11 +4824,12 @@
           </a:prstGeom>
         </p:spPr>
         <p:txBody>
-          <a:bodyPr lIns="0" rIns="0" tIns="0" bIns="0">
+          <a:bodyPr lIns="0" tIns="0" rIns="0" bIns="0">
             <a:normAutofit/>
           </a:bodyPr>
-          <a:p>
-            <a:endParaRPr b="0" lang="en-GB" sz="3200" spc="-1" strike="noStrike">
+          <a:lstStyle/>
+          <a:p>
+            <a:endParaRPr lang="en-GB" sz="3200" b="0" strike="noStrike" spc="-1">
               <a:latin typeface="Arial"/>
             </a:endParaRPr>
           </a:p>
@@ -4509,11 +4837,14 @@
       </p:sp>
     </p:spTree>
   </p:cSld>
+  <p:clrMapOvr>
+    <a:masterClrMapping/>
+  </p:clrMapOvr>
 </p:sldLayout>
 </file>
 
 <file path=ppt/slideLayouts/slideLayout46.xml><?xml version="1.0" encoding="utf-8"?>
-<p:sldLayout xmlns:a="http://schemas.openxmlformats.org/drawingml/2006/main" xmlns:p="http://schemas.openxmlformats.org/presentationml/2006/main" xmlns:r="http://schemas.openxmlformats.org/officeDocument/2006/relationships" xmlns:p14="http://schemas.microsoft.com/office/powerpoint/2010/main" xmlns:p15="http://schemas.microsoft.com/office/powerpoint/2012/main" xmlns:mc="http://schemas.openxmlformats.org/markup-compatibility/2006" type="objOverTx" preserve="1">
+<p:sldLayout xmlns:a="http://schemas.openxmlformats.org/drawingml/2006/main" xmlns:r="http://schemas.openxmlformats.org/officeDocument/2006/relationships" xmlns:p="http://schemas.openxmlformats.org/presentationml/2006/main" type="objOverTx" preserve="1">
   <p:cSld name="Title, Content over Content">
     <p:spTree>
       <p:nvGrpSpPr>
@@ -4549,12 +4880,13 @@
           </a:prstGeom>
         </p:spPr>
         <p:txBody>
-          <a:bodyPr lIns="0" rIns="0" tIns="0" bIns="0" anchor="ctr">
+          <a:bodyPr lIns="0" tIns="0" rIns="0" bIns="0" anchor="ctr">
             <a:noAutofit/>
           </a:bodyPr>
+          <a:lstStyle/>
           <a:p>
             <a:pPr algn="ctr"/>
-            <a:endParaRPr b="0" lang="en-GB" sz="4400" spc="-1" strike="noStrike">
+            <a:endParaRPr lang="en-GB" sz="4400" b="0" strike="noStrike" spc="-1">
               <a:solidFill>
                 <a:srgbClr val="006699"/>
               </a:solidFill>
@@ -4583,11 +4915,12 @@
           </a:prstGeom>
         </p:spPr>
         <p:txBody>
-          <a:bodyPr lIns="0" rIns="0" tIns="0" bIns="0">
+          <a:bodyPr lIns="0" tIns="0" rIns="0" bIns="0">
             <a:normAutofit/>
           </a:bodyPr>
-          <a:p>
-            <a:endParaRPr b="0" lang="en-GB" sz="3200" spc="-1" strike="noStrike">
+          <a:lstStyle/>
+          <a:p>
+            <a:endParaRPr lang="en-GB" sz="3200" b="0" strike="noStrike" spc="-1">
               <a:latin typeface="Arial"/>
             </a:endParaRPr>
           </a:p>
@@ -4613,11 +4946,12 @@
           </a:prstGeom>
         </p:spPr>
         <p:txBody>
-          <a:bodyPr lIns="0" rIns="0" tIns="0" bIns="0">
+          <a:bodyPr lIns="0" tIns="0" rIns="0" bIns="0">
             <a:normAutofit/>
           </a:bodyPr>
-          <a:p>
-            <a:endParaRPr b="0" lang="en-GB" sz="3200" spc="-1" strike="noStrike">
+          <a:lstStyle/>
+          <a:p>
+            <a:endParaRPr lang="en-GB" sz="3200" b="0" strike="noStrike" spc="-1">
               <a:latin typeface="Arial"/>
             </a:endParaRPr>
           </a:p>
@@ -4625,11 +4959,14 @@
       </p:sp>
     </p:spTree>
   </p:cSld>
+  <p:clrMapOvr>
+    <a:masterClrMapping/>
+  </p:clrMapOvr>
 </p:sldLayout>
 </file>
 
 <file path=ppt/slideLayouts/slideLayout47.xml><?xml version="1.0" encoding="utf-8"?>
-<p:sldLayout xmlns:a="http://schemas.openxmlformats.org/drawingml/2006/main" xmlns:p="http://schemas.openxmlformats.org/presentationml/2006/main" xmlns:r="http://schemas.openxmlformats.org/officeDocument/2006/relationships" xmlns:p14="http://schemas.microsoft.com/office/powerpoint/2010/main" xmlns:p15="http://schemas.microsoft.com/office/powerpoint/2012/main" xmlns:mc="http://schemas.openxmlformats.org/markup-compatibility/2006" type="fourObj" preserve="1">
+<p:sldLayout xmlns:a="http://schemas.openxmlformats.org/drawingml/2006/main" xmlns:r="http://schemas.openxmlformats.org/officeDocument/2006/relationships" xmlns:p="http://schemas.openxmlformats.org/presentationml/2006/main" type="fourObj" preserve="1">
   <p:cSld name="Title, 4 Content">
     <p:spTree>
       <p:nvGrpSpPr>
@@ -4665,12 +5002,13 @@
           </a:prstGeom>
         </p:spPr>
         <p:txBody>
-          <a:bodyPr lIns="0" rIns="0" tIns="0" bIns="0" anchor="ctr">
+          <a:bodyPr lIns="0" tIns="0" rIns="0" bIns="0" anchor="ctr">
             <a:noAutofit/>
           </a:bodyPr>
+          <a:lstStyle/>
           <a:p>
             <a:pPr algn="ctr"/>
-            <a:endParaRPr b="0" lang="en-GB" sz="4400" spc="-1" strike="noStrike">
+            <a:endParaRPr lang="en-GB" sz="4400" b="0" strike="noStrike" spc="-1">
               <a:solidFill>
                 <a:srgbClr val="006699"/>
               </a:solidFill>
@@ -4699,11 +5037,12 @@
           </a:prstGeom>
         </p:spPr>
         <p:txBody>
-          <a:bodyPr lIns="0" rIns="0" tIns="0" bIns="0">
+          <a:bodyPr lIns="0" tIns="0" rIns="0" bIns="0">
             <a:normAutofit/>
           </a:bodyPr>
-          <a:p>
-            <a:endParaRPr b="0" lang="en-GB" sz="3200" spc="-1" strike="noStrike">
+          <a:lstStyle/>
+          <a:p>
+            <a:endParaRPr lang="en-GB" sz="3200" b="0" strike="noStrike" spc="-1">
               <a:latin typeface="Arial"/>
             </a:endParaRPr>
           </a:p>
@@ -4729,11 +5068,12 @@
           </a:prstGeom>
         </p:spPr>
         <p:txBody>
-          <a:bodyPr lIns="0" rIns="0" tIns="0" bIns="0">
+          <a:bodyPr lIns="0" tIns="0" rIns="0" bIns="0">
             <a:normAutofit/>
           </a:bodyPr>
-          <a:p>
-            <a:endParaRPr b="0" lang="en-GB" sz="3200" spc="-1" strike="noStrike">
+          <a:lstStyle/>
+          <a:p>
+            <a:endParaRPr lang="en-GB" sz="3200" b="0" strike="noStrike" spc="-1">
               <a:latin typeface="Arial"/>
             </a:endParaRPr>
           </a:p>
@@ -4759,11 +5099,12 @@
           </a:prstGeom>
         </p:spPr>
         <p:txBody>
-          <a:bodyPr lIns="0" rIns="0" tIns="0" bIns="0">
+          <a:bodyPr lIns="0" tIns="0" rIns="0" bIns="0">
             <a:normAutofit/>
           </a:bodyPr>
-          <a:p>
-            <a:endParaRPr b="0" lang="en-GB" sz="3200" spc="-1" strike="noStrike">
+          <a:lstStyle/>
+          <a:p>
+            <a:endParaRPr lang="en-GB" sz="3200" b="0" strike="noStrike" spc="-1">
               <a:latin typeface="Arial"/>
             </a:endParaRPr>
           </a:p>
@@ -4789,11 +5130,12 @@
           </a:prstGeom>
         </p:spPr>
         <p:txBody>
-          <a:bodyPr lIns="0" rIns="0" tIns="0" bIns="0">
+          <a:bodyPr lIns="0" tIns="0" rIns="0" bIns="0">
             <a:normAutofit/>
           </a:bodyPr>
-          <a:p>
-            <a:endParaRPr b="0" lang="en-GB" sz="3200" spc="-1" strike="noStrike">
+          <a:lstStyle/>
+          <a:p>
+            <a:endParaRPr lang="en-GB" sz="3200" b="0" strike="noStrike" spc="-1">
               <a:latin typeface="Arial"/>
             </a:endParaRPr>
           </a:p>
@@ -4801,11 +5143,14 @@
       </p:sp>
     </p:spTree>
   </p:cSld>
+  <p:clrMapOvr>
+    <a:masterClrMapping/>
+  </p:clrMapOvr>
 </p:sldLayout>
 </file>
 
 <file path=ppt/slideLayouts/slideLayout48.xml><?xml version="1.0" encoding="utf-8"?>
-<p:sldLayout xmlns:a="http://schemas.openxmlformats.org/drawingml/2006/main" xmlns:p="http://schemas.openxmlformats.org/presentationml/2006/main" xmlns:r="http://schemas.openxmlformats.org/officeDocument/2006/relationships" xmlns:p14="http://schemas.microsoft.com/office/powerpoint/2010/main" xmlns:p15="http://schemas.microsoft.com/office/powerpoint/2012/main" xmlns:mc="http://schemas.openxmlformats.org/markup-compatibility/2006" type="blank" preserve="1">
+<p:sldLayout xmlns:a="http://schemas.openxmlformats.org/drawingml/2006/main" xmlns:r="http://schemas.openxmlformats.org/officeDocument/2006/relationships" xmlns:p="http://schemas.openxmlformats.org/presentationml/2006/main" type="blank" preserve="1">
   <p:cSld name="Title, 6 Content">
     <p:spTree>
       <p:nvGrpSpPr>
@@ -4841,12 +5186,13 @@
           </a:prstGeom>
         </p:spPr>
         <p:txBody>
-          <a:bodyPr lIns="0" rIns="0" tIns="0" bIns="0" anchor="ctr">
+          <a:bodyPr lIns="0" tIns="0" rIns="0" bIns="0" anchor="ctr">
             <a:noAutofit/>
           </a:bodyPr>
+          <a:lstStyle/>
           <a:p>
             <a:pPr algn="ctr"/>
-            <a:endParaRPr b="0" lang="en-GB" sz="4400" spc="-1" strike="noStrike">
+            <a:endParaRPr lang="en-GB" sz="4400" b="0" strike="noStrike" spc="-1">
               <a:solidFill>
                 <a:srgbClr val="006699"/>
               </a:solidFill>
@@ -4875,11 +5221,12 @@
           </a:prstGeom>
         </p:spPr>
         <p:txBody>
-          <a:bodyPr lIns="0" rIns="0" tIns="0" bIns="0">
+          <a:bodyPr lIns="0" tIns="0" rIns="0" bIns="0">
             <a:normAutofit/>
           </a:bodyPr>
-          <a:p>
-            <a:endParaRPr b="0" lang="en-GB" sz="3200" spc="-1" strike="noStrike">
+          <a:lstStyle/>
+          <a:p>
+            <a:endParaRPr lang="en-GB" sz="3200" b="0" strike="noStrike" spc="-1">
               <a:latin typeface="Arial"/>
             </a:endParaRPr>
           </a:p>
@@ -4905,11 +5252,12 @@
           </a:prstGeom>
         </p:spPr>
         <p:txBody>
-          <a:bodyPr lIns="0" rIns="0" tIns="0" bIns="0">
+          <a:bodyPr lIns="0" tIns="0" rIns="0" bIns="0">
             <a:normAutofit/>
           </a:bodyPr>
-          <a:p>
-            <a:endParaRPr b="0" lang="en-GB" sz="3200" spc="-1" strike="noStrike">
+          <a:lstStyle/>
+          <a:p>
+            <a:endParaRPr lang="en-GB" sz="3200" b="0" strike="noStrike" spc="-1">
               <a:latin typeface="Arial"/>
             </a:endParaRPr>
           </a:p>
@@ -4935,11 +5283,12 @@
           </a:prstGeom>
         </p:spPr>
         <p:txBody>
-          <a:bodyPr lIns="0" rIns="0" tIns="0" bIns="0">
+          <a:bodyPr lIns="0" tIns="0" rIns="0" bIns="0">
             <a:normAutofit/>
           </a:bodyPr>
-          <a:p>
-            <a:endParaRPr b="0" lang="en-GB" sz="3200" spc="-1" strike="noStrike">
+          <a:lstStyle/>
+          <a:p>
+            <a:endParaRPr lang="en-GB" sz="3200" b="0" strike="noStrike" spc="-1">
               <a:latin typeface="Arial"/>
             </a:endParaRPr>
           </a:p>
@@ -4965,11 +5314,12 @@
           </a:prstGeom>
         </p:spPr>
         <p:txBody>
-          <a:bodyPr lIns="0" rIns="0" tIns="0" bIns="0">
+          <a:bodyPr lIns="0" tIns="0" rIns="0" bIns="0">
             <a:normAutofit/>
           </a:bodyPr>
-          <a:p>
-            <a:endParaRPr b="0" lang="en-GB" sz="3200" spc="-1" strike="noStrike">
+          <a:lstStyle/>
+          <a:p>
+            <a:endParaRPr lang="en-GB" sz="3200" b="0" strike="noStrike" spc="-1">
               <a:latin typeface="Arial"/>
             </a:endParaRPr>
           </a:p>
@@ -4995,11 +5345,12 @@
           </a:prstGeom>
         </p:spPr>
         <p:txBody>
-          <a:bodyPr lIns="0" rIns="0" tIns="0" bIns="0">
+          <a:bodyPr lIns="0" tIns="0" rIns="0" bIns="0">
             <a:normAutofit/>
           </a:bodyPr>
-          <a:p>
-            <a:endParaRPr b="0" lang="en-GB" sz="3200" spc="-1" strike="noStrike">
+          <a:lstStyle/>
+          <a:p>
+            <a:endParaRPr lang="en-GB" sz="3200" b="0" strike="noStrike" spc="-1">
               <a:latin typeface="Arial"/>
             </a:endParaRPr>
           </a:p>
@@ -5025,11 +5376,12 @@
           </a:prstGeom>
         </p:spPr>
         <p:txBody>
-          <a:bodyPr lIns="0" rIns="0" tIns="0" bIns="0">
+          <a:bodyPr lIns="0" tIns="0" rIns="0" bIns="0">
             <a:normAutofit/>
           </a:bodyPr>
-          <a:p>
-            <a:endParaRPr b="0" lang="en-GB" sz="3200" spc="-1" strike="noStrike">
+          <a:lstStyle/>
+          <a:p>
+            <a:endParaRPr lang="en-GB" sz="3200" b="0" strike="noStrike" spc="-1">
               <a:latin typeface="Arial"/>
             </a:endParaRPr>
           </a:p>
@@ -5037,11 +5389,14 @@
       </p:sp>
     </p:spTree>
   </p:cSld>
+  <p:clrMapOvr>
+    <a:masterClrMapping/>
+  </p:clrMapOvr>
 </p:sldLayout>
 </file>
 
 <file path=ppt/slideLayouts/slideLayout5.xml><?xml version="1.0" encoding="utf-8"?>
-<p:sldLayout xmlns:a="http://schemas.openxmlformats.org/drawingml/2006/main" xmlns:p="http://schemas.openxmlformats.org/presentationml/2006/main" xmlns:r="http://schemas.openxmlformats.org/officeDocument/2006/relationships" xmlns:p14="http://schemas.microsoft.com/office/powerpoint/2010/main" xmlns:p15="http://schemas.microsoft.com/office/powerpoint/2012/main" xmlns:mc="http://schemas.openxmlformats.org/markup-compatibility/2006" type="titleOnly" preserve="1">
+<p:sldLayout xmlns:a="http://schemas.openxmlformats.org/drawingml/2006/main" xmlns:r="http://schemas.openxmlformats.org/officeDocument/2006/relationships" xmlns:p="http://schemas.openxmlformats.org/presentationml/2006/main" type="titleOnly" preserve="1">
   <p:cSld name="Title Only">
     <p:spTree>
       <p:nvGrpSpPr>
@@ -5077,12 +5432,13 @@
           </a:prstGeom>
         </p:spPr>
         <p:txBody>
-          <a:bodyPr lIns="0" rIns="0" tIns="0" bIns="0" anchor="ctr">
+          <a:bodyPr lIns="0" tIns="0" rIns="0" bIns="0" anchor="ctr">
             <a:noAutofit/>
           </a:bodyPr>
+          <a:lstStyle/>
           <a:p>
             <a:pPr algn="ctr"/>
-            <a:endParaRPr b="0" lang="en-GB" sz="4400" spc="-1" strike="noStrike">
+            <a:endParaRPr lang="en-GB" sz="4400" b="0" strike="noStrike" spc="-1">
               <a:solidFill>
                 <a:srgbClr val="006699"/>
               </a:solidFill>
@@ -5093,11 +5449,14 @@
       </p:sp>
     </p:spTree>
   </p:cSld>
+  <p:clrMapOvr>
+    <a:masterClrMapping/>
+  </p:clrMapOvr>
 </p:sldLayout>
 </file>
 
 <file path=ppt/slideLayouts/slideLayout6.xml><?xml version="1.0" encoding="utf-8"?>
-<p:sldLayout xmlns:a="http://schemas.openxmlformats.org/drawingml/2006/main" xmlns:p="http://schemas.openxmlformats.org/presentationml/2006/main" xmlns:r="http://schemas.openxmlformats.org/officeDocument/2006/relationships" xmlns:p14="http://schemas.microsoft.com/office/powerpoint/2010/main" xmlns:p15="http://schemas.microsoft.com/office/powerpoint/2012/main" xmlns:mc="http://schemas.openxmlformats.org/markup-compatibility/2006" type="objOnly" preserve="1">
+<p:sldLayout xmlns:a="http://schemas.openxmlformats.org/drawingml/2006/main" xmlns:r="http://schemas.openxmlformats.org/officeDocument/2006/relationships" xmlns:p="http://schemas.openxmlformats.org/presentationml/2006/main" type="objOnly" preserve="1">
   <p:cSld name="Centered Text">
     <p:spTree>
       <p:nvGrpSpPr>
@@ -5133,14 +5492,15 @@
           </a:prstGeom>
         </p:spPr>
         <p:txBody>
-          <a:bodyPr lIns="0" rIns="0" tIns="0" bIns="0" anchor="ctr">
+          <a:bodyPr lIns="0" tIns="0" rIns="0" bIns="0" anchor="ctr">
             <a:noAutofit/>
           </a:bodyPr>
+          <a:lstStyle/>
           <a:p>
             <a:pPr algn="ctr"/>
-            <a:endParaRPr b="0" lang="en-GB" sz="3200" spc="-1" strike="noStrike">
+            <a:endParaRPr lang="en-GB" sz="3200" b="0" strike="noStrike" spc="-1">
               <a:highlight>
-                <a:srgbClr val="ffffff"/>
+                <a:srgbClr val="FFFFFF"/>
               </a:highlight>
               <a:latin typeface="Arial"/>
             </a:endParaRPr>
@@ -5149,11 +5509,14 @@
       </p:sp>
     </p:spTree>
   </p:cSld>
+  <p:clrMapOvr>
+    <a:masterClrMapping/>
+  </p:clrMapOvr>
 </p:sldLayout>
 </file>
 
 <file path=ppt/slideLayouts/slideLayout7.xml><?xml version="1.0" encoding="utf-8"?>
-<p:sldLayout xmlns:a="http://schemas.openxmlformats.org/drawingml/2006/main" xmlns:p="http://schemas.openxmlformats.org/presentationml/2006/main" xmlns:r="http://schemas.openxmlformats.org/officeDocument/2006/relationships" xmlns:p14="http://schemas.microsoft.com/office/powerpoint/2010/main" xmlns:p15="http://schemas.microsoft.com/office/powerpoint/2012/main" xmlns:mc="http://schemas.openxmlformats.org/markup-compatibility/2006" type="twoObjAndObj" preserve="1">
+<p:sldLayout xmlns:a="http://schemas.openxmlformats.org/drawingml/2006/main" xmlns:r="http://schemas.openxmlformats.org/officeDocument/2006/relationships" xmlns:p="http://schemas.openxmlformats.org/presentationml/2006/main" type="twoObjAndObj" preserve="1">
   <p:cSld name="Title, 2 Content and Content">
     <p:spTree>
       <p:nvGrpSpPr>
@@ -5189,12 +5552,13 @@
           </a:prstGeom>
         </p:spPr>
         <p:txBody>
-          <a:bodyPr lIns="0" rIns="0" tIns="0" bIns="0" anchor="ctr">
+          <a:bodyPr lIns="0" tIns="0" rIns="0" bIns="0" anchor="ctr">
             <a:noAutofit/>
           </a:bodyPr>
+          <a:lstStyle/>
           <a:p>
             <a:pPr algn="ctr"/>
-            <a:endParaRPr b="0" lang="en-GB" sz="4400" spc="-1" strike="noStrike">
+            <a:endParaRPr lang="en-GB" sz="4400" b="0" strike="noStrike" spc="-1">
               <a:solidFill>
                 <a:srgbClr val="006699"/>
               </a:solidFill>
@@ -5223,11 +5587,12 @@
           </a:prstGeom>
         </p:spPr>
         <p:txBody>
-          <a:bodyPr lIns="0" rIns="0" tIns="0" bIns="0">
+          <a:bodyPr lIns="0" tIns="0" rIns="0" bIns="0">
             <a:normAutofit/>
           </a:bodyPr>
-          <a:p>
-            <a:endParaRPr b="0" lang="en-GB" sz="3200" spc="-1" strike="noStrike">
+          <a:lstStyle/>
+          <a:p>
+            <a:endParaRPr lang="en-GB" sz="3200" b="0" strike="noStrike" spc="-1">
               <a:latin typeface="Arial"/>
             </a:endParaRPr>
           </a:p>
@@ -5253,11 +5618,12 @@
           </a:prstGeom>
         </p:spPr>
         <p:txBody>
-          <a:bodyPr lIns="0" rIns="0" tIns="0" bIns="0">
+          <a:bodyPr lIns="0" tIns="0" rIns="0" bIns="0">
             <a:normAutofit/>
           </a:bodyPr>
-          <a:p>
-            <a:endParaRPr b="0" lang="en-GB" sz="3200" spc="-1" strike="noStrike">
+          <a:lstStyle/>
+          <a:p>
+            <a:endParaRPr lang="en-GB" sz="3200" b="0" strike="noStrike" spc="-1">
               <a:latin typeface="Arial"/>
             </a:endParaRPr>
           </a:p>
@@ -5283,11 +5649,12 @@
           </a:prstGeom>
         </p:spPr>
         <p:txBody>
-          <a:bodyPr lIns="0" rIns="0" tIns="0" bIns="0">
+          <a:bodyPr lIns="0" tIns="0" rIns="0" bIns="0">
             <a:normAutofit/>
           </a:bodyPr>
-          <a:p>
-            <a:endParaRPr b="0" lang="en-GB" sz="3200" spc="-1" strike="noStrike">
+          <a:lstStyle/>
+          <a:p>
+            <a:endParaRPr lang="en-GB" sz="3200" b="0" strike="noStrike" spc="-1">
               <a:latin typeface="Arial"/>
             </a:endParaRPr>
           </a:p>
@@ -5295,11 +5662,14 @@
       </p:sp>
     </p:spTree>
   </p:cSld>
+  <p:clrMapOvr>
+    <a:masterClrMapping/>
+  </p:clrMapOvr>
 </p:sldLayout>
 </file>
 
 <file path=ppt/slideLayouts/slideLayout8.xml><?xml version="1.0" encoding="utf-8"?>
-<p:sldLayout xmlns:a="http://schemas.openxmlformats.org/drawingml/2006/main" xmlns:p="http://schemas.openxmlformats.org/presentationml/2006/main" xmlns:r="http://schemas.openxmlformats.org/officeDocument/2006/relationships" xmlns:p14="http://schemas.microsoft.com/office/powerpoint/2010/main" xmlns:p15="http://schemas.microsoft.com/office/powerpoint/2012/main" xmlns:mc="http://schemas.openxmlformats.org/markup-compatibility/2006" type="objAndTwoObj" preserve="1">
+<p:sldLayout xmlns:a="http://schemas.openxmlformats.org/drawingml/2006/main" xmlns:r="http://schemas.openxmlformats.org/officeDocument/2006/relationships" xmlns:p="http://schemas.openxmlformats.org/presentationml/2006/main" type="objAndTwoObj" preserve="1">
   <p:cSld name="Title Content and 2 Content">
     <p:spTree>
       <p:nvGrpSpPr>
@@ -5335,12 +5705,13 @@
           </a:prstGeom>
         </p:spPr>
         <p:txBody>
-          <a:bodyPr lIns="0" rIns="0" tIns="0" bIns="0" anchor="ctr">
+          <a:bodyPr lIns="0" tIns="0" rIns="0" bIns="0" anchor="ctr">
             <a:noAutofit/>
           </a:bodyPr>
+          <a:lstStyle/>
           <a:p>
             <a:pPr algn="ctr"/>
-            <a:endParaRPr b="0" lang="en-GB" sz="4400" spc="-1" strike="noStrike">
+            <a:endParaRPr lang="en-GB" sz="4400" b="0" strike="noStrike" spc="-1">
               <a:solidFill>
                 <a:srgbClr val="006699"/>
               </a:solidFill>
@@ -5369,11 +5740,12 @@
           </a:prstGeom>
         </p:spPr>
         <p:txBody>
-          <a:bodyPr lIns="0" rIns="0" tIns="0" bIns="0">
+          <a:bodyPr lIns="0" tIns="0" rIns="0" bIns="0">
             <a:normAutofit/>
           </a:bodyPr>
-          <a:p>
-            <a:endParaRPr b="0" lang="en-GB" sz="3200" spc="-1" strike="noStrike">
+          <a:lstStyle/>
+          <a:p>
+            <a:endParaRPr lang="en-GB" sz="3200" b="0" strike="noStrike" spc="-1">
               <a:latin typeface="Arial"/>
             </a:endParaRPr>
           </a:p>
@@ -5399,11 +5771,12 @@
           </a:prstGeom>
         </p:spPr>
         <p:txBody>
-          <a:bodyPr lIns="0" rIns="0" tIns="0" bIns="0">
+          <a:bodyPr lIns="0" tIns="0" rIns="0" bIns="0">
             <a:normAutofit/>
           </a:bodyPr>
-          <a:p>
-            <a:endParaRPr b="0" lang="en-GB" sz="3200" spc="-1" strike="noStrike">
+          <a:lstStyle/>
+          <a:p>
+            <a:endParaRPr lang="en-GB" sz="3200" b="0" strike="noStrike" spc="-1">
               <a:latin typeface="Arial"/>
             </a:endParaRPr>
           </a:p>
@@ -5429,11 +5802,12 @@
           </a:prstGeom>
         </p:spPr>
         <p:txBody>
-          <a:bodyPr lIns="0" rIns="0" tIns="0" bIns="0">
+          <a:bodyPr lIns="0" tIns="0" rIns="0" bIns="0">
             <a:normAutofit/>
           </a:bodyPr>
-          <a:p>
-            <a:endParaRPr b="0" lang="en-GB" sz="3200" spc="-1" strike="noStrike">
+          <a:lstStyle/>
+          <a:p>
+            <a:endParaRPr lang="en-GB" sz="3200" b="0" strike="noStrike" spc="-1">
               <a:latin typeface="Arial"/>
             </a:endParaRPr>
           </a:p>
@@ -5441,11 +5815,14 @@
       </p:sp>
     </p:spTree>
   </p:cSld>
+  <p:clrMapOvr>
+    <a:masterClrMapping/>
+  </p:clrMapOvr>
 </p:sldLayout>
 </file>
 
 <file path=ppt/slideLayouts/slideLayout9.xml><?xml version="1.0" encoding="utf-8"?>
-<p:sldLayout xmlns:a="http://schemas.openxmlformats.org/drawingml/2006/main" xmlns:p="http://schemas.openxmlformats.org/presentationml/2006/main" xmlns:r="http://schemas.openxmlformats.org/officeDocument/2006/relationships" xmlns:p14="http://schemas.microsoft.com/office/powerpoint/2010/main" xmlns:p15="http://schemas.microsoft.com/office/powerpoint/2012/main" xmlns:mc="http://schemas.openxmlformats.org/markup-compatibility/2006" type="twoObjOverTx" preserve="1">
+<p:sldLayout xmlns:a="http://schemas.openxmlformats.org/drawingml/2006/main" xmlns:r="http://schemas.openxmlformats.org/officeDocument/2006/relationships" xmlns:p="http://schemas.openxmlformats.org/presentationml/2006/main" type="twoObjOverTx" preserve="1">
   <p:cSld name="Title, 2 Content over Content">
     <p:spTree>
       <p:nvGrpSpPr>
@@ -5481,12 +5858,13 @@
           </a:prstGeom>
         </p:spPr>
         <p:txBody>
-          <a:bodyPr lIns="0" rIns="0" tIns="0" bIns="0" anchor="ctr">
+          <a:bodyPr lIns="0" tIns="0" rIns="0" bIns="0" anchor="ctr">
             <a:noAutofit/>
           </a:bodyPr>
+          <a:lstStyle/>
           <a:p>
             <a:pPr algn="ctr"/>
-            <a:endParaRPr b="0" lang="en-GB" sz="4400" spc="-1" strike="noStrike">
+            <a:endParaRPr lang="en-GB" sz="4400" b="0" strike="noStrike" spc="-1">
               <a:solidFill>
                 <a:srgbClr val="006699"/>
               </a:solidFill>
@@ -5515,11 +5893,12 @@
           </a:prstGeom>
         </p:spPr>
         <p:txBody>
-          <a:bodyPr lIns="0" rIns="0" tIns="0" bIns="0">
+          <a:bodyPr lIns="0" tIns="0" rIns="0" bIns="0">
             <a:normAutofit/>
           </a:bodyPr>
-          <a:p>
-            <a:endParaRPr b="0" lang="en-GB" sz="3200" spc="-1" strike="noStrike">
+          <a:lstStyle/>
+          <a:p>
+            <a:endParaRPr lang="en-GB" sz="3200" b="0" strike="noStrike" spc="-1">
               <a:latin typeface="Arial"/>
             </a:endParaRPr>
           </a:p>
@@ -5545,11 +5924,12 @@
           </a:prstGeom>
         </p:spPr>
         <p:txBody>
-          <a:bodyPr lIns="0" rIns="0" tIns="0" bIns="0">
+          <a:bodyPr lIns="0" tIns="0" rIns="0" bIns="0">
             <a:normAutofit/>
           </a:bodyPr>
-          <a:p>
-            <a:endParaRPr b="0" lang="en-GB" sz="3200" spc="-1" strike="noStrike">
+          <a:lstStyle/>
+          <a:p>
+            <a:endParaRPr lang="en-GB" sz="3200" b="0" strike="noStrike" spc="-1">
               <a:latin typeface="Arial"/>
             </a:endParaRPr>
           </a:p>
@@ -5575,11 +5955,12 @@
           </a:prstGeom>
         </p:spPr>
         <p:txBody>
-          <a:bodyPr lIns="0" rIns="0" tIns="0" bIns="0">
+          <a:bodyPr lIns="0" tIns="0" rIns="0" bIns="0">
             <a:normAutofit/>
           </a:bodyPr>
-          <a:p>
-            <a:endParaRPr b="0" lang="en-GB" sz="3200" spc="-1" strike="noStrike">
+          <a:lstStyle/>
+          <a:p>
+            <a:endParaRPr lang="en-GB" sz="3200" b="0" strike="noStrike" spc="-1">
               <a:latin typeface="Arial"/>
             </a:endParaRPr>
           </a:p>
@@ -5587,20 +5968,24 @@
       </p:sp>
     </p:spTree>
   </p:cSld>
+  <p:clrMapOvr>
+    <a:masterClrMapping/>
+  </p:clrMapOvr>
 </p:sldLayout>
 </file>
 
 <file path=ppt/slideMasters/slideMaster1.xml><?xml version="1.0" encoding="utf-8"?>
-<p:sldMaster xmlns:a="http://schemas.openxmlformats.org/drawingml/2006/main" xmlns:p="http://schemas.openxmlformats.org/presentationml/2006/main" xmlns:r="http://schemas.openxmlformats.org/officeDocument/2006/relationships" xmlns:p14="http://schemas.microsoft.com/office/powerpoint/2010/main" xmlns:p15="http://schemas.microsoft.com/office/powerpoint/2012/main" xmlns:mc="http://schemas.openxmlformats.org/markup-compatibility/2006">
+<p:sldMaster xmlns:a="http://schemas.openxmlformats.org/drawingml/2006/main" xmlns:r="http://schemas.openxmlformats.org/officeDocument/2006/relationships" xmlns:p="http://schemas.openxmlformats.org/presentationml/2006/main">
   <p:cSld>
     <p:bg>
       <p:bgPr>
         <a:blipFill rotWithShape="0">
-          <a:blip r:embed="rId2"/>
+          <a:blip r:embed="rId14"/>
           <a:stretch>
             <a:fillRect/>
           </a:stretch>
         </a:blipFill>
+        <a:effectLst/>
       </p:bgPr>
     </p:bg>
     <p:spTree>
@@ -5619,7 +6004,7 @@
       </p:grpSpPr>
       <p:sp>
         <p:nvSpPr>
-          <p:cNvPr id="0" name="PlaceHolder 1"/>
+          <p:cNvPr id="5" name="PlaceHolder 1"/>
           <p:cNvSpPr>
             <a:spLocks noGrp="1"/>
           </p:cNvSpPr>
@@ -5637,31 +6022,26 @@
           </a:prstGeom>
         </p:spPr>
         <p:txBody>
-          <a:bodyPr lIns="0" rIns="0" tIns="0" bIns="0" anchor="ctr">
+          <a:bodyPr lIns="0" tIns="0" rIns="0" bIns="0" anchor="ctr">
             <a:noAutofit/>
           </a:bodyPr>
+          <a:lstStyle/>
           <a:p>
             <a:r>
-              <a:rPr b="0" lang="en-GB" sz="4400" spc="-1" strike="noStrike">
+              <a:rPr lang="en-GB" sz="4400" b="0" strike="noStrike" spc="-1">
                 <a:solidFill>
-                  <a:srgbClr val="ffffff"/>
+                  <a:srgbClr val="FFFFFF"/>
                 </a:solidFill>
                 <a:latin typeface="Arial"/>
               </a:rPr>
               <a:t>Click to edit the title text format</a:t>
             </a:r>
-            <a:endParaRPr b="0" lang="en-GB" sz="4400" spc="-1" strike="noStrike">
-              <a:solidFill>
-                <a:srgbClr val="ffffff"/>
-              </a:solidFill>
-              <a:latin typeface="Arial"/>
-            </a:endParaRPr>
-          </a:p>
-        </p:txBody>
-      </p:sp>
-      <p:sp>
-        <p:nvSpPr>
-          <p:cNvPr id="1" name="PlaceHolder 2"/>
+          </a:p>
+        </p:txBody>
+      </p:sp>
+      <p:sp>
+        <p:nvSpPr>
+          <p:cNvPr id="6" name="PlaceHolder 2"/>
           <p:cNvSpPr>
             <a:spLocks noGrp="1"/>
           </p:cNvSpPr>
@@ -5679,204 +6059,163 @@
           </a:prstGeom>
         </p:spPr>
         <p:txBody>
-          <a:bodyPr lIns="0" rIns="0" tIns="0" bIns="0">
+          <a:bodyPr lIns="0" tIns="0" rIns="0" bIns="0">
             <a:normAutofit fontScale="88000"/>
           </a:bodyPr>
+          <a:lstStyle/>
           <a:p>
             <a:pPr marL="432000" indent="-324000">
               <a:spcAft>
                 <a:spcPts val="1414"/>
               </a:spcAft>
               <a:buClr>
-                <a:srgbClr val="ffffff"/>
+                <a:srgbClr val="FFFFFF"/>
               </a:buClr>
               <a:buSzPct val="45000"/>
               <a:buFont typeface="Wingdings" charset="2"/>
               <a:buChar char=""/>
             </a:pPr>
             <a:r>
-              <a:rPr b="0" lang="en-GB" sz="3200" spc="-1" strike="noStrike">
+              <a:rPr lang="en-GB" sz="3200" b="0" strike="noStrike" spc="-1">
                 <a:solidFill>
-                  <a:srgbClr val="ffffff"/>
+                  <a:srgbClr val="FFFFFF"/>
                 </a:solidFill>
                 <a:latin typeface="Arial"/>
               </a:rPr>
               <a:t>Click to edit the outline text format</a:t>
             </a:r>
-            <a:endParaRPr b="0" lang="en-GB" sz="3200" spc="-1" strike="noStrike">
-              <a:solidFill>
-                <a:srgbClr val="ffffff"/>
-              </a:solidFill>
-              <a:latin typeface="Arial"/>
-            </a:endParaRPr>
-          </a:p>
-          <a:p>
-            <a:pPr lvl="1" marL="864000" indent="-324000">
+          </a:p>
+          <a:p>
+            <a:pPr marL="864000" lvl="1" indent="-324000">
               <a:spcAft>
                 <a:spcPts val="1128"/>
               </a:spcAft>
               <a:buClr>
-                <a:srgbClr val="ffffff"/>
+                <a:srgbClr val="FFFFFF"/>
               </a:buClr>
               <a:buSzPct val="75000"/>
               <a:buFont typeface="Symbol" charset="2"/>
               <a:buChar char=""/>
             </a:pPr>
             <a:r>
-              <a:rPr b="0" lang="en-GB" sz="2800" spc="-1" strike="noStrike">
+              <a:rPr lang="en-GB" sz="2800" b="0" strike="noStrike" spc="-1">
                 <a:solidFill>
-                  <a:srgbClr val="ffffff"/>
+                  <a:srgbClr val="FFFFFF"/>
                 </a:solidFill>
                 <a:latin typeface="Arial"/>
               </a:rPr>
               <a:t>Second Outline Level</a:t>
             </a:r>
-            <a:endParaRPr b="0" lang="en-GB" sz="2800" spc="-1" strike="noStrike">
-              <a:solidFill>
-                <a:srgbClr val="ffffff"/>
-              </a:solidFill>
-              <a:latin typeface="Arial"/>
-            </a:endParaRPr>
-          </a:p>
-          <a:p>
-            <a:pPr lvl="2" marL="1296000" indent="-288000">
+          </a:p>
+          <a:p>
+            <a:pPr marL="1296000" lvl="2" indent="-288000">
               <a:spcAft>
                 <a:spcPts val="845"/>
               </a:spcAft>
               <a:buClr>
-                <a:srgbClr val="ffffff"/>
+                <a:srgbClr val="FFFFFF"/>
               </a:buClr>
               <a:buSzPct val="45000"/>
               <a:buFont typeface="Wingdings" charset="2"/>
               <a:buChar char=""/>
             </a:pPr>
             <a:r>
-              <a:rPr b="0" lang="en-GB" sz="2400" spc="-1" strike="noStrike">
+              <a:rPr lang="en-GB" sz="2400" b="0" strike="noStrike" spc="-1">
                 <a:solidFill>
-                  <a:srgbClr val="ffffff"/>
+                  <a:srgbClr val="FFFFFF"/>
                 </a:solidFill>
                 <a:latin typeface="Arial"/>
               </a:rPr>
               <a:t>Third Outline Level</a:t>
             </a:r>
-            <a:endParaRPr b="0" lang="en-GB" sz="2400" spc="-1" strike="noStrike">
-              <a:solidFill>
-                <a:srgbClr val="ffffff"/>
-              </a:solidFill>
-              <a:latin typeface="Arial"/>
-            </a:endParaRPr>
-          </a:p>
-          <a:p>
-            <a:pPr lvl="3" marL="1728000" indent="-216000">
+          </a:p>
+          <a:p>
+            <a:pPr marL="1728000" lvl="3" indent="-216000">
               <a:spcAft>
                 <a:spcPts val="561"/>
               </a:spcAft>
               <a:buClr>
-                <a:srgbClr val="ffffff"/>
+                <a:srgbClr val="FFFFFF"/>
               </a:buClr>
               <a:buSzPct val="75000"/>
               <a:buFont typeface="Symbol" charset="2"/>
               <a:buChar char=""/>
             </a:pPr>
             <a:r>
-              <a:rPr b="0" lang="en-GB" sz="2000" spc="-1" strike="noStrike">
+              <a:rPr lang="en-GB" sz="2000" b="0" strike="noStrike" spc="-1">
                 <a:solidFill>
-                  <a:srgbClr val="ffffff"/>
+                  <a:srgbClr val="FFFFFF"/>
                 </a:solidFill>
                 <a:latin typeface="Arial"/>
               </a:rPr>
               <a:t>Fourth Outline Level</a:t>
             </a:r>
-            <a:endParaRPr b="0" lang="en-GB" sz="2000" spc="-1" strike="noStrike">
-              <a:solidFill>
-                <a:srgbClr val="ffffff"/>
-              </a:solidFill>
-              <a:latin typeface="Arial"/>
-            </a:endParaRPr>
-          </a:p>
-          <a:p>
-            <a:pPr lvl="4" marL="2160000" indent="-216000">
+          </a:p>
+          <a:p>
+            <a:pPr marL="2160000" lvl="4" indent="-216000">
               <a:spcAft>
                 <a:spcPts val="278"/>
               </a:spcAft>
               <a:buClr>
-                <a:srgbClr val="ffffff"/>
+                <a:srgbClr val="FFFFFF"/>
               </a:buClr>
               <a:buSzPct val="45000"/>
               <a:buFont typeface="Wingdings" charset="2"/>
               <a:buChar char=""/>
             </a:pPr>
             <a:r>
-              <a:rPr b="0" lang="en-GB" sz="2000" spc="-1" strike="noStrike">
+              <a:rPr lang="en-GB" sz="2000" b="0" strike="noStrike" spc="-1">
                 <a:solidFill>
-                  <a:srgbClr val="ffffff"/>
+                  <a:srgbClr val="FFFFFF"/>
                 </a:solidFill>
                 <a:latin typeface="Arial"/>
               </a:rPr>
               <a:t>Fifth Outline Level</a:t>
             </a:r>
-            <a:endParaRPr b="0" lang="en-GB" sz="2000" spc="-1" strike="noStrike">
-              <a:solidFill>
-                <a:srgbClr val="ffffff"/>
-              </a:solidFill>
-              <a:latin typeface="Arial"/>
-            </a:endParaRPr>
-          </a:p>
-          <a:p>
-            <a:pPr lvl="5" marL="2592000" indent="-216000">
+          </a:p>
+          <a:p>
+            <a:pPr marL="2592000" lvl="5" indent="-216000">
               <a:spcAft>
                 <a:spcPts val="278"/>
               </a:spcAft>
               <a:buClr>
-                <a:srgbClr val="ffffff"/>
+                <a:srgbClr val="FFFFFF"/>
               </a:buClr>
               <a:buSzPct val="45000"/>
               <a:buFont typeface="Wingdings" charset="2"/>
               <a:buChar char=""/>
             </a:pPr>
             <a:r>
-              <a:rPr b="0" lang="en-GB" sz="2000" spc="-1" strike="noStrike">
+              <a:rPr lang="en-GB" sz="2000" b="0" strike="noStrike" spc="-1">
                 <a:solidFill>
-                  <a:srgbClr val="ffffff"/>
+                  <a:srgbClr val="FFFFFF"/>
                 </a:solidFill>
                 <a:latin typeface="Arial"/>
               </a:rPr>
               <a:t>Sixth Outline Level</a:t>
             </a:r>
-            <a:endParaRPr b="0" lang="en-GB" sz="2000" spc="-1" strike="noStrike">
-              <a:solidFill>
-                <a:srgbClr val="ffffff"/>
-              </a:solidFill>
-              <a:latin typeface="Arial"/>
-            </a:endParaRPr>
-          </a:p>
-          <a:p>
-            <a:pPr lvl="6" marL="3024000" indent="-216000">
+          </a:p>
+          <a:p>
+            <a:pPr marL="3024000" lvl="6" indent="-216000">
               <a:spcAft>
                 <a:spcPts val="278"/>
               </a:spcAft>
               <a:buClr>
-                <a:srgbClr val="ffffff"/>
+                <a:srgbClr val="FFFFFF"/>
               </a:buClr>
               <a:buSzPct val="45000"/>
               <a:buFont typeface="Wingdings" charset="2"/>
               <a:buChar char=""/>
             </a:pPr>
             <a:r>
-              <a:rPr b="0" lang="en-GB" sz="2000" spc="-1" strike="noStrike">
+              <a:rPr lang="en-GB" sz="2000" b="0" strike="noStrike" spc="-1">
                 <a:solidFill>
-                  <a:srgbClr val="ffffff"/>
+                  <a:srgbClr val="FFFFFF"/>
                 </a:solidFill>
                 <a:latin typeface="Arial"/>
               </a:rPr>
               <a:t>Seventh Outline Level</a:t>
             </a:r>
-            <a:endParaRPr b="0" lang="en-GB" sz="2000" spc="-1" strike="noStrike">
-              <a:solidFill>
-                <a:srgbClr val="ffffff"/>
-              </a:solidFill>
-              <a:latin typeface="Arial"/>
-            </a:endParaRPr>
           </a:p>
         </p:txBody>
       </p:sp>
@@ -5900,19 +6239,17 @@
           </a:prstGeom>
         </p:spPr>
         <p:txBody>
-          <a:bodyPr lIns="0" rIns="0" tIns="0" bIns="0" anchor="b">
+          <a:bodyPr lIns="0" tIns="0" rIns="0" bIns="0" anchor="b">
             <a:noAutofit/>
           </a:bodyPr>
+          <a:lstStyle/>
           <a:p>
             <a:r>
-              <a:rPr b="0" lang="en-GB" sz="1400" spc="-1" strike="noStrike">
+              <a:rPr lang="en-GB" sz="1400" b="0" strike="noStrike" spc="-1">
                 <a:latin typeface="Arial"/>
               </a:rPr>
               <a:t>&lt;date/time&gt;</a:t>
             </a:r>
-            <a:endParaRPr b="0" lang="en-GB" sz="1400" spc="-1" strike="noStrike">
-              <a:latin typeface="Arial"/>
-            </a:endParaRPr>
           </a:p>
         </p:txBody>
       </p:sp>
@@ -5936,20 +6273,18 @@
           </a:prstGeom>
         </p:spPr>
         <p:txBody>
-          <a:bodyPr lIns="0" rIns="0" tIns="0" bIns="0" anchor="b">
+          <a:bodyPr lIns="0" tIns="0" rIns="0" bIns="0" anchor="b">
             <a:noAutofit/>
           </a:bodyPr>
+          <a:lstStyle/>
           <a:p>
             <a:pPr algn="ctr"/>
             <a:r>
-              <a:rPr b="0" lang="en-GB" sz="1400" spc="-1" strike="noStrike">
+              <a:rPr lang="en-GB" sz="1400" b="0" strike="noStrike" spc="-1">
                 <a:latin typeface="Arial"/>
               </a:rPr>
               <a:t>&lt;footer&gt;</a:t>
             </a:r>
-            <a:endParaRPr b="0" lang="en-GB" sz="1400" spc="-1" strike="noStrike">
-              <a:latin typeface="Arial"/>
-            </a:endParaRPr>
           </a:p>
         </p:txBody>
       </p:sp>
@@ -5973,18 +6308,19 @@
           </a:prstGeom>
         </p:spPr>
         <p:txBody>
-          <a:bodyPr lIns="0" rIns="0" tIns="0" bIns="0" anchor="b">
+          <a:bodyPr lIns="0" tIns="0" rIns="0" bIns="0" anchor="b">
             <a:noAutofit/>
           </a:bodyPr>
+          <a:lstStyle/>
           <a:p>
             <a:pPr algn="r"/>
             <a:fld id="{413AB49E-BDEA-4D2B-A89D-7E58130F57A8}" type="slidenum">
-              <a:rPr b="0" lang="en-GB" sz="1400" spc="-1" strike="noStrike">
+              <a:rPr lang="en-GB" sz="1400" b="0" strike="noStrike" spc="-1">
                 <a:latin typeface="Arial"/>
               </a:rPr>
-              <a:t>&lt;number&gt;</a:t>
+              <a:t>‹#›</a:t>
             </a:fld>
-            <a:endParaRPr b="0" lang="en-GB" sz="1400" spc="-1" strike="noStrike">
+            <a:endParaRPr lang="en-GB" sz="1400" b="0" strike="noStrike" spc="-1">
               <a:latin typeface="Arial"/>
             </a:endParaRPr>
           </a:p>
@@ -5992,35 +6328,316 @@
       </p:sp>
     </p:spTree>
   </p:cSld>
-  <p:clrMap bg1="lt1" bg2="lt2" tx1="dk1" tx2="dk2" accent1="accent1" accent2="accent2" accent3="accent3" accent4="accent4" accent5="accent5" accent6="accent6" hlink="hlink" folHlink="folHlink"/>
+  <p:clrMap bg1="lt1" tx1="dk1" bg2="lt2" tx2="dk2" accent1="accent1" accent2="accent2" accent3="accent3" accent4="accent4" accent5="accent5" accent6="accent6" hlink="hlink" folHlink="folHlink"/>
   <p:sldLayoutIdLst>
-    <p:sldLayoutId id="2147483649" r:id="rId3"/>
-    <p:sldLayoutId id="2147483650" r:id="rId4"/>
-    <p:sldLayoutId id="2147483651" r:id="rId5"/>
-    <p:sldLayoutId id="2147483652" r:id="rId6"/>
-    <p:sldLayoutId id="2147483653" r:id="rId7"/>
-    <p:sldLayoutId id="2147483654" r:id="rId8"/>
-    <p:sldLayoutId id="2147483655" r:id="rId9"/>
-    <p:sldLayoutId id="2147483656" r:id="rId10"/>
-    <p:sldLayoutId id="2147483657" r:id="rId11"/>
-    <p:sldLayoutId id="2147483658" r:id="rId12"/>
-    <p:sldLayoutId id="2147483659" r:id="rId13"/>
-    <p:sldLayoutId id="2147483660" r:id="rId14"/>
+    <p:sldLayoutId id="2147483649" r:id="rId1"/>
+    <p:sldLayoutId id="2147483650" r:id="rId2"/>
+    <p:sldLayoutId id="2147483651" r:id="rId3"/>
+    <p:sldLayoutId id="2147483652" r:id="rId4"/>
+    <p:sldLayoutId id="2147483653" r:id="rId5"/>
+    <p:sldLayoutId id="2147483654" r:id="rId6"/>
+    <p:sldLayoutId id="2147483655" r:id="rId7"/>
+    <p:sldLayoutId id="2147483656" r:id="rId8"/>
+    <p:sldLayoutId id="2147483657" r:id="rId9"/>
+    <p:sldLayoutId id="2147483658" r:id="rId10"/>
+    <p:sldLayoutId id="2147483659" r:id="rId11"/>
+    <p:sldLayoutId id="2147483660" r:id="rId12"/>
   </p:sldLayoutIdLst>
+  <p:txStyles>
+    <p:titleStyle>
+      <a:lvl1pPr algn="l" defTabSz="914400" rtl="0" eaLnBrk="1" latinLnBrk="0" hangingPunct="1">
+        <a:lnSpc>
+          <a:spcPct val="90000"/>
+        </a:lnSpc>
+        <a:spcBef>
+          <a:spcPct val="0"/>
+        </a:spcBef>
+        <a:buNone/>
+        <a:defRPr sz="4400" kern="1200">
+          <a:solidFill>
+            <a:schemeClr val="tx1"/>
+          </a:solidFill>
+          <a:latin typeface="+mj-lt"/>
+          <a:ea typeface="+mj-ea"/>
+          <a:cs typeface="+mj-cs"/>
+        </a:defRPr>
+      </a:lvl1pPr>
+    </p:titleStyle>
+    <p:bodyStyle>
+      <a:lvl1pPr marL="228600" indent="-228600" algn="l" defTabSz="914400" rtl="0" eaLnBrk="1" latinLnBrk="0" hangingPunct="1">
+        <a:lnSpc>
+          <a:spcPct val="90000"/>
+        </a:lnSpc>
+        <a:spcBef>
+          <a:spcPts val="1000"/>
+        </a:spcBef>
+        <a:buFont typeface="Arial" panose="020B0604020202020204" pitchFamily="34" charset="0"/>
+        <a:buChar char="•"/>
+        <a:defRPr sz="2800" kern="1200">
+          <a:solidFill>
+            <a:schemeClr val="tx1"/>
+          </a:solidFill>
+          <a:latin typeface="+mn-lt"/>
+          <a:ea typeface="+mn-ea"/>
+          <a:cs typeface="+mn-cs"/>
+        </a:defRPr>
+      </a:lvl1pPr>
+      <a:lvl2pPr marL="685800" indent="-228600" algn="l" defTabSz="914400" rtl="0" eaLnBrk="1" latinLnBrk="0" hangingPunct="1">
+        <a:lnSpc>
+          <a:spcPct val="90000"/>
+        </a:lnSpc>
+        <a:spcBef>
+          <a:spcPts val="500"/>
+        </a:spcBef>
+        <a:buFont typeface="Arial" panose="020B0604020202020204" pitchFamily="34" charset="0"/>
+        <a:buChar char="•"/>
+        <a:defRPr sz="2400" kern="1200">
+          <a:solidFill>
+            <a:schemeClr val="tx1"/>
+          </a:solidFill>
+          <a:latin typeface="+mn-lt"/>
+          <a:ea typeface="+mn-ea"/>
+          <a:cs typeface="+mn-cs"/>
+        </a:defRPr>
+      </a:lvl2pPr>
+      <a:lvl3pPr marL="1143000" indent="-228600" algn="l" defTabSz="914400" rtl="0" eaLnBrk="1" latinLnBrk="0" hangingPunct="1">
+        <a:lnSpc>
+          <a:spcPct val="90000"/>
+        </a:lnSpc>
+        <a:spcBef>
+          <a:spcPts val="500"/>
+        </a:spcBef>
+        <a:buFont typeface="Arial" panose="020B0604020202020204" pitchFamily="34" charset="0"/>
+        <a:buChar char="•"/>
+        <a:defRPr sz="2000" kern="1200">
+          <a:solidFill>
+            <a:schemeClr val="tx1"/>
+          </a:solidFill>
+          <a:latin typeface="+mn-lt"/>
+          <a:ea typeface="+mn-ea"/>
+          <a:cs typeface="+mn-cs"/>
+        </a:defRPr>
+      </a:lvl3pPr>
+      <a:lvl4pPr marL="1600200" indent="-228600" algn="l" defTabSz="914400" rtl="0" eaLnBrk="1" latinLnBrk="0" hangingPunct="1">
+        <a:lnSpc>
+          <a:spcPct val="90000"/>
+        </a:lnSpc>
+        <a:spcBef>
+          <a:spcPts val="500"/>
+        </a:spcBef>
+        <a:buFont typeface="Arial" panose="020B0604020202020204" pitchFamily="34" charset="0"/>
+        <a:buChar char="•"/>
+        <a:defRPr sz="1800" kern="1200">
+          <a:solidFill>
+            <a:schemeClr val="tx1"/>
+          </a:solidFill>
+          <a:latin typeface="+mn-lt"/>
+          <a:ea typeface="+mn-ea"/>
+          <a:cs typeface="+mn-cs"/>
+        </a:defRPr>
+      </a:lvl4pPr>
+      <a:lvl5pPr marL="2057400" indent="-228600" algn="l" defTabSz="914400" rtl="0" eaLnBrk="1" latinLnBrk="0" hangingPunct="1">
+        <a:lnSpc>
+          <a:spcPct val="90000"/>
+        </a:lnSpc>
+        <a:spcBef>
+          <a:spcPts val="500"/>
+        </a:spcBef>
+        <a:buFont typeface="Arial" panose="020B0604020202020204" pitchFamily="34" charset="0"/>
+        <a:buChar char="•"/>
+        <a:defRPr sz="1800" kern="1200">
+          <a:solidFill>
+            <a:schemeClr val="tx1"/>
+          </a:solidFill>
+          <a:latin typeface="+mn-lt"/>
+          <a:ea typeface="+mn-ea"/>
+          <a:cs typeface="+mn-cs"/>
+        </a:defRPr>
+      </a:lvl5pPr>
+      <a:lvl6pPr marL="2514600" indent="-228600" algn="l" defTabSz="914400" rtl="0" eaLnBrk="1" latinLnBrk="0" hangingPunct="1">
+        <a:lnSpc>
+          <a:spcPct val="90000"/>
+        </a:lnSpc>
+        <a:spcBef>
+          <a:spcPts val="500"/>
+        </a:spcBef>
+        <a:buFont typeface="Arial" panose="020B0604020202020204" pitchFamily="34" charset="0"/>
+        <a:buChar char="•"/>
+        <a:defRPr sz="1800" kern="1200">
+          <a:solidFill>
+            <a:schemeClr val="tx1"/>
+          </a:solidFill>
+          <a:latin typeface="+mn-lt"/>
+          <a:ea typeface="+mn-ea"/>
+          <a:cs typeface="+mn-cs"/>
+        </a:defRPr>
+      </a:lvl6pPr>
+      <a:lvl7pPr marL="2971800" indent="-228600" algn="l" defTabSz="914400" rtl="0" eaLnBrk="1" latinLnBrk="0" hangingPunct="1">
+        <a:lnSpc>
+          <a:spcPct val="90000"/>
+        </a:lnSpc>
+        <a:spcBef>
+          <a:spcPts val="500"/>
+        </a:spcBef>
+        <a:buFont typeface="Arial" panose="020B0604020202020204" pitchFamily="34" charset="0"/>
+        <a:buChar char="•"/>
+        <a:defRPr sz="1800" kern="1200">
+          <a:solidFill>
+            <a:schemeClr val="tx1"/>
+          </a:solidFill>
+          <a:latin typeface="+mn-lt"/>
+          <a:ea typeface="+mn-ea"/>
+          <a:cs typeface="+mn-cs"/>
+        </a:defRPr>
+      </a:lvl7pPr>
+      <a:lvl8pPr marL="3429000" indent="-228600" algn="l" defTabSz="914400" rtl="0" eaLnBrk="1" latinLnBrk="0" hangingPunct="1">
+        <a:lnSpc>
+          <a:spcPct val="90000"/>
+        </a:lnSpc>
+        <a:spcBef>
+          <a:spcPts val="500"/>
+        </a:spcBef>
+        <a:buFont typeface="Arial" panose="020B0604020202020204" pitchFamily="34" charset="0"/>
+        <a:buChar char="•"/>
+        <a:defRPr sz="1800" kern="1200">
+          <a:solidFill>
+            <a:schemeClr val="tx1"/>
+          </a:solidFill>
+          <a:latin typeface="+mn-lt"/>
+          <a:ea typeface="+mn-ea"/>
+          <a:cs typeface="+mn-cs"/>
+        </a:defRPr>
+      </a:lvl8pPr>
+      <a:lvl9pPr marL="3886200" indent="-228600" algn="l" defTabSz="914400" rtl="0" eaLnBrk="1" latinLnBrk="0" hangingPunct="1">
+        <a:lnSpc>
+          <a:spcPct val="90000"/>
+        </a:lnSpc>
+        <a:spcBef>
+          <a:spcPts val="500"/>
+        </a:spcBef>
+        <a:buFont typeface="Arial" panose="020B0604020202020204" pitchFamily="34" charset="0"/>
+        <a:buChar char="•"/>
+        <a:defRPr sz="1800" kern="1200">
+          <a:solidFill>
+            <a:schemeClr val="tx1"/>
+          </a:solidFill>
+          <a:latin typeface="+mn-lt"/>
+          <a:ea typeface="+mn-ea"/>
+          <a:cs typeface="+mn-cs"/>
+        </a:defRPr>
+      </a:lvl9pPr>
+    </p:bodyStyle>
+    <p:otherStyle>
+      <a:defPPr>
+        <a:defRPr lang="en-US"/>
+      </a:defPPr>
+      <a:lvl1pPr marL="0" algn="l" defTabSz="914400" rtl="0" eaLnBrk="1" latinLnBrk="0" hangingPunct="1">
+        <a:defRPr sz="1800" kern="1200">
+          <a:solidFill>
+            <a:schemeClr val="tx1"/>
+          </a:solidFill>
+          <a:latin typeface="+mn-lt"/>
+          <a:ea typeface="+mn-ea"/>
+          <a:cs typeface="+mn-cs"/>
+        </a:defRPr>
+      </a:lvl1pPr>
+      <a:lvl2pPr marL="457200" algn="l" defTabSz="914400" rtl="0" eaLnBrk="1" latinLnBrk="0" hangingPunct="1">
+        <a:defRPr sz="1800" kern="1200">
+          <a:solidFill>
+            <a:schemeClr val="tx1"/>
+          </a:solidFill>
+          <a:latin typeface="+mn-lt"/>
+          <a:ea typeface="+mn-ea"/>
+          <a:cs typeface="+mn-cs"/>
+        </a:defRPr>
+      </a:lvl2pPr>
+      <a:lvl3pPr marL="914400" algn="l" defTabSz="914400" rtl="0" eaLnBrk="1" latinLnBrk="0" hangingPunct="1">
+        <a:defRPr sz="1800" kern="1200">
+          <a:solidFill>
+            <a:schemeClr val="tx1"/>
+          </a:solidFill>
+          <a:latin typeface="+mn-lt"/>
+          <a:ea typeface="+mn-ea"/>
+          <a:cs typeface="+mn-cs"/>
+        </a:defRPr>
+      </a:lvl3pPr>
+      <a:lvl4pPr marL="1371600" algn="l" defTabSz="914400" rtl="0" eaLnBrk="1" latinLnBrk="0" hangingPunct="1">
+        <a:defRPr sz="1800" kern="1200">
+          <a:solidFill>
+            <a:schemeClr val="tx1"/>
+          </a:solidFill>
+          <a:latin typeface="+mn-lt"/>
+          <a:ea typeface="+mn-ea"/>
+          <a:cs typeface="+mn-cs"/>
+        </a:defRPr>
+      </a:lvl4pPr>
+      <a:lvl5pPr marL="1828800" algn="l" defTabSz="914400" rtl="0" eaLnBrk="1" latinLnBrk="0" hangingPunct="1">
+        <a:defRPr sz="1800" kern="1200">
+          <a:solidFill>
+            <a:schemeClr val="tx1"/>
+          </a:solidFill>
+          <a:latin typeface="+mn-lt"/>
+          <a:ea typeface="+mn-ea"/>
+          <a:cs typeface="+mn-cs"/>
+        </a:defRPr>
+      </a:lvl5pPr>
+      <a:lvl6pPr marL="2286000" algn="l" defTabSz="914400" rtl="0" eaLnBrk="1" latinLnBrk="0" hangingPunct="1">
+        <a:defRPr sz="1800" kern="1200">
+          <a:solidFill>
+            <a:schemeClr val="tx1"/>
+          </a:solidFill>
+          <a:latin typeface="+mn-lt"/>
+          <a:ea typeface="+mn-ea"/>
+          <a:cs typeface="+mn-cs"/>
+        </a:defRPr>
+      </a:lvl6pPr>
+      <a:lvl7pPr marL="2743200" algn="l" defTabSz="914400" rtl="0" eaLnBrk="1" latinLnBrk="0" hangingPunct="1">
+        <a:defRPr sz="1800" kern="1200">
+          <a:solidFill>
+            <a:schemeClr val="tx1"/>
+          </a:solidFill>
+          <a:latin typeface="+mn-lt"/>
+          <a:ea typeface="+mn-ea"/>
+          <a:cs typeface="+mn-cs"/>
+        </a:defRPr>
+      </a:lvl7pPr>
+      <a:lvl8pPr marL="3200400" algn="l" defTabSz="914400" rtl="0" eaLnBrk="1" latinLnBrk="0" hangingPunct="1">
+        <a:defRPr sz="1800" kern="1200">
+          <a:solidFill>
+            <a:schemeClr val="tx1"/>
+          </a:solidFill>
+          <a:latin typeface="+mn-lt"/>
+          <a:ea typeface="+mn-ea"/>
+          <a:cs typeface="+mn-cs"/>
+        </a:defRPr>
+      </a:lvl8pPr>
+      <a:lvl9pPr marL="3657600" algn="l" defTabSz="914400" rtl="0" eaLnBrk="1" latinLnBrk="0" hangingPunct="1">
+        <a:defRPr sz="1800" kern="1200">
+          <a:solidFill>
+            <a:schemeClr val="tx1"/>
+          </a:solidFill>
+          <a:latin typeface="+mn-lt"/>
+          <a:ea typeface="+mn-ea"/>
+          <a:cs typeface="+mn-cs"/>
+        </a:defRPr>
+      </a:lvl9pPr>
+    </p:otherStyle>
+  </p:txStyles>
 </p:sldMaster>
 </file>
 
 <file path=ppt/slideMasters/slideMaster2.xml><?xml version="1.0" encoding="utf-8"?>
-<p:sldMaster xmlns:a="http://schemas.openxmlformats.org/drawingml/2006/main" xmlns:p="http://schemas.openxmlformats.org/presentationml/2006/main" xmlns:r="http://schemas.openxmlformats.org/officeDocument/2006/relationships" xmlns:p14="http://schemas.microsoft.com/office/powerpoint/2010/main" xmlns:p15="http://schemas.microsoft.com/office/powerpoint/2012/main" xmlns:mc="http://schemas.openxmlformats.org/markup-compatibility/2006">
+<p:sldMaster xmlns:a="http://schemas.openxmlformats.org/drawingml/2006/main" xmlns:r="http://schemas.openxmlformats.org/officeDocument/2006/relationships" xmlns:p="http://schemas.openxmlformats.org/presentationml/2006/main">
   <p:cSld>
     <p:bg>
       <p:bgPr>
         <a:blipFill rotWithShape="0">
-          <a:blip r:embed="rId2"/>
+          <a:blip r:embed="rId14"/>
           <a:stretch>
             <a:fillRect/>
           </a:stretch>
         </a:blipFill>
+        <a:effectLst/>
       </p:bgPr>
     </p:bg>
     <p:spTree>
@@ -6057,19 +6674,17 @@
           </a:prstGeom>
         </p:spPr>
         <p:txBody>
-          <a:bodyPr lIns="0" rIns="0" tIns="0" bIns="0" anchor="ctr">
+          <a:bodyPr lIns="0" tIns="0" rIns="0" bIns="0" anchor="ctr">
             <a:noAutofit/>
           </a:bodyPr>
+          <a:lstStyle/>
           <a:p>
             <a:r>
-              <a:rPr b="0" lang="en-GB" sz="4400" spc="-1" strike="noStrike">
+              <a:rPr lang="en-GB" sz="4400" b="0" strike="noStrike" spc="-1">
                 <a:latin typeface="Arial"/>
               </a:rPr>
               <a:t>Click to edit the title text format</a:t>
             </a:r>
-            <a:endParaRPr b="0" lang="en-GB" sz="4400" spc="-1" strike="noStrike">
-              <a:latin typeface="Arial"/>
-            </a:endParaRPr>
           </a:p>
         </p:txBody>
       </p:sp>
@@ -6093,162 +6708,142 @@
           </a:prstGeom>
         </p:spPr>
         <p:txBody>
-          <a:bodyPr lIns="0" rIns="0" tIns="0" bIns="0">
+          <a:bodyPr lIns="0" tIns="0" rIns="0" bIns="0">
             <a:normAutofit/>
           </a:bodyPr>
+          <a:lstStyle/>
           <a:p>
             <a:pPr marL="432000" indent="-324000">
               <a:spcAft>
                 <a:spcPts val="1414"/>
               </a:spcAft>
               <a:buClr>
-                <a:srgbClr val="ffffff"/>
+                <a:srgbClr val="FFFFFF"/>
               </a:buClr>
               <a:buSzPct val="45000"/>
               <a:buFont typeface="Wingdings" charset="2"/>
               <a:buChar char=""/>
             </a:pPr>
             <a:r>
-              <a:rPr b="0" lang="en-GB" sz="3200" spc="-1" strike="noStrike">
+              <a:rPr lang="en-GB" sz="3200" b="0" strike="noStrike" spc="-1">
                 <a:latin typeface="Arial"/>
               </a:rPr>
               <a:t>Click to edit the outline text format</a:t>
             </a:r>
-            <a:endParaRPr b="0" lang="en-GB" sz="3200" spc="-1" strike="noStrike">
-              <a:latin typeface="Arial"/>
-            </a:endParaRPr>
-          </a:p>
-          <a:p>
-            <a:pPr lvl="1" marL="864000" indent="-324000">
+          </a:p>
+          <a:p>
+            <a:pPr marL="864000" lvl="1" indent="-324000">
               <a:spcAft>
                 <a:spcPts val="1128"/>
               </a:spcAft>
               <a:buClr>
-                <a:srgbClr val="ffffff"/>
+                <a:srgbClr val="FFFFFF"/>
               </a:buClr>
               <a:buSzPct val="75000"/>
               <a:buFont typeface="Symbol" charset="2"/>
               <a:buChar char=""/>
             </a:pPr>
             <a:r>
-              <a:rPr b="0" lang="en-GB" sz="2800" spc="-1" strike="noStrike">
+              <a:rPr lang="en-GB" sz="2800" b="0" strike="noStrike" spc="-1">
                 <a:latin typeface="Arial"/>
               </a:rPr>
               <a:t>Second Outline Level</a:t>
             </a:r>
-            <a:endParaRPr b="0" lang="en-GB" sz="2800" spc="-1" strike="noStrike">
-              <a:latin typeface="Arial"/>
-            </a:endParaRPr>
-          </a:p>
-          <a:p>
-            <a:pPr lvl="2" marL="1296000" indent="-288000">
+          </a:p>
+          <a:p>
+            <a:pPr marL="1296000" lvl="2" indent="-288000">
               <a:spcAft>
                 <a:spcPts val="845"/>
               </a:spcAft>
               <a:buClr>
-                <a:srgbClr val="ffffff"/>
+                <a:srgbClr val="FFFFFF"/>
               </a:buClr>
               <a:buSzPct val="45000"/>
               <a:buFont typeface="Wingdings" charset="2"/>
               <a:buChar char=""/>
             </a:pPr>
             <a:r>
-              <a:rPr b="0" lang="en-GB" sz="2400" spc="-1" strike="noStrike">
+              <a:rPr lang="en-GB" sz="2400" b="0" strike="noStrike" spc="-1">
                 <a:latin typeface="Arial"/>
               </a:rPr>
               <a:t>Third Outline Level</a:t>
             </a:r>
-            <a:endParaRPr b="0" lang="en-GB" sz="2400" spc="-1" strike="noStrike">
-              <a:latin typeface="Arial"/>
-            </a:endParaRPr>
-          </a:p>
-          <a:p>
-            <a:pPr lvl="3" marL="1728000" indent="-216000">
+          </a:p>
+          <a:p>
+            <a:pPr marL="1728000" lvl="3" indent="-216000">
               <a:spcAft>
                 <a:spcPts val="561"/>
               </a:spcAft>
               <a:buClr>
-                <a:srgbClr val="ffffff"/>
+                <a:srgbClr val="FFFFFF"/>
               </a:buClr>
               <a:buSzPct val="75000"/>
               <a:buFont typeface="Symbol" charset="2"/>
               <a:buChar char=""/>
             </a:pPr>
             <a:r>
-              <a:rPr b="0" lang="en-GB" sz="2000" spc="-1" strike="noStrike">
+              <a:rPr lang="en-GB" sz="2000" b="0" strike="noStrike" spc="-1">
                 <a:latin typeface="Arial"/>
               </a:rPr>
               <a:t>Fourth Outline Level</a:t>
             </a:r>
-            <a:endParaRPr b="0" lang="en-GB" sz="2000" spc="-1" strike="noStrike">
-              <a:latin typeface="Arial"/>
-            </a:endParaRPr>
-          </a:p>
-          <a:p>
-            <a:pPr lvl="4" marL="2160000" indent="-216000">
+          </a:p>
+          <a:p>
+            <a:pPr marL="2160000" lvl="4" indent="-216000">
               <a:spcAft>
                 <a:spcPts val="278"/>
               </a:spcAft>
               <a:buClr>
-                <a:srgbClr val="ffffff"/>
+                <a:srgbClr val="FFFFFF"/>
               </a:buClr>
               <a:buSzPct val="45000"/>
               <a:buFont typeface="Wingdings" charset="2"/>
               <a:buChar char=""/>
             </a:pPr>
             <a:r>
-              <a:rPr b="0" lang="en-GB" sz="2000" spc="-1" strike="noStrike">
+              <a:rPr lang="en-GB" sz="2000" b="0" strike="noStrike" spc="-1">
                 <a:latin typeface="Arial"/>
               </a:rPr>
               <a:t>Fifth Outline Level</a:t>
             </a:r>
-            <a:endParaRPr b="0" lang="en-GB" sz="2000" spc="-1" strike="noStrike">
-              <a:latin typeface="Arial"/>
-            </a:endParaRPr>
-          </a:p>
-          <a:p>
-            <a:pPr lvl="5" marL="2592000" indent="-216000">
+          </a:p>
+          <a:p>
+            <a:pPr marL="2592000" lvl="5" indent="-216000">
               <a:spcAft>
                 <a:spcPts val="278"/>
               </a:spcAft>
               <a:buClr>
-                <a:srgbClr val="ffffff"/>
+                <a:srgbClr val="FFFFFF"/>
               </a:buClr>
               <a:buSzPct val="45000"/>
               <a:buFont typeface="Wingdings" charset="2"/>
               <a:buChar char=""/>
             </a:pPr>
             <a:r>
-              <a:rPr b="0" lang="en-GB" sz="2000" spc="-1" strike="noStrike">
+              <a:rPr lang="en-GB" sz="2000" b="0" strike="noStrike" spc="-1">
                 <a:latin typeface="Arial"/>
               </a:rPr>
               <a:t>Sixth Outline Level</a:t>
             </a:r>
-            <a:endParaRPr b="0" lang="en-GB" sz="2000" spc="-1" strike="noStrike">
-              <a:latin typeface="Arial"/>
-            </a:endParaRPr>
-          </a:p>
-          <a:p>
-            <a:pPr lvl="6" marL="3024000" indent="-216000">
+          </a:p>
+          <a:p>
+            <a:pPr marL="3024000" lvl="6" indent="-216000">
               <a:spcAft>
                 <a:spcPts val="278"/>
               </a:spcAft>
               <a:buClr>
-                <a:srgbClr val="ffffff"/>
+                <a:srgbClr val="FFFFFF"/>
               </a:buClr>
               <a:buSzPct val="45000"/>
               <a:buFont typeface="Wingdings" charset="2"/>
               <a:buChar char=""/>
             </a:pPr>
             <a:r>
-              <a:rPr b="0" lang="en-GB" sz="2000" spc="-1" strike="noStrike">
+              <a:rPr lang="en-GB" sz="2000" b="0" strike="noStrike" spc="-1">
                 <a:latin typeface="Arial"/>
               </a:rPr>
               <a:t>Seventh Outline Level</a:t>
             </a:r>
-            <a:endParaRPr b="0" lang="en-GB" sz="2000" spc="-1" strike="noStrike">
-              <a:latin typeface="Arial"/>
-            </a:endParaRPr>
           </a:p>
         </p:txBody>
       </p:sp>
@@ -6272,19 +6867,17 @@
           </a:prstGeom>
         </p:spPr>
         <p:txBody>
-          <a:bodyPr lIns="0" rIns="0" tIns="0" bIns="0" anchor="b">
+          <a:bodyPr lIns="0" tIns="0" rIns="0" bIns="0" anchor="b">
             <a:noAutofit/>
           </a:bodyPr>
+          <a:lstStyle/>
           <a:p>
             <a:r>
-              <a:rPr b="0" lang="en-GB" sz="1400" spc="-1" strike="noStrike">
+              <a:rPr lang="en-GB" sz="1400" b="0" strike="noStrike" spc="-1">
                 <a:latin typeface="Arial"/>
               </a:rPr>
               <a:t>&lt;date/time&gt;</a:t>
             </a:r>
-            <a:endParaRPr b="0" lang="en-GB" sz="1400" spc="-1" strike="noStrike">
-              <a:latin typeface="Arial"/>
-            </a:endParaRPr>
           </a:p>
         </p:txBody>
       </p:sp>
@@ -6308,20 +6901,18 @@
           </a:prstGeom>
         </p:spPr>
         <p:txBody>
-          <a:bodyPr lIns="0" rIns="0" tIns="0" bIns="0" anchor="b">
+          <a:bodyPr lIns="0" tIns="0" rIns="0" bIns="0" anchor="b">
             <a:noAutofit/>
           </a:bodyPr>
+          <a:lstStyle/>
           <a:p>
             <a:pPr algn="ctr"/>
             <a:r>
-              <a:rPr b="0" lang="en-GB" sz="1400" spc="-1" strike="noStrike">
+              <a:rPr lang="en-GB" sz="1400" b="0" strike="noStrike" spc="-1">
                 <a:latin typeface="Arial"/>
               </a:rPr>
               <a:t>&lt;footer&gt;</a:t>
             </a:r>
-            <a:endParaRPr b="0" lang="en-GB" sz="1400" spc="-1" strike="noStrike">
-              <a:latin typeface="Arial"/>
-            </a:endParaRPr>
           </a:p>
         </p:txBody>
       </p:sp>
@@ -6345,18 +6936,19 @@
           </a:prstGeom>
         </p:spPr>
         <p:txBody>
-          <a:bodyPr lIns="0" rIns="0" tIns="0" bIns="0" anchor="b">
+          <a:bodyPr lIns="0" tIns="0" rIns="0" bIns="0" anchor="b">
             <a:noAutofit/>
           </a:bodyPr>
+          <a:lstStyle/>
           <a:p>
             <a:pPr algn="r"/>
             <a:fld id="{5AA59E22-8487-46F5-B4B2-2BB3C059146F}" type="slidenum">
-              <a:rPr b="0" lang="en-GB" sz="1400" spc="-1" strike="noStrike">
+              <a:rPr lang="en-GB" sz="1400" b="0" strike="noStrike" spc="-1">
                 <a:latin typeface="Arial"/>
               </a:rPr>
-              <a:t>&lt;number&gt;</a:t>
+              <a:t>‹#›</a:t>
             </a:fld>
-            <a:endParaRPr b="0" lang="en-GB" sz="1400" spc="-1" strike="noStrike">
+            <a:endParaRPr lang="en-GB" sz="1400" b="0" strike="noStrike" spc="-1">
               <a:latin typeface="Arial"/>
             </a:endParaRPr>
           </a:p>
@@ -6364,27 +6956,312 @@
       </p:sp>
     </p:spTree>
   </p:cSld>
-  <p:clrMap bg1="lt1" bg2="lt2" tx1="dk1" tx2="dk2" accent1="accent1" accent2="accent2" accent3="accent3" accent4="accent4" accent5="accent5" accent6="accent6" hlink="hlink" folHlink="folHlink"/>
+  <p:clrMap bg1="lt1" tx1="dk1" bg2="lt2" tx2="dk2" accent1="accent1" accent2="accent2" accent3="accent3" accent4="accent4" accent5="accent5" accent6="accent6" hlink="hlink" folHlink="folHlink"/>
   <p:sldLayoutIdLst>
-    <p:sldLayoutId id="2147483662" r:id="rId3"/>
-    <p:sldLayoutId id="2147483663" r:id="rId4"/>
-    <p:sldLayoutId id="2147483664" r:id="rId5"/>
-    <p:sldLayoutId id="2147483665" r:id="rId6"/>
-    <p:sldLayoutId id="2147483666" r:id="rId7"/>
-    <p:sldLayoutId id="2147483667" r:id="rId8"/>
-    <p:sldLayoutId id="2147483668" r:id="rId9"/>
-    <p:sldLayoutId id="2147483669" r:id="rId10"/>
-    <p:sldLayoutId id="2147483670" r:id="rId11"/>
-    <p:sldLayoutId id="2147483671" r:id="rId12"/>
-    <p:sldLayoutId id="2147483672" r:id="rId13"/>
-    <p:sldLayoutId id="2147483673" r:id="rId14"/>
+    <p:sldLayoutId id="2147483662" r:id="rId1"/>
+    <p:sldLayoutId id="2147483663" r:id="rId2"/>
+    <p:sldLayoutId id="2147483664" r:id="rId3"/>
+    <p:sldLayoutId id="2147483665" r:id="rId4"/>
+    <p:sldLayoutId id="2147483666" r:id="rId5"/>
+    <p:sldLayoutId id="2147483667" r:id="rId6"/>
+    <p:sldLayoutId id="2147483668" r:id="rId7"/>
+    <p:sldLayoutId id="2147483669" r:id="rId8"/>
+    <p:sldLayoutId id="2147483670" r:id="rId9"/>
+    <p:sldLayoutId id="2147483671" r:id="rId10"/>
+    <p:sldLayoutId id="2147483672" r:id="rId11"/>
+    <p:sldLayoutId id="2147483673" r:id="rId12"/>
   </p:sldLayoutIdLst>
+  <p:txStyles>
+    <p:titleStyle>
+      <a:lvl1pPr algn="l" defTabSz="914400" rtl="0" eaLnBrk="1" latinLnBrk="0" hangingPunct="1">
+        <a:lnSpc>
+          <a:spcPct val="90000"/>
+        </a:lnSpc>
+        <a:spcBef>
+          <a:spcPct val="0"/>
+        </a:spcBef>
+        <a:buNone/>
+        <a:defRPr sz="4400" kern="1200">
+          <a:solidFill>
+            <a:schemeClr val="tx1"/>
+          </a:solidFill>
+          <a:latin typeface="+mj-lt"/>
+          <a:ea typeface="+mj-ea"/>
+          <a:cs typeface="+mj-cs"/>
+        </a:defRPr>
+      </a:lvl1pPr>
+    </p:titleStyle>
+    <p:bodyStyle>
+      <a:lvl1pPr marL="228600" indent="-228600" algn="l" defTabSz="914400" rtl="0" eaLnBrk="1" latinLnBrk="0" hangingPunct="1">
+        <a:lnSpc>
+          <a:spcPct val="90000"/>
+        </a:lnSpc>
+        <a:spcBef>
+          <a:spcPts val="1000"/>
+        </a:spcBef>
+        <a:buFont typeface="Arial" panose="020B0604020202020204" pitchFamily="34" charset="0"/>
+        <a:buChar char="•"/>
+        <a:defRPr sz="2800" kern="1200">
+          <a:solidFill>
+            <a:schemeClr val="tx1"/>
+          </a:solidFill>
+          <a:latin typeface="+mn-lt"/>
+          <a:ea typeface="+mn-ea"/>
+          <a:cs typeface="+mn-cs"/>
+        </a:defRPr>
+      </a:lvl1pPr>
+      <a:lvl2pPr marL="685800" indent="-228600" algn="l" defTabSz="914400" rtl="0" eaLnBrk="1" latinLnBrk="0" hangingPunct="1">
+        <a:lnSpc>
+          <a:spcPct val="90000"/>
+        </a:lnSpc>
+        <a:spcBef>
+          <a:spcPts val="500"/>
+        </a:spcBef>
+        <a:buFont typeface="Arial" panose="020B0604020202020204" pitchFamily="34" charset="0"/>
+        <a:buChar char="•"/>
+        <a:defRPr sz="2400" kern="1200">
+          <a:solidFill>
+            <a:schemeClr val="tx1"/>
+          </a:solidFill>
+          <a:latin typeface="+mn-lt"/>
+          <a:ea typeface="+mn-ea"/>
+          <a:cs typeface="+mn-cs"/>
+        </a:defRPr>
+      </a:lvl2pPr>
+      <a:lvl3pPr marL="1143000" indent="-228600" algn="l" defTabSz="914400" rtl="0" eaLnBrk="1" latinLnBrk="0" hangingPunct="1">
+        <a:lnSpc>
+          <a:spcPct val="90000"/>
+        </a:lnSpc>
+        <a:spcBef>
+          <a:spcPts val="500"/>
+        </a:spcBef>
+        <a:buFont typeface="Arial" panose="020B0604020202020204" pitchFamily="34" charset="0"/>
+        <a:buChar char="•"/>
+        <a:defRPr sz="2000" kern="1200">
+          <a:solidFill>
+            <a:schemeClr val="tx1"/>
+          </a:solidFill>
+          <a:latin typeface="+mn-lt"/>
+          <a:ea typeface="+mn-ea"/>
+          <a:cs typeface="+mn-cs"/>
+        </a:defRPr>
+      </a:lvl3pPr>
+      <a:lvl4pPr marL="1600200" indent="-228600" algn="l" defTabSz="914400" rtl="0" eaLnBrk="1" latinLnBrk="0" hangingPunct="1">
+        <a:lnSpc>
+          <a:spcPct val="90000"/>
+        </a:lnSpc>
+        <a:spcBef>
+          <a:spcPts val="500"/>
+        </a:spcBef>
+        <a:buFont typeface="Arial" panose="020B0604020202020204" pitchFamily="34" charset="0"/>
+        <a:buChar char="•"/>
+        <a:defRPr sz="1800" kern="1200">
+          <a:solidFill>
+            <a:schemeClr val="tx1"/>
+          </a:solidFill>
+          <a:latin typeface="+mn-lt"/>
+          <a:ea typeface="+mn-ea"/>
+          <a:cs typeface="+mn-cs"/>
+        </a:defRPr>
+      </a:lvl4pPr>
+      <a:lvl5pPr marL="2057400" indent="-228600" algn="l" defTabSz="914400" rtl="0" eaLnBrk="1" latinLnBrk="0" hangingPunct="1">
+        <a:lnSpc>
+          <a:spcPct val="90000"/>
+        </a:lnSpc>
+        <a:spcBef>
+          <a:spcPts val="500"/>
+        </a:spcBef>
+        <a:buFont typeface="Arial" panose="020B0604020202020204" pitchFamily="34" charset="0"/>
+        <a:buChar char="•"/>
+        <a:defRPr sz="1800" kern="1200">
+          <a:solidFill>
+            <a:schemeClr val="tx1"/>
+          </a:solidFill>
+          <a:latin typeface="+mn-lt"/>
+          <a:ea typeface="+mn-ea"/>
+          <a:cs typeface="+mn-cs"/>
+        </a:defRPr>
+      </a:lvl5pPr>
+      <a:lvl6pPr marL="2514600" indent="-228600" algn="l" defTabSz="914400" rtl="0" eaLnBrk="1" latinLnBrk="0" hangingPunct="1">
+        <a:lnSpc>
+          <a:spcPct val="90000"/>
+        </a:lnSpc>
+        <a:spcBef>
+          <a:spcPts val="500"/>
+        </a:spcBef>
+        <a:buFont typeface="Arial" panose="020B0604020202020204" pitchFamily="34" charset="0"/>
+        <a:buChar char="•"/>
+        <a:defRPr sz="1800" kern="1200">
+          <a:solidFill>
+            <a:schemeClr val="tx1"/>
+          </a:solidFill>
+          <a:latin typeface="+mn-lt"/>
+          <a:ea typeface="+mn-ea"/>
+          <a:cs typeface="+mn-cs"/>
+        </a:defRPr>
+      </a:lvl6pPr>
+      <a:lvl7pPr marL="2971800" indent="-228600" algn="l" defTabSz="914400" rtl="0" eaLnBrk="1" latinLnBrk="0" hangingPunct="1">
+        <a:lnSpc>
+          <a:spcPct val="90000"/>
+        </a:lnSpc>
+        <a:spcBef>
+          <a:spcPts val="500"/>
+        </a:spcBef>
+        <a:buFont typeface="Arial" panose="020B0604020202020204" pitchFamily="34" charset="0"/>
+        <a:buChar char="•"/>
+        <a:defRPr sz="1800" kern="1200">
+          <a:solidFill>
+            <a:schemeClr val="tx1"/>
+          </a:solidFill>
+          <a:latin typeface="+mn-lt"/>
+          <a:ea typeface="+mn-ea"/>
+          <a:cs typeface="+mn-cs"/>
+        </a:defRPr>
+      </a:lvl7pPr>
+      <a:lvl8pPr marL="3429000" indent="-228600" algn="l" defTabSz="914400" rtl="0" eaLnBrk="1" latinLnBrk="0" hangingPunct="1">
+        <a:lnSpc>
+          <a:spcPct val="90000"/>
+        </a:lnSpc>
+        <a:spcBef>
+          <a:spcPts val="500"/>
+        </a:spcBef>
+        <a:buFont typeface="Arial" panose="020B0604020202020204" pitchFamily="34" charset="0"/>
+        <a:buChar char="•"/>
+        <a:defRPr sz="1800" kern="1200">
+          <a:solidFill>
+            <a:schemeClr val="tx1"/>
+          </a:solidFill>
+          <a:latin typeface="+mn-lt"/>
+          <a:ea typeface="+mn-ea"/>
+          <a:cs typeface="+mn-cs"/>
+        </a:defRPr>
+      </a:lvl8pPr>
+      <a:lvl9pPr marL="3886200" indent="-228600" algn="l" defTabSz="914400" rtl="0" eaLnBrk="1" latinLnBrk="0" hangingPunct="1">
+        <a:lnSpc>
+          <a:spcPct val="90000"/>
+        </a:lnSpc>
+        <a:spcBef>
+          <a:spcPts val="500"/>
+        </a:spcBef>
+        <a:buFont typeface="Arial" panose="020B0604020202020204" pitchFamily="34" charset="0"/>
+        <a:buChar char="•"/>
+        <a:defRPr sz="1800" kern="1200">
+          <a:solidFill>
+            <a:schemeClr val="tx1"/>
+          </a:solidFill>
+          <a:latin typeface="+mn-lt"/>
+          <a:ea typeface="+mn-ea"/>
+          <a:cs typeface="+mn-cs"/>
+        </a:defRPr>
+      </a:lvl9pPr>
+    </p:bodyStyle>
+    <p:otherStyle>
+      <a:defPPr>
+        <a:defRPr lang="en-US"/>
+      </a:defPPr>
+      <a:lvl1pPr marL="0" algn="l" defTabSz="914400" rtl="0" eaLnBrk="1" latinLnBrk="0" hangingPunct="1">
+        <a:defRPr sz="1800" kern="1200">
+          <a:solidFill>
+            <a:schemeClr val="tx1"/>
+          </a:solidFill>
+          <a:latin typeface="+mn-lt"/>
+          <a:ea typeface="+mn-ea"/>
+          <a:cs typeface="+mn-cs"/>
+        </a:defRPr>
+      </a:lvl1pPr>
+      <a:lvl2pPr marL="457200" algn="l" defTabSz="914400" rtl="0" eaLnBrk="1" latinLnBrk="0" hangingPunct="1">
+        <a:defRPr sz="1800" kern="1200">
+          <a:solidFill>
+            <a:schemeClr val="tx1"/>
+          </a:solidFill>
+          <a:latin typeface="+mn-lt"/>
+          <a:ea typeface="+mn-ea"/>
+          <a:cs typeface="+mn-cs"/>
+        </a:defRPr>
+      </a:lvl2pPr>
+      <a:lvl3pPr marL="914400" algn="l" defTabSz="914400" rtl="0" eaLnBrk="1" latinLnBrk="0" hangingPunct="1">
+        <a:defRPr sz="1800" kern="1200">
+          <a:solidFill>
+            <a:schemeClr val="tx1"/>
+          </a:solidFill>
+          <a:latin typeface="+mn-lt"/>
+          <a:ea typeface="+mn-ea"/>
+          <a:cs typeface="+mn-cs"/>
+        </a:defRPr>
+      </a:lvl3pPr>
+      <a:lvl4pPr marL="1371600" algn="l" defTabSz="914400" rtl="0" eaLnBrk="1" latinLnBrk="0" hangingPunct="1">
+        <a:defRPr sz="1800" kern="1200">
+          <a:solidFill>
+            <a:schemeClr val="tx1"/>
+          </a:solidFill>
+          <a:latin typeface="+mn-lt"/>
+          <a:ea typeface="+mn-ea"/>
+          <a:cs typeface="+mn-cs"/>
+        </a:defRPr>
+      </a:lvl4pPr>
+      <a:lvl5pPr marL="1828800" algn="l" defTabSz="914400" rtl="0" eaLnBrk="1" latinLnBrk="0" hangingPunct="1">
+        <a:defRPr sz="1800" kern="1200">
+          <a:solidFill>
+            <a:schemeClr val="tx1"/>
+          </a:solidFill>
+          <a:latin typeface="+mn-lt"/>
+          <a:ea typeface="+mn-ea"/>
+          <a:cs typeface="+mn-cs"/>
+        </a:defRPr>
+      </a:lvl5pPr>
+      <a:lvl6pPr marL="2286000" algn="l" defTabSz="914400" rtl="0" eaLnBrk="1" latinLnBrk="0" hangingPunct="1">
+        <a:defRPr sz="1800" kern="1200">
+          <a:solidFill>
+            <a:schemeClr val="tx1"/>
+          </a:solidFill>
+          <a:latin typeface="+mn-lt"/>
+          <a:ea typeface="+mn-ea"/>
+          <a:cs typeface="+mn-cs"/>
+        </a:defRPr>
+      </a:lvl6pPr>
+      <a:lvl7pPr marL="2743200" algn="l" defTabSz="914400" rtl="0" eaLnBrk="1" latinLnBrk="0" hangingPunct="1">
+        <a:defRPr sz="1800" kern="1200">
+          <a:solidFill>
+            <a:schemeClr val="tx1"/>
+          </a:solidFill>
+          <a:latin typeface="+mn-lt"/>
+          <a:ea typeface="+mn-ea"/>
+          <a:cs typeface="+mn-cs"/>
+        </a:defRPr>
+      </a:lvl7pPr>
+      <a:lvl8pPr marL="3200400" algn="l" defTabSz="914400" rtl="0" eaLnBrk="1" latinLnBrk="0" hangingPunct="1">
+        <a:defRPr sz="1800" kern="1200">
+          <a:solidFill>
+            <a:schemeClr val="tx1"/>
+          </a:solidFill>
+          <a:latin typeface="+mn-lt"/>
+          <a:ea typeface="+mn-ea"/>
+          <a:cs typeface="+mn-cs"/>
+        </a:defRPr>
+      </a:lvl8pPr>
+      <a:lvl9pPr marL="3657600" algn="l" defTabSz="914400" rtl="0" eaLnBrk="1" latinLnBrk="0" hangingPunct="1">
+        <a:defRPr sz="1800" kern="1200">
+          <a:solidFill>
+            <a:schemeClr val="tx1"/>
+          </a:solidFill>
+          <a:latin typeface="+mn-lt"/>
+          <a:ea typeface="+mn-ea"/>
+          <a:cs typeface="+mn-cs"/>
+        </a:defRPr>
+      </a:lvl9pPr>
+    </p:otherStyle>
+  </p:txStyles>
 </p:sldMaster>
 </file>
 
 <file path=ppt/slideMasters/slideMaster3.xml><?xml version="1.0" encoding="utf-8"?>
-<p:sldMaster xmlns:a="http://schemas.openxmlformats.org/drawingml/2006/main" xmlns:p="http://schemas.openxmlformats.org/presentationml/2006/main" xmlns:r="http://schemas.openxmlformats.org/officeDocument/2006/relationships" xmlns:p14="http://schemas.microsoft.com/office/powerpoint/2010/main" xmlns:p15="http://schemas.microsoft.com/office/powerpoint/2012/main" xmlns:mc="http://schemas.openxmlformats.org/markup-compatibility/2006">
+<p:sldMaster xmlns:a="http://schemas.openxmlformats.org/drawingml/2006/main" xmlns:r="http://schemas.openxmlformats.org/officeDocument/2006/relationships" xmlns:p="http://schemas.openxmlformats.org/presentationml/2006/main">
   <p:cSld>
+    <p:bg>
+      <p:bgRef idx="1001">
+        <a:schemeClr val="bg1"/>
+      </p:bgRef>
+    </p:bg>
     <p:spTree>
       <p:nvGrpSpPr>
         <p:cNvPr id="1" name=""/>
@@ -6401,12 +7278,12 @@
       </p:grpSpPr>
       <p:pic>
         <p:nvPicPr>
-          <p:cNvPr id="82" name="" descr=""/>
+          <p:cNvPr id="82" name="Picture 81"/>
           <p:cNvPicPr/>
           <p:nvPr/>
         </p:nvPicPr>
         <p:blipFill>
-          <a:blip r:embed="rId2"/>
+          <a:blip r:embed="rId14"/>
           <a:stretch/>
         </p:blipFill>
         <p:spPr>
@@ -6442,20 +7319,18 @@
           </a:prstGeom>
         </p:spPr>
         <p:txBody>
-          <a:bodyPr lIns="0" rIns="0" tIns="0" bIns="0" anchor="ctr">
+          <a:bodyPr lIns="0" tIns="0" rIns="0" bIns="0" anchor="ctr">
             <a:noAutofit/>
           </a:bodyPr>
+          <a:lstStyle/>
           <a:p>
             <a:pPr algn="ctr"/>
             <a:r>
-              <a:rPr b="0" lang="en-GB" sz="4400" spc="-1" strike="noStrike">
+              <a:rPr lang="en-GB" sz="4400" b="0" strike="noStrike" spc="-1">
                 <a:latin typeface="Arial"/>
               </a:rPr>
               <a:t>Click to edit the title text format</a:t>
             </a:r>
-            <a:endParaRPr b="0" lang="en-GB" sz="4400" spc="-1" strike="noStrike">
-              <a:latin typeface="Arial"/>
-            </a:endParaRPr>
           </a:p>
         </p:txBody>
       </p:sp>
@@ -6479,9 +7354,10 @@
           </a:prstGeom>
         </p:spPr>
         <p:txBody>
-          <a:bodyPr lIns="0" rIns="0" tIns="0" bIns="0">
+          <a:bodyPr lIns="0" tIns="0" rIns="0" bIns="0">
             <a:normAutofit/>
           </a:bodyPr>
+          <a:lstStyle/>
           <a:p>
             <a:pPr marL="432000" indent="-324000">
               <a:spcAft>
@@ -6495,17 +7371,14 @@
               <a:buChar char=""/>
             </a:pPr>
             <a:r>
-              <a:rPr b="0" lang="en-GB" sz="3200" spc="-1" strike="noStrike">
+              <a:rPr lang="en-GB" sz="3200" b="0" strike="noStrike" spc="-1">
                 <a:latin typeface="Arial"/>
               </a:rPr>
               <a:t>Click to edit the outline text format</a:t>
             </a:r>
-            <a:endParaRPr b="0" lang="en-GB" sz="3200" spc="-1" strike="noStrike">
-              <a:latin typeface="Arial"/>
-            </a:endParaRPr>
-          </a:p>
-          <a:p>
-            <a:pPr lvl="1" marL="864000" indent="-324000">
+          </a:p>
+          <a:p>
+            <a:pPr marL="864000" lvl="1" indent="-324000">
               <a:spcAft>
                 <a:spcPts val="1134"/>
               </a:spcAft>
@@ -6517,17 +7390,14 @@
               <a:buChar char=""/>
             </a:pPr>
             <a:r>
-              <a:rPr b="0" lang="en-GB" sz="2800" spc="-1" strike="noStrike">
+              <a:rPr lang="en-GB" sz="2800" b="0" strike="noStrike" spc="-1">
                 <a:latin typeface="Arial"/>
               </a:rPr>
               <a:t>Second Outline Level</a:t>
             </a:r>
-            <a:endParaRPr b="0" lang="en-GB" sz="2800" spc="-1" strike="noStrike">
-              <a:latin typeface="Arial"/>
-            </a:endParaRPr>
-          </a:p>
-          <a:p>
-            <a:pPr lvl="2" marL="1296000" indent="-288000">
+          </a:p>
+          <a:p>
+            <a:pPr marL="1296000" lvl="2" indent="-288000">
               <a:spcAft>
                 <a:spcPts val="850"/>
               </a:spcAft>
@@ -6539,17 +7409,14 @@
               <a:buChar char=""/>
             </a:pPr>
             <a:r>
-              <a:rPr b="0" lang="en-GB" sz="2400" spc="-1" strike="noStrike">
+              <a:rPr lang="en-GB" sz="2400" b="0" strike="noStrike" spc="-1">
                 <a:latin typeface="Arial"/>
               </a:rPr>
               <a:t>Third Outline Level</a:t>
             </a:r>
-            <a:endParaRPr b="0" lang="en-GB" sz="2400" spc="-1" strike="noStrike">
-              <a:latin typeface="Arial"/>
-            </a:endParaRPr>
-          </a:p>
-          <a:p>
-            <a:pPr lvl="3" marL="1728000" indent="-216000">
+          </a:p>
+          <a:p>
+            <a:pPr marL="1728000" lvl="3" indent="-216000">
               <a:spcAft>
                 <a:spcPts val="567"/>
               </a:spcAft>
@@ -6561,17 +7428,14 @@
               <a:buChar char=""/>
             </a:pPr>
             <a:r>
-              <a:rPr b="0" lang="en-GB" sz="2000" spc="-1" strike="noStrike">
+              <a:rPr lang="en-GB" sz="2000" b="0" strike="noStrike" spc="-1">
                 <a:latin typeface="Arial"/>
               </a:rPr>
               <a:t>Fourth Outline Level</a:t>
             </a:r>
-            <a:endParaRPr b="0" lang="en-GB" sz="2000" spc="-1" strike="noStrike">
-              <a:latin typeface="Arial"/>
-            </a:endParaRPr>
-          </a:p>
-          <a:p>
-            <a:pPr lvl="4" marL="2160000" indent="-216000">
+          </a:p>
+          <a:p>
+            <a:pPr marL="2160000" lvl="4" indent="-216000">
               <a:spcAft>
                 <a:spcPts val="283"/>
               </a:spcAft>
@@ -6583,17 +7447,14 @@
               <a:buChar char=""/>
             </a:pPr>
             <a:r>
-              <a:rPr b="0" lang="en-GB" sz="2000" spc="-1" strike="noStrike">
+              <a:rPr lang="en-GB" sz="2000" b="0" strike="noStrike" spc="-1">
                 <a:latin typeface="Arial"/>
               </a:rPr>
               <a:t>Fifth Outline Level</a:t>
             </a:r>
-            <a:endParaRPr b="0" lang="en-GB" sz="2000" spc="-1" strike="noStrike">
-              <a:latin typeface="Arial"/>
-            </a:endParaRPr>
-          </a:p>
-          <a:p>
-            <a:pPr lvl="5" marL="2592000" indent="-216000">
+          </a:p>
+          <a:p>
+            <a:pPr marL="2592000" lvl="5" indent="-216000">
               <a:spcAft>
                 <a:spcPts val="283"/>
               </a:spcAft>
@@ -6605,17 +7466,14 @@
               <a:buChar char=""/>
             </a:pPr>
             <a:r>
-              <a:rPr b="0" lang="en-GB" sz="2000" spc="-1" strike="noStrike">
+              <a:rPr lang="en-GB" sz="2000" b="0" strike="noStrike" spc="-1">
                 <a:latin typeface="Arial"/>
               </a:rPr>
               <a:t>Sixth Outline Level</a:t>
             </a:r>
-            <a:endParaRPr b="0" lang="en-GB" sz="2000" spc="-1" strike="noStrike">
-              <a:latin typeface="Arial"/>
-            </a:endParaRPr>
-          </a:p>
-          <a:p>
-            <a:pPr lvl="6" marL="3024000" indent="-216000">
+          </a:p>
+          <a:p>
+            <a:pPr marL="3024000" lvl="6" indent="-216000">
               <a:spcAft>
                 <a:spcPts val="283"/>
               </a:spcAft>
@@ -6627,14 +7485,11 @@
               <a:buChar char=""/>
             </a:pPr>
             <a:r>
-              <a:rPr b="0" lang="en-GB" sz="2000" spc="-1" strike="noStrike">
+              <a:rPr lang="en-GB" sz="2000" b="0" strike="noStrike" spc="-1">
                 <a:latin typeface="Arial"/>
               </a:rPr>
               <a:t>Seventh Outline Level</a:t>
             </a:r>
-            <a:endParaRPr b="0" lang="en-GB" sz="2000" spc="-1" strike="noStrike">
-              <a:latin typeface="Arial"/>
-            </a:endParaRPr>
           </a:p>
         </p:txBody>
       </p:sp>
@@ -6658,19 +7513,17 @@
           </a:prstGeom>
         </p:spPr>
         <p:txBody>
-          <a:bodyPr lIns="0" rIns="0" tIns="0" bIns="0" anchor="b">
+          <a:bodyPr lIns="0" tIns="0" rIns="0" bIns="0" anchor="b">
             <a:noAutofit/>
           </a:bodyPr>
+          <a:lstStyle/>
           <a:p>
             <a:r>
-              <a:rPr b="0" lang="en-GB" sz="1400" spc="-1" strike="noStrike">
+              <a:rPr lang="en-GB" sz="1400" b="0" strike="noStrike" spc="-1">
                 <a:latin typeface="Arial"/>
               </a:rPr>
               <a:t>&lt;date/time&gt;</a:t>
             </a:r>
-            <a:endParaRPr b="0" lang="en-GB" sz="1400" spc="-1" strike="noStrike">
-              <a:latin typeface="Arial"/>
-            </a:endParaRPr>
           </a:p>
         </p:txBody>
       </p:sp>
@@ -6694,20 +7547,18 @@
           </a:prstGeom>
         </p:spPr>
         <p:txBody>
-          <a:bodyPr lIns="0" rIns="0" tIns="0" bIns="0" anchor="b">
+          <a:bodyPr lIns="0" tIns="0" rIns="0" bIns="0" anchor="b">
             <a:noAutofit/>
           </a:bodyPr>
+          <a:lstStyle/>
           <a:p>
             <a:pPr algn="ctr"/>
             <a:r>
-              <a:rPr b="0" lang="en-GB" sz="1400" spc="-1" strike="noStrike">
+              <a:rPr lang="en-GB" sz="1400" b="0" strike="noStrike" spc="-1">
                 <a:latin typeface="Arial"/>
               </a:rPr>
               <a:t>&lt;footer&gt;</a:t>
             </a:r>
-            <a:endParaRPr b="0" lang="en-GB" sz="1400" spc="-1" strike="noStrike">
-              <a:latin typeface="Arial"/>
-            </a:endParaRPr>
           </a:p>
         </p:txBody>
       </p:sp>
@@ -6731,18 +7582,19 @@
           </a:prstGeom>
         </p:spPr>
         <p:txBody>
-          <a:bodyPr lIns="0" rIns="0" tIns="0" bIns="0" anchor="b">
+          <a:bodyPr lIns="0" tIns="0" rIns="0" bIns="0" anchor="b">
             <a:noAutofit/>
           </a:bodyPr>
+          <a:lstStyle/>
           <a:p>
             <a:pPr algn="r"/>
             <a:fld id="{924EB055-E144-4F91-B605-E3BC8B3CE690}" type="slidenum">
-              <a:rPr b="0" lang="en-GB" sz="1400" spc="-1" strike="noStrike">
+              <a:rPr lang="en-GB" sz="1400" b="0" strike="noStrike" spc="-1">
                 <a:latin typeface="Arial"/>
               </a:rPr>
-              <a:t>&lt;number&gt;</a:t>
+              <a:t>‹#›</a:t>
             </a:fld>
-            <a:endParaRPr b="0" lang="en-GB" sz="1400" spc="-1" strike="noStrike">
+            <a:endParaRPr lang="en-GB" sz="1400" b="0" strike="noStrike" spc="-1">
               <a:latin typeface="Arial"/>
             </a:endParaRPr>
           </a:p>
@@ -6750,27 +7602,312 @@
       </p:sp>
     </p:spTree>
   </p:cSld>
-  <p:clrMap bg1="lt1" bg2="lt2" tx1="dk1" tx2="dk2" accent1="accent1" accent2="accent2" accent3="accent3" accent4="accent4" accent5="accent5" accent6="accent6" hlink="hlink" folHlink="folHlink"/>
+  <p:clrMap bg1="lt1" tx1="dk1" bg2="lt2" tx2="dk2" accent1="accent1" accent2="accent2" accent3="accent3" accent4="accent4" accent5="accent5" accent6="accent6" hlink="hlink" folHlink="folHlink"/>
   <p:sldLayoutIdLst>
-    <p:sldLayoutId id="2147483675" r:id="rId3"/>
-    <p:sldLayoutId id="2147483676" r:id="rId4"/>
-    <p:sldLayoutId id="2147483677" r:id="rId5"/>
-    <p:sldLayoutId id="2147483678" r:id="rId6"/>
-    <p:sldLayoutId id="2147483679" r:id="rId7"/>
-    <p:sldLayoutId id="2147483680" r:id="rId8"/>
-    <p:sldLayoutId id="2147483681" r:id="rId9"/>
-    <p:sldLayoutId id="2147483682" r:id="rId10"/>
-    <p:sldLayoutId id="2147483683" r:id="rId11"/>
-    <p:sldLayoutId id="2147483684" r:id="rId12"/>
-    <p:sldLayoutId id="2147483685" r:id="rId13"/>
-    <p:sldLayoutId id="2147483686" r:id="rId14"/>
+    <p:sldLayoutId id="2147483675" r:id="rId1"/>
+    <p:sldLayoutId id="2147483676" r:id="rId2"/>
+    <p:sldLayoutId id="2147483677" r:id="rId3"/>
+    <p:sldLayoutId id="2147483678" r:id="rId4"/>
+    <p:sldLayoutId id="2147483679" r:id="rId5"/>
+    <p:sldLayoutId id="2147483680" r:id="rId6"/>
+    <p:sldLayoutId id="2147483681" r:id="rId7"/>
+    <p:sldLayoutId id="2147483682" r:id="rId8"/>
+    <p:sldLayoutId id="2147483683" r:id="rId9"/>
+    <p:sldLayoutId id="2147483684" r:id="rId10"/>
+    <p:sldLayoutId id="2147483685" r:id="rId11"/>
+    <p:sldLayoutId id="2147483686" r:id="rId12"/>
   </p:sldLayoutIdLst>
+  <p:txStyles>
+    <p:titleStyle>
+      <a:lvl1pPr algn="l" defTabSz="914400" rtl="0" eaLnBrk="1" latinLnBrk="0" hangingPunct="1">
+        <a:lnSpc>
+          <a:spcPct val="90000"/>
+        </a:lnSpc>
+        <a:spcBef>
+          <a:spcPct val="0"/>
+        </a:spcBef>
+        <a:buNone/>
+        <a:defRPr sz="4400" kern="1200">
+          <a:solidFill>
+            <a:schemeClr val="tx1"/>
+          </a:solidFill>
+          <a:latin typeface="+mj-lt"/>
+          <a:ea typeface="+mj-ea"/>
+          <a:cs typeface="+mj-cs"/>
+        </a:defRPr>
+      </a:lvl1pPr>
+    </p:titleStyle>
+    <p:bodyStyle>
+      <a:lvl1pPr marL="228600" indent="-228600" algn="l" defTabSz="914400" rtl="0" eaLnBrk="1" latinLnBrk="0" hangingPunct="1">
+        <a:lnSpc>
+          <a:spcPct val="90000"/>
+        </a:lnSpc>
+        <a:spcBef>
+          <a:spcPts val="1000"/>
+        </a:spcBef>
+        <a:buFont typeface="Arial" panose="020B0604020202020204" pitchFamily="34" charset="0"/>
+        <a:buChar char="•"/>
+        <a:defRPr sz="2800" kern="1200">
+          <a:solidFill>
+            <a:schemeClr val="tx1"/>
+          </a:solidFill>
+          <a:latin typeface="+mn-lt"/>
+          <a:ea typeface="+mn-ea"/>
+          <a:cs typeface="+mn-cs"/>
+        </a:defRPr>
+      </a:lvl1pPr>
+      <a:lvl2pPr marL="685800" indent="-228600" algn="l" defTabSz="914400" rtl="0" eaLnBrk="1" latinLnBrk="0" hangingPunct="1">
+        <a:lnSpc>
+          <a:spcPct val="90000"/>
+        </a:lnSpc>
+        <a:spcBef>
+          <a:spcPts val="500"/>
+        </a:spcBef>
+        <a:buFont typeface="Arial" panose="020B0604020202020204" pitchFamily="34" charset="0"/>
+        <a:buChar char="•"/>
+        <a:defRPr sz="2400" kern="1200">
+          <a:solidFill>
+            <a:schemeClr val="tx1"/>
+          </a:solidFill>
+          <a:latin typeface="+mn-lt"/>
+          <a:ea typeface="+mn-ea"/>
+          <a:cs typeface="+mn-cs"/>
+        </a:defRPr>
+      </a:lvl2pPr>
+      <a:lvl3pPr marL="1143000" indent="-228600" algn="l" defTabSz="914400" rtl="0" eaLnBrk="1" latinLnBrk="0" hangingPunct="1">
+        <a:lnSpc>
+          <a:spcPct val="90000"/>
+        </a:lnSpc>
+        <a:spcBef>
+          <a:spcPts val="500"/>
+        </a:spcBef>
+        <a:buFont typeface="Arial" panose="020B0604020202020204" pitchFamily="34" charset="0"/>
+        <a:buChar char="•"/>
+        <a:defRPr sz="2000" kern="1200">
+          <a:solidFill>
+            <a:schemeClr val="tx1"/>
+          </a:solidFill>
+          <a:latin typeface="+mn-lt"/>
+          <a:ea typeface="+mn-ea"/>
+          <a:cs typeface="+mn-cs"/>
+        </a:defRPr>
+      </a:lvl3pPr>
+      <a:lvl4pPr marL="1600200" indent="-228600" algn="l" defTabSz="914400" rtl="0" eaLnBrk="1" latinLnBrk="0" hangingPunct="1">
+        <a:lnSpc>
+          <a:spcPct val="90000"/>
+        </a:lnSpc>
+        <a:spcBef>
+          <a:spcPts val="500"/>
+        </a:spcBef>
+        <a:buFont typeface="Arial" panose="020B0604020202020204" pitchFamily="34" charset="0"/>
+        <a:buChar char="•"/>
+        <a:defRPr sz="1800" kern="1200">
+          <a:solidFill>
+            <a:schemeClr val="tx1"/>
+          </a:solidFill>
+          <a:latin typeface="+mn-lt"/>
+          <a:ea typeface="+mn-ea"/>
+          <a:cs typeface="+mn-cs"/>
+        </a:defRPr>
+      </a:lvl4pPr>
+      <a:lvl5pPr marL="2057400" indent="-228600" algn="l" defTabSz="914400" rtl="0" eaLnBrk="1" latinLnBrk="0" hangingPunct="1">
+        <a:lnSpc>
+          <a:spcPct val="90000"/>
+        </a:lnSpc>
+        <a:spcBef>
+          <a:spcPts val="500"/>
+        </a:spcBef>
+        <a:buFont typeface="Arial" panose="020B0604020202020204" pitchFamily="34" charset="0"/>
+        <a:buChar char="•"/>
+        <a:defRPr sz="1800" kern="1200">
+          <a:solidFill>
+            <a:schemeClr val="tx1"/>
+          </a:solidFill>
+          <a:latin typeface="+mn-lt"/>
+          <a:ea typeface="+mn-ea"/>
+          <a:cs typeface="+mn-cs"/>
+        </a:defRPr>
+      </a:lvl5pPr>
+      <a:lvl6pPr marL="2514600" indent="-228600" algn="l" defTabSz="914400" rtl="0" eaLnBrk="1" latinLnBrk="0" hangingPunct="1">
+        <a:lnSpc>
+          <a:spcPct val="90000"/>
+        </a:lnSpc>
+        <a:spcBef>
+          <a:spcPts val="500"/>
+        </a:spcBef>
+        <a:buFont typeface="Arial" panose="020B0604020202020204" pitchFamily="34" charset="0"/>
+        <a:buChar char="•"/>
+        <a:defRPr sz="1800" kern="1200">
+          <a:solidFill>
+            <a:schemeClr val="tx1"/>
+          </a:solidFill>
+          <a:latin typeface="+mn-lt"/>
+          <a:ea typeface="+mn-ea"/>
+          <a:cs typeface="+mn-cs"/>
+        </a:defRPr>
+      </a:lvl6pPr>
+      <a:lvl7pPr marL="2971800" indent="-228600" algn="l" defTabSz="914400" rtl="0" eaLnBrk="1" latinLnBrk="0" hangingPunct="1">
+        <a:lnSpc>
+          <a:spcPct val="90000"/>
+        </a:lnSpc>
+        <a:spcBef>
+          <a:spcPts val="500"/>
+        </a:spcBef>
+        <a:buFont typeface="Arial" panose="020B0604020202020204" pitchFamily="34" charset="0"/>
+        <a:buChar char="•"/>
+        <a:defRPr sz="1800" kern="1200">
+          <a:solidFill>
+            <a:schemeClr val="tx1"/>
+          </a:solidFill>
+          <a:latin typeface="+mn-lt"/>
+          <a:ea typeface="+mn-ea"/>
+          <a:cs typeface="+mn-cs"/>
+        </a:defRPr>
+      </a:lvl7pPr>
+      <a:lvl8pPr marL="3429000" indent="-228600" algn="l" defTabSz="914400" rtl="0" eaLnBrk="1" latinLnBrk="0" hangingPunct="1">
+        <a:lnSpc>
+          <a:spcPct val="90000"/>
+        </a:lnSpc>
+        <a:spcBef>
+          <a:spcPts val="500"/>
+        </a:spcBef>
+        <a:buFont typeface="Arial" panose="020B0604020202020204" pitchFamily="34" charset="0"/>
+        <a:buChar char="•"/>
+        <a:defRPr sz="1800" kern="1200">
+          <a:solidFill>
+            <a:schemeClr val="tx1"/>
+          </a:solidFill>
+          <a:latin typeface="+mn-lt"/>
+          <a:ea typeface="+mn-ea"/>
+          <a:cs typeface="+mn-cs"/>
+        </a:defRPr>
+      </a:lvl8pPr>
+      <a:lvl9pPr marL="3886200" indent="-228600" algn="l" defTabSz="914400" rtl="0" eaLnBrk="1" latinLnBrk="0" hangingPunct="1">
+        <a:lnSpc>
+          <a:spcPct val="90000"/>
+        </a:lnSpc>
+        <a:spcBef>
+          <a:spcPts val="500"/>
+        </a:spcBef>
+        <a:buFont typeface="Arial" panose="020B0604020202020204" pitchFamily="34" charset="0"/>
+        <a:buChar char="•"/>
+        <a:defRPr sz="1800" kern="1200">
+          <a:solidFill>
+            <a:schemeClr val="tx1"/>
+          </a:solidFill>
+          <a:latin typeface="+mn-lt"/>
+          <a:ea typeface="+mn-ea"/>
+          <a:cs typeface="+mn-cs"/>
+        </a:defRPr>
+      </a:lvl9pPr>
+    </p:bodyStyle>
+    <p:otherStyle>
+      <a:defPPr>
+        <a:defRPr lang="en-US"/>
+      </a:defPPr>
+      <a:lvl1pPr marL="0" algn="l" defTabSz="914400" rtl="0" eaLnBrk="1" latinLnBrk="0" hangingPunct="1">
+        <a:defRPr sz="1800" kern="1200">
+          <a:solidFill>
+            <a:schemeClr val="tx1"/>
+          </a:solidFill>
+          <a:latin typeface="+mn-lt"/>
+          <a:ea typeface="+mn-ea"/>
+          <a:cs typeface="+mn-cs"/>
+        </a:defRPr>
+      </a:lvl1pPr>
+      <a:lvl2pPr marL="457200" algn="l" defTabSz="914400" rtl="0" eaLnBrk="1" latinLnBrk="0" hangingPunct="1">
+        <a:defRPr sz="1800" kern="1200">
+          <a:solidFill>
+            <a:schemeClr val="tx1"/>
+          </a:solidFill>
+          <a:latin typeface="+mn-lt"/>
+          <a:ea typeface="+mn-ea"/>
+          <a:cs typeface="+mn-cs"/>
+        </a:defRPr>
+      </a:lvl2pPr>
+      <a:lvl3pPr marL="914400" algn="l" defTabSz="914400" rtl="0" eaLnBrk="1" latinLnBrk="0" hangingPunct="1">
+        <a:defRPr sz="1800" kern="1200">
+          <a:solidFill>
+            <a:schemeClr val="tx1"/>
+          </a:solidFill>
+          <a:latin typeface="+mn-lt"/>
+          <a:ea typeface="+mn-ea"/>
+          <a:cs typeface="+mn-cs"/>
+        </a:defRPr>
+      </a:lvl3pPr>
+      <a:lvl4pPr marL="1371600" algn="l" defTabSz="914400" rtl="0" eaLnBrk="1" latinLnBrk="0" hangingPunct="1">
+        <a:defRPr sz="1800" kern="1200">
+          <a:solidFill>
+            <a:schemeClr val="tx1"/>
+          </a:solidFill>
+          <a:latin typeface="+mn-lt"/>
+          <a:ea typeface="+mn-ea"/>
+          <a:cs typeface="+mn-cs"/>
+        </a:defRPr>
+      </a:lvl4pPr>
+      <a:lvl5pPr marL="1828800" algn="l" defTabSz="914400" rtl="0" eaLnBrk="1" latinLnBrk="0" hangingPunct="1">
+        <a:defRPr sz="1800" kern="1200">
+          <a:solidFill>
+            <a:schemeClr val="tx1"/>
+          </a:solidFill>
+          <a:latin typeface="+mn-lt"/>
+          <a:ea typeface="+mn-ea"/>
+          <a:cs typeface="+mn-cs"/>
+        </a:defRPr>
+      </a:lvl5pPr>
+      <a:lvl6pPr marL="2286000" algn="l" defTabSz="914400" rtl="0" eaLnBrk="1" latinLnBrk="0" hangingPunct="1">
+        <a:defRPr sz="1800" kern="1200">
+          <a:solidFill>
+            <a:schemeClr val="tx1"/>
+          </a:solidFill>
+          <a:latin typeface="+mn-lt"/>
+          <a:ea typeface="+mn-ea"/>
+          <a:cs typeface="+mn-cs"/>
+        </a:defRPr>
+      </a:lvl6pPr>
+      <a:lvl7pPr marL="2743200" algn="l" defTabSz="914400" rtl="0" eaLnBrk="1" latinLnBrk="0" hangingPunct="1">
+        <a:defRPr sz="1800" kern="1200">
+          <a:solidFill>
+            <a:schemeClr val="tx1"/>
+          </a:solidFill>
+          <a:latin typeface="+mn-lt"/>
+          <a:ea typeface="+mn-ea"/>
+          <a:cs typeface="+mn-cs"/>
+        </a:defRPr>
+      </a:lvl7pPr>
+      <a:lvl8pPr marL="3200400" algn="l" defTabSz="914400" rtl="0" eaLnBrk="1" latinLnBrk="0" hangingPunct="1">
+        <a:defRPr sz="1800" kern="1200">
+          <a:solidFill>
+            <a:schemeClr val="tx1"/>
+          </a:solidFill>
+          <a:latin typeface="+mn-lt"/>
+          <a:ea typeface="+mn-ea"/>
+          <a:cs typeface="+mn-cs"/>
+        </a:defRPr>
+      </a:lvl8pPr>
+      <a:lvl9pPr marL="3657600" algn="l" defTabSz="914400" rtl="0" eaLnBrk="1" latinLnBrk="0" hangingPunct="1">
+        <a:defRPr sz="1800" kern="1200">
+          <a:solidFill>
+            <a:schemeClr val="tx1"/>
+          </a:solidFill>
+          <a:latin typeface="+mn-lt"/>
+          <a:ea typeface="+mn-ea"/>
+          <a:cs typeface="+mn-cs"/>
+        </a:defRPr>
+      </a:lvl9pPr>
+    </p:otherStyle>
+  </p:txStyles>
 </p:sldMaster>
 </file>
 
 <file path=ppt/slideMasters/slideMaster4.xml><?xml version="1.0" encoding="utf-8"?>
-<p:sldMaster xmlns:a="http://schemas.openxmlformats.org/drawingml/2006/main" xmlns:p="http://schemas.openxmlformats.org/presentationml/2006/main" xmlns:r="http://schemas.openxmlformats.org/officeDocument/2006/relationships" xmlns:p14="http://schemas.microsoft.com/office/powerpoint/2010/main" xmlns:p15="http://schemas.microsoft.com/office/powerpoint/2012/main" xmlns:mc="http://schemas.openxmlformats.org/markup-compatibility/2006">
+<p:sldMaster xmlns:a="http://schemas.openxmlformats.org/drawingml/2006/main" xmlns:r="http://schemas.openxmlformats.org/officeDocument/2006/relationships" xmlns:p="http://schemas.openxmlformats.org/presentationml/2006/main">
   <p:cSld>
+    <p:bg>
+      <p:bgRef idx="1001">
+        <a:schemeClr val="bg1"/>
+      </p:bgRef>
+    </p:bg>
     <p:spTree>
       <p:nvGrpSpPr>
         <p:cNvPr id="1" name=""/>
@@ -6787,12 +7924,12 @@
       </p:grpSpPr>
       <p:pic>
         <p:nvPicPr>
-          <p:cNvPr id="124" name="" descr=""/>
+          <p:cNvPr id="124" name="Picture 123"/>
           <p:cNvPicPr/>
           <p:nvPr/>
         </p:nvPicPr>
         <p:blipFill>
-          <a:blip r:embed="rId2"/>
+          <a:blip r:embed="rId14"/>
           <a:stretch/>
         </p:blipFill>
         <p:spPr>
@@ -6828,13 +7965,14 @@
           </a:prstGeom>
         </p:spPr>
         <p:txBody>
-          <a:bodyPr lIns="0" rIns="0" tIns="0" bIns="0" anchor="ctr">
+          <a:bodyPr lIns="0" tIns="0" rIns="0" bIns="0" anchor="ctr">
             <a:noAutofit/>
           </a:bodyPr>
+          <a:lstStyle/>
           <a:p>
             <a:pPr algn="ctr"/>
             <a:r>
-              <a:rPr b="0" lang="en-GB" sz="4400" spc="-1" strike="noStrike">
+              <a:rPr lang="en-GB" sz="4400" b="0" strike="noStrike" spc="-1">
                 <a:solidFill>
                   <a:srgbClr val="006699"/>
                 </a:solidFill>
@@ -6842,12 +7980,6 @@
               </a:rPr>
               <a:t>Click to edit the title text format</a:t>
             </a:r>
-            <a:endParaRPr b="0" lang="en-GB" sz="4400" spc="-1" strike="noStrike">
-              <a:solidFill>
-                <a:srgbClr val="006699"/>
-              </a:solidFill>
-              <a:latin typeface="Arial"/>
-            </a:endParaRPr>
           </a:p>
         </p:txBody>
       </p:sp>
@@ -6871,9 +8003,10 @@
           </a:prstGeom>
         </p:spPr>
         <p:txBody>
-          <a:bodyPr lIns="0" rIns="0" tIns="0" bIns="0">
+          <a:bodyPr lIns="0" tIns="0" rIns="0" bIns="0">
             <a:noAutofit/>
           </a:bodyPr>
+          <a:lstStyle/>
           <a:p>
             <a:pPr marL="432000" indent="-324000">
               <a:spcBef>
@@ -6887,17 +8020,14 @@
               <a:buChar char=""/>
             </a:pPr>
             <a:r>
-              <a:rPr b="0" lang="en-GB" sz="3200" spc="-1" strike="noStrike">
+              <a:rPr lang="en-GB" sz="3200" b="0" strike="noStrike" spc="-1">
                 <a:latin typeface="Arial"/>
               </a:rPr>
               <a:t>Click to edit the outline text format</a:t>
             </a:r>
-            <a:endParaRPr b="0" lang="en-GB" sz="3200" spc="-1" strike="noStrike">
-              <a:latin typeface="Arial"/>
-            </a:endParaRPr>
-          </a:p>
-          <a:p>
-            <a:pPr lvl="1" marL="864000" indent="-324000">
+          </a:p>
+          <a:p>
+            <a:pPr marL="864000" lvl="1" indent="-324000">
               <a:spcBef>
                 <a:spcPts val="1134"/>
               </a:spcBef>
@@ -6909,17 +8039,14 @@
               <a:buChar char=""/>
             </a:pPr>
             <a:r>
-              <a:rPr b="0" lang="en-GB" sz="2800" spc="-1" strike="noStrike">
+              <a:rPr lang="en-GB" sz="2800" b="0" strike="noStrike" spc="-1">
                 <a:latin typeface="Arial"/>
               </a:rPr>
               <a:t>Second Outline Level</a:t>
             </a:r>
-            <a:endParaRPr b="0" lang="en-GB" sz="2800" spc="-1" strike="noStrike">
-              <a:latin typeface="Arial"/>
-            </a:endParaRPr>
-          </a:p>
-          <a:p>
-            <a:pPr lvl="2" marL="1296000" indent="-288000">
+          </a:p>
+          <a:p>
+            <a:pPr marL="1296000" lvl="2" indent="-288000">
               <a:spcBef>
                 <a:spcPts val="850"/>
               </a:spcBef>
@@ -6931,17 +8058,14 @@
               <a:buChar char=""/>
             </a:pPr>
             <a:r>
-              <a:rPr b="0" lang="en-GB" sz="2400" spc="-1" strike="noStrike">
+              <a:rPr lang="en-GB" sz="2400" b="0" strike="noStrike" spc="-1">
                 <a:latin typeface="Arial"/>
               </a:rPr>
               <a:t>Third Outline Level</a:t>
             </a:r>
-            <a:endParaRPr b="0" lang="en-GB" sz="2400" spc="-1" strike="noStrike">
-              <a:latin typeface="Arial"/>
-            </a:endParaRPr>
-          </a:p>
-          <a:p>
-            <a:pPr lvl="3" marL="1728000" indent="-216000">
+          </a:p>
+          <a:p>
+            <a:pPr marL="1728000" lvl="3" indent="-216000">
               <a:spcBef>
                 <a:spcPts val="567"/>
               </a:spcBef>
@@ -6953,17 +8077,14 @@
               <a:buChar char=""/>
             </a:pPr>
             <a:r>
-              <a:rPr b="0" lang="en-GB" sz="2000" spc="-1" strike="noStrike">
+              <a:rPr lang="en-GB" sz="2000" b="0" strike="noStrike" spc="-1">
                 <a:latin typeface="Arial"/>
               </a:rPr>
               <a:t>Fourth Outline Level</a:t>
             </a:r>
-            <a:endParaRPr b="0" lang="en-GB" sz="2000" spc="-1" strike="noStrike">
-              <a:latin typeface="Arial"/>
-            </a:endParaRPr>
-          </a:p>
-          <a:p>
-            <a:pPr lvl="4" marL="2160000" indent="-216000">
+          </a:p>
+          <a:p>
+            <a:pPr marL="2160000" lvl="4" indent="-216000">
               <a:spcBef>
                 <a:spcPts val="283"/>
               </a:spcBef>
@@ -6975,17 +8096,14 @@
               <a:buChar char=""/>
             </a:pPr>
             <a:r>
-              <a:rPr b="0" lang="en-GB" sz="2000" spc="-1" strike="noStrike">
+              <a:rPr lang="en-GB" sz="2000" b="0" strike="noStrike" spc="-1">
                 <a:latin typeface="Arial"/>
               </a:rPr>
               <a:t>Fifth Outline Level</a:t>
             </a:r>
-            <a:endParaRPr b="0" lang="en-GB" sz="2000" spc="-1" strike="noStrike">
-              <a:latin typeface="Arial"/>
-            </a:endParaRPr>
-          </a:p>
-          <a:p>
-            <a:pPr lvl="5" marL="2592000" indent="-216000">
+          </a:p>
+          <a:p>
+            <a:pPr marL="2592000" lvl="5" indent="-216000">
               <a:spcBef>
                 <a:spcPts val="283"/>
               </a:spcBef>
@@ -6997,17 +8115,14 @@
               <a:buChar char=""/>
             </a:pPr>
             <a:r>
-              <a:rPr b="0" lang="en-GB" sz="2000" spc="-1" strike="noStrike">
+              <a:rPr lang="en-GB" sz="2000" b="0" strike="noStrike" spc="-1">
                 <a:latin typeface="Arial"/>
               </a:rPr>
               <a:t>Sixth Outline Level</a:t>
             </a:r>
-            <a:endParaRPr b="0" lang="en-GB" sz="2000" spc="-1" strike="noStrike">
-              <a:latin typeface="Arial"/>
-            </a:endParaRPr>
-          </a:p>
-          <a:p>
-            <a:pPr lvl="6" marL="3024000" indent="-216000">
+          </a:p>
+          <a:p>
+            <a:pPr marL="3024000" lvl="6" indent="-216000">
               <a:spcBef>
                 <a:spcPts val="283"/>
               </a:spcBef>
@@ -7019,14 +8134,11 @@
               <a:buChar char=""/>
             </a:pPr>
             <a:r>
-              <a:rPr b="0" lang="en-GB" sz="2000" spc="-1" strike="noStrike">
+              <a:rPr lang="en-GB" sz="2000" b="0" strike="noStrike" spc="-1">
                 <a:latin typeface="Arial"/>
               </a:rPr>
               <a:t>Seventh Outline Level</a:t>
             </a:r>
-            <a:endParaRPr b="0" lang="en-GB" sz="2000" spc="-1" strike="noStrike">
-              <a:latin typeface="Arial"/>
-            </a:endParaRPr>
           </a:p>
         </p:txBody>
       </p:sp>
@@ -7050,19 +8162,17 @@
           </a:prstGeom>
         </p:spPr>
         <p:txBody>
-          <a:bodyPr lIns="0" rIns="0" tIns="0" bIns="0">
+          <a:bodyPr lIns="0" tIns="0" rIns="0" bIns="0">
             <a:noAutofit/>
           </a:bodyPr>
+          <a:lstStyle/>
           <a:p>
             <a:r>
-              <a:rPr b="0" lang="en-GB" sz="1400" spc="-1" strike="noStrike">
+              <a:rPr lang="en-GB" sz="1400" b="0" strike="noStrike" spc="-1">
                 <a:latin typeface="Arial"/>
               </a:rPr>
               <a:t>&lt;date/time&gt;</a:t>
             </a:r>
-            <a:endParaRPr b="0" lang="en-GB" sz="1400" spc="-1" strike="noStrike">
-              <a:latin typeface="Arial"/>
-            </a:endParaRPr>
           </a:p>
         </p:txBody>
       </p:sp>
@@ -7086,20 +8196,18 @@
           </a:prstGeom>
         </p:spPr>
         <p:txBody>
-          <a:bodyPr lIns="0" rIns="0" tIns="0" bIns="0">
+          <a:bodyPr lIns="0" tIns="0" rIns="0" bIns="0">
             <a:noAutofit/>
           </a:bodyPr>
+          <a:lstStyle/>
           <a:p>
             <a:pPr algn="ctr"/>
             <a:r>
-              <a:rPr b="0" lang="en-GB" sz="1400" spc="-1" strike="noStrike">
+              <a:rPr lang="en-GB" sz="1400" b="0" strike="noStrike" spc="-1">
                 <a:latin typeface="Arial"/>
               </a:rPr>
               <a:t>&lt;footer&gt;</a:t>
             </a:r>
-            <a:endParaRPr b="0" lang="en-GB" sz="1400" spc="-1" strike="noStrike">
-              <a:latin typeface="Arial"/>
-            </a:endParaRPr>
           </a:p>
         </p:txBody>
       </p:sp>
@@ -7123,18 +8231,19 @@
           </a:prstGeom>
         </p:spPr>
         <p:txBody>
-          <a:bodyPr lIns="0" rIns="0" tIns="0" bIns="0">
+          <a:bodyPr lIns="0" tIns="0" rIns="0" bIns="0">
             <a:noAutofit/>
           </a:bodyPr>
+          <a:lstStyle/>
           <a:p>
             <a:pPr algn="r"/>
             <a:fld id="{49E1BEF2-5B6E-4816-BCAC-96CDF63E1A11}" type="slidenum">
-              <a:rPr b="0" lang="en-GB" sz="1400" spc="-1" strike="noStrike">
+              <a:rPr lang="en-GB" sz="1400" b="0" strike="noStrike" spc="-1">
                 <a:latin typeface="Arial"/>
               </a:rPr>
-              <a:t>&lt;number&gt;</a:t>
+              <a:t>‹#›</a:t>
             </a:fld>
-            <a:endParaRPr b="0" lang="en-GB" sz="1400" spc="-1" strike="noStrike">
+            <a:endParaRPr lang="en-GB" sz="1400" b="0" strike="noStrike" spc="-1">
               <a:latin typeface="Arial"/>
             </a:endParaRPr>
           </a:p>
@@ -7142,26 +8251,306 @@
       </p:sp>
     </p:spTree>
   </p:cSld>
-  <p:clrMap bg1="lt1" bg2="lt2" tx1="dk1" tx2="dk2" accent1="accent1" accent2="accent2" accent3="accent3" accent4="accent4" accent5="accent5" accent6="accent6" hlink="hlink" folHlink="folHlink"/>
+  <p:clrMap bg1="lt1" tx1="dk1" bg2="lt2" tx2="dk2" accent1="accent1" accent2="accent2" accent3="accent3" accent4="accent4" accent5="accent5" accent6="accent6" hlink="hlink" folHlink="folHlink"/>
   <p:sldLayoutIdLst>
-    <p:sldLayoutId id="2147483688" r:id="rId3"/>
-    <p:sldLayoutId id="2147483689" r:id="rId4"/>
-    <p:sldLayoutId id="2147483690" r:id="rId5"/>
-    <p:sldLayoutId id="2147483691" r:id="rId6"/>
-    <p:sldLayoutId id="2147483692" r:id="rId7"/>
-    <p:sldLayoutId id="2147483693" r:id="rId8"/>
-    <p:sldLayoutId id="2147483694" r:id="rId9"/>
-    <p:sldLayoutId id="2147483695" r:id="rId10"/>
-    <p:sldLayoutId id="2147483696" r:id="rId11"/>
-    <p:sldLayoutId id="2147483697" r:id="rId12"/>
-    <p:sldLayoutId id="2147483698" r:id="rId13"/>
-    <p:sldLayoutId id="2147483699" r:id="rId14"/>
+    <p:sldLayoutId id="2147483688" r:id="rId1"/>
+    <p:sldLayoutId id="2147483689" r:id="rId2"/>
+    <p:sldLayoutId id="2147483690" r:id="rId3"/>
+    <p:sldLayoutId id="2147483691" r:id="rId4"/>
+    <p:sldLayoutId id="2147483692" r:id="rId5"/>
+    <p:sldLayoutId id="2147483693" r:id="rId6"/>
+    <p:sldLayoutId id="2147483694" r:id="rId7"/>
+    <p:sldLayoutId id="2147483695" r:id="rId8"/>
+    <p:sldLayoutId id="2147483696" r:id="rId9"/>
+    <p:sldLayoutId id="2147483697" r:id="rId10"/>
+    <p:sldLayoutId id="2147483698" r:id="rId11"/>
+    <p:sldLayoutId id="2147483699" r:id="rId12"/>
   </p:sldLayoutIdLst>
+  <p:txStyles>
+    <p:titleStyle>
+      <a:lvl1pPr algn="l" defTabSz="914400" rtl="0" eaLnBrk="1" latinLnBrk="0" hangingPunct="1">
+        <a:lnSpc>
+          <a:spcPct val="90000"/>
+        </a:lnSpc>
+        <a:spcBef>
+          <a:spcPct val="0"/>
+        </a:spcBef>
+        <a:buNone/>
+        <a:defRPr sz="4400" kern="1200">
+          <a:solidFill>
+            <a:schemeClr val="tx1"/>
+          </a:solidFill>
+          <a:latin typeface="+mj-lt"/>
+          <a:ea typeface="+mj-ea"/>
+          <a:cs typeface="+mj-cs"/>
+        </a:defRPr>
+      </a:lvl1pPr>
+    </p:titleStyle>
+    <p:bodyStyle>
+      <a:lvl1pPr marL="228600" indent="-228600" algn="l" defTabSz="914400" rtl="0" eaLnBrk="1" latinLnBrk="0" hangingPunct="1">
+        <a:lnSpc>
+          <a:spcPct val="90000"/>
+        </a:lnSpc>
+        <a:spcBef>
+          <a:spcPts val="1000"/>
+        </a:spcBef>
+        <a:buFont typeface="Arial" panose="020B0604020202020204" pitchFamily="34" charset="0"/>
+        <a:buChar char="•"/>
+        <a:defRPr sz="2800" kern="1200">
+          <a:solidFill>
+            <a:schemeClr val="tx1"/>
+          </a:solidFill>
+          <a:latin typeface="+mn-lt"/>
+          <a:ea typeface="+mn-ea"/>
+          <a:cs typeface="+mn-cs"/>
+        </a:defRPr>
+      </a:lvl1pPr>
+      <a:lvl2pPr marL="685800" indent="-228600" algn="l" defTabSz="914400" rtl="0" eaLnBrk="1" latinLnBrk="0" hangingPunct="1">
+        <a:lnSpc>
+          <a:spcPct val="90000"/>
+        </a:lnSpc>
+        <a:spcBef>
+          <a:spcPts val="500"/>
+        </a:spcBef>
+        <a:buFont typeface="Arial" panose="020B0604020202020204" pitchFamily="34" charset="0"/>
+        <a:buChar char="•"/>
+        <a:defRPr sz="2400" kern="1200">
+          <a:solidFill>
+            <a:schemeClr val="tx1"/>
+          </a:solidFill>
+          <a:latin typeface="+mn-lt"/>
+          <a:ea typeface="+mn-ea"/>
+          <a:cs typeface="+mn-cs"/>
+        </a:defRPr>
+      </a:lvl2pPr>
+      <a:lvl3pPr marL="1143000" indent="-228600" algn="l" defTabSz="914400" rtl="0" eaLnBrk="1" latinLnBrk="0" hangingPunct="1">
+        <a:lnSpc>
+          <a:spcPct val="90000"/>
+        </a:lnSpc>
+        <a:spcBef>
+          <a:spcPts val="500"/>
+        </a:spcBef>
+        <a:buFont typeface="Arial" panose="020B0604020202020204" pitchFamily="34" charset="0"/>
+        <a:buChar char="•"/>
+        <a:defRPr sz="2000" kern="1200">
+          <a:solidFill>
+            <a:schemeClr val="tx1"/>
+          </a:solidFill>
+          <a:latin typeface="+mn-lt"/>
+          <a:ea typeface="+mn-ea"/>
+          <a:cs typeface="+mn-cs"/>
+        </a:defRPr>
+      </a:lvl3pPr>
+      <a:lvl4pPr marL="1600200" indent="-228600" algn="l" defTabSz="914400" rtl="0" eaLnBrk="1" latinLnBrk="0" hangingPunct="1">
+        <a:lnSpc>
+          <a:spcPct val="90000"/>
+        </a:lnSpc>
+        <a:spcBef>
+          <a:spcPts val="500"/>
+        </a:spcBef>
+        <a:buFont typeface="Arial" panose="020B0604020202020204" pitchFamily="34" charset="0"/>
+        <a:buChar char="•"/>
+        <a:defRPr sz="1800" kern="1200">
+          <a:solidFill>
+            <a:schemeClr val="tx1"/>
+          </a:solidFill>
+          <a:latin typeface="+mn-lt"/>
+          <a:ea typeface="+mn-ea"/>
+          <a:cs typeface="+mn-cs"/>
+        </a:defRPr>
+      </a:lvl4pPr>
+      <a:lvl5pPr marL="2057400" indent="-228600" algn="l" defTabSz="914400" rtl="0" eaLnBrk="1" latinLnBrk="0" hangingPunct="1">
+        <a:lnSpc>
+          <a:spcPct val="90000"/>
+        </a:lnSpc>
+        <a:spcBef>
+          <a:spcPts val="500"/>
+        </a:spcBef>
+        <a:buFont typeface="Arial" panose="020B0604020202020204" pitchFamily="34" charset="0"/>
+        <a:buChar char="•"/>
+        <a:defRPr sz="1800" kern="1200">
+          <a:solidFill>
+            <a:schemeClr val="tx1"/>
+          </a:solidFill>
+          <a:latin typeface="+mn-lt"/>
+          <a:ea typeface="+mn-ea"/>
+          <a:cs typeface="+mn-cs"/>
+        </a:defRPr>
+      </a:lvl5pPr>
+      <a:lvl6pPr marL="2514600" indent="-228600" algn="l" defTabSz="914400" rtl="0" eaLnBrk="1" latinLnBrk="0" hangingPunct="1">
+        <a:lnSpc>
+          <a:spcPct val="90000"/>
+        </a:lnSpc>
+        <a:spcBef>
+          <a:spcPts val="500"/>
+        </a:spcBef>
+        <a:buFont typeface="Arial" panose="020B0604020202020204" pitchFamily="34" charset="0"/>
+        <a:buChar char="•"/>
+        <a:defRPr sz="1800" kern="1200">
+          <a:solidFill>
+            <a:schemeClr val="tx1"/>
+          </a:solidFill>
+          <a:latin typeface="+mn-lt"/>
+          <a:ea typeface="+mn-ea"/>
+          <a:cs typeface="+mn-cs"/>
+        </a:defRPr>
+      </a:lvl6pPr>
+      <a:lvl7pPr marL="2971800" indent="-228600" algn="l" defTabSz="914400" rtl="0" eaLnBrk="1" latinLnBrk="0" hangingPunct="1">
+        <a:lnSpc>
+          <a:spcPct val="90000"/>
+        </a:lnSpc>
+        <a:spcBef>
+          <a:spcPts val="500"/>
+        </a:spcBef>
+        <a:buFont typeface="Arial" panose="020B0604020202020204" pitchFamily="34" charset="0"/>
+        <a:buChar char="•"/>
+        <a:defRPr sz="1800" kern="1200">
+          <a:solidFill>
+            <a:schemeClr val="tx1"/>
+          </a:solidFill>
+          <a:latin typeface="+mn-lt"/>
+          <a:ea typeface="+mn-ea"/>
+          <a:cs typeface="+mn-cs"/>
+        </a:defRPr>
+      </a:lvl7pPr>
+      <a:lvl8pPr marL="3429000" indent="-228600" algn="l" defTabSz="914400" rtl="0" eaLnBrk="1" latinLnBrk="0" hangingPunct="1">
+        <a:lnSpc>
+          <a:spcPct val="90000"/>
+        </a:lnSpc>
+        <a:spcBef>
+          <a:spcPts val="500"/>
+        </a:spcBef>
+        <a:buFont typeface="Arial" panose="020B0604020202020204" pitchFamily="34" charset="0"/>
+        <a:buChar char="•"/>
+        <a:defRPr sz="1800" kern="1200">
+          <a:solidFill>
+            <a:schemeClr val="tx1"/>
+          </a:solidFill>
+          <a:latin typeface="+mn-lt"/>
+          <a:ea typeface="+mn-ea"/>
+          <a:cs typeface="+mn-cs"/>
+        </a:defRPr>
+      </a:lvl8pPr>
+      <a:lvl9pPr marL="3886200" indent="-228600" algn="l" defTabSz="914400" rtl="0" eaLnBrk="1" latinLnBrk="0" hangingPunct="1">
+        <a:lnSpc>
+          <a:spcPct val="90000"/>
+        </a:lnSpc>
+        <a:spcBef>
+          <a:spcPts val="500"/>
+        </a:spcBef>
+        <a:buFont typeface="Arial" panose="020B0604020202020204" pitchFamily="34" charset="0"/>
+        <a:buChar char="•"/>
+        <a:defRPr sz="1800" kern="1200">
+          <a:solidFill>
+            <a:schemeClr val="tx1"/>
+          </a:solidFill>
+          <a:latin typeface="+mn-lt"/>
+          <a:ea typeface="+mn-ea"/>
+          <a:cs typeface="+mn-cs"/>
+        </a:defRPr>
+      </a:lvl9pPr>
+    </p:bodyStyle>
+    <p:otherStyle>
+      <a:defPPr>
+        <a:defRPr lang="en-US"/>
+      </a:defPPr>
+      <a:lvl1pPr marL="0" algn="l" defTabSz="914400" rtl="0" eaLnBrk="1" latinLnBrk="0" hangingPunct="1">
+        <a:defRPr sz="1800" kern="1200">
+          <a:solidFill>
+            <a:schemeClr val="tx1"/>
+          </a:solidFill>
+          <a:latin typeface="+mn-lt"/>
+          <a:ea typeface="+mn-ea"/>
+          <a:cs typeface="+mn-cs"/>
+        </a:defRPr>
+      </a:lvl1pPr>
+      <a:lvl2pPr marL="457200" algn="l" defTabSz="914400" rtl="0" eaLnBrk="1" latinLnBrk="0" hangingPunct="1">
+        <a:defRPr sz="1800" kern="1200">
+          <a:solidFill>
+            <a:schemeClr val="tx1"/>
+          </a:solidFill>
+          <a:latin typeface="+mn-lt"/>
+          <a:ea typeface="+mn-ea"/>
+          <a:cs typeface="+mn-cs"/>
+        </a:defRPr>
+      </a:lvl2pPr>
+      <a:lvl3pPr marL="914400" algn="l" defTabSz="914400" rtl="0" eaLnBrk="1" latinLnBrk="0" hangingPunct="1">
+        <a:defRPr sz="1800" kern="1200">
+          <a:solidFill>
+            <a:schemeClr val="tx1"/>
+          </a:solidFill>
+          <a:latin typeface="+mn-lt"/>
+          <a:ea typeface="+mn-ea"/>
+          <a:cs typeface="+mn-cs"/>
+        </a:defRPr>
+      </a:lvl3pPr>
+      <a:lvl4pPr marL="1371600" algn="l" defTabSz="914400" rtl="0" eaLnBrk="1" latinLnBrk="0" hangingPunct="1">
+        <a:defRPr sz="1800" kern="1200">
+          <a:solidFill>
+            <a:schemeClr val="tx1"/>
+          </a:solidFill>
+          <a:latin typeface="+mn-lt"/>
+          <a:ea typeface="+mn-ea"/>
+          <a:cs typeface="+mn-cs"/>
+        </a:defRPr>
+      </a:lvl4pPr>
+      <a:lvl5pPr marL="1828800" algn="l" defTabSz="914400" rtl="0" eaLnBrk="1" latinLnBrk="0" hangingPunct="1">
+        <a:defRPr sz="1800" kern="1200">
+          <a:solidFill>
+            <a:schemeClr val="tx1"/>
+          </a:solidFill>
+          <a:latin typeface="+mn-lt"/>
+          <a:ea typeface="+mn-ea"/>
+          <a:cs typeface="+mn-cs"/>
+        </a:defRPr>
+      </a:lvl5pPr>
+      <a:lvl6pPr marL="2286000" algn="l" defTabSz="914400" rtl="0" eaLnBrk="1" latinLnBrk="0" hangingPunct="1">
+        <a:defRPr sz="1800" kern="1200">
+          <a:solidFill>
+            <a:schemeClr val="tx1"/>
+          </a:solidFill>
+          <a:latin typeface="+mn-lt"/>
+          <a:ea typeface="+mn-ea"/>
+          <a:cs typeface="+mn-cs"/>
+        </a:defRPr>
+      </a:lvl6pPr>
+      <a:lvl7pPr marL="2743200" algn="l" defTabSz="914400" rtl="0" eaLnBrk="1" latinLnBrk="0" hangingPunct="1">
+        <a:defRPr sz="1800" kern="1200">
+          <a:solidFill>
+            <a:schemeClr val="tx1"/>
+          </a:solidFill>
+          <a:latin typeface="+mn-lt"/>
+          <a:ea typeface="+mn-ea"/>
+          <a:cs typeface="+mn-cs"/>
+        </a:defRPr>
+      </a:lvl7pPr>
+      <a:lvl8pPr marL="3200400" algn="l" defTabSz="914400" rtl="0" eaLnBrk="1" latinLnBrk="0" hangingPunct="1">
+        <a:defRPr sz="1800" kern="1200">
+          <a:solidFill>
+            <a:schemeClr val="tx1"/>
+          </a:solidFill>
+          <a:latin typeface="+mn-lt"/>
+          <a:ea typeface="+mn-ea"/>
+          <a:cs typeface="+mn-cs"/>
+        </a:defRPr>
+      </a:lvl8pPr>
+      <a:lvl9pPr marL="3657600" algn="l" defTabSz="914400" rtl="0" eaLnBrk="1" latinLnBrk="0" hangingPunct="1">
+        <a:defRPr sz="1800" kern="1200">
+          <a:solidFill>
+            <a:schemeClr val="tx1"/>
+          </a:solidFill>
+          <a:latin typeface="+mn-lt"/>
+          <a:ea typeface="+mn-ea"/>
+          <a:cs typeface="+mn-cs"/>
+        </a:defRPr>
+      </a:lvl9pPr>
+    </p:otherStyle>
+  </p:txStyles>
 </p:sldMaster>
 </file>
 
 <file path=ppt/slides/slide1.xml><?xml version="1.0" encoding="utf-8"?>
-<p:sld xmlns:a="http://schemas.openxmlformats.org/drawingml/2006/main" xmlns:p="http://schemas.openxmlformats.org/presentationml/2006/main" xmlns:r="http://schemas.openxmlformats.org/officeDocument/2006/relationships" xmlns:p14="http://schemas.microsoft.com/office/powerpoint/2010/main" xmlns:p15="http://schemas.microsoft.com/office/powerpoint/2012/main" xmlns:mc="http://schemas.openxmlformats.org/markup-compatibility/2006">
+<p:sld xmlns:a="http://schemas.openxmlformats.org/drawingml/2006/main" xmlns:r="http://schemas.openxmlformats.org/officeDocument/2006/relationships" xmlns:p="http://schemas.openxmlformats.org/presentationml/2006/main">
   <p:cSld>
     <p:spTree>
       <p:nvGrpSpPr>
@@ -7197,13 +8586,14 @@
           </a:ln>
         </p:spPr>
         <p:txBody>
-          <a:bodyPr lIns="0" rIns="0" tIns="0" bIns="0" anchor="ctr">
+          <a:bodyPr lIns="0" tIns="0" rIns="0" bIns="0" anchor="ctr">
             <a:noAutofit/>
           </a:bodyPr>
+          <a:lstStyle/>
           <a:p>
             <a:pPr algn="ctr"/>
             <a:r>
-              <a:rPr b="0" lang="en-GB" sz="4400" spc="-1" strike="noStrike">
+              <a:rPr lang="en-GB" sz="4400" b="0" strike="noStrike" spc="-1">
                 <a:solidFill>
                   <a:srgbClr val="006699"/>
                 </a:solidFill>
@@ -7211,9 +8601,12 @@
               </a:rPr>
               <a:t>Dan Parkes</a:t>
             </a:r>
+            <a:r>
+              <a:t/>
+            </a:r>
             <a:br/>
             <a:r>
-              <a:rPr b="0" lang="en-GB" sz="4400" spc="-1" strike="noStrike">
+              <a:rPr lang="en-GB" sz="4400" b="0" strike="noStrike" spc="-1">
                 <a:solidFill>
                   <a:srgbClr val="006699"/>
                 </a:solidFill>
@@ -7221,12 +8614,6 @@
               </a:rPr>
               <a:t>Inventory Management Project</a:t>
             </a:r>
-            <a:endParaRPr b="0" lang="en-GB" sz="4400" spc="-1" strike="noStrike">
-              <a:solidFill>
-                <a:srgbClr val="006699"/>
-              </a:solidFill>
-              <a:latin typeface="Arial"/>
-            </a:endParaRPr>
           </a:p>
         </p:txBody>
       </p:sp>
@@ -7250,14 +8637,15 @@
           </a:ln>
         </p:spPr>
         <p:txBody>
-          <a:bodyPr lIns="0" rIns="0" tIns="0" bIns="0" anchor="ctr">
+          <a:bodyPr lIns="0" tIns="0" rIns="0" bIns="0" anchor="ctr">
             <a:noAutofit/>
           </a:bodyPr>
+          <a:lstStyle/>
           <a:p>
             <a:pPr algn="ctr"/>
-            <a:endParaRPr b="0" lang="en-GB" sz="3200" spc="-1" strike="noStrike">
+            <a:endParaRPr lang="en-GB" sz="3200" b="0" strike="noStrike" spc="-1">
               <a:highlight>
-                <a:srgbClr val="ffffff"/>
+                <a:srgbClr val="FFFFFF"/>
               </a:highlight>
               <a:latin typeface="Arial"/>
             </a:endParaRPr>
@@ -7266,11 +8654,14 @@
       </p:sp>
     </p:spTree>
   </p:cSld>
-  <mc:AlternateContent>
+  <p:clrMapOvr>
+    <a:masterClrMapping/>
+  </p:clrMapOvr>
+  <mc:AlternateContent xmlns:mc="http://schemas.openxmlformats.org/markup-compatibility/2006" xmlns:p14="http://schemas.microsoft.com/office/powerpoint/2010/main">
     <mc:Choice Requires="p14">
       <p:transition spd="slow" p14:dur="2000"/>
     </mc:Choice>
-    <mc:Fallback>
+    <mc:Fallback xmlns:p15="http://schemas.microsoft.com/office/powerpoint/2012/main" xmlns="">
       <p:transition spd="slow"/>
     </mc:Fallback>
   </mc:AlternateContent>
@@ -7278,7 +8669,7 @@
 </file>
 
 <file path=ppt/slides/slide2.xml><?xml version="1.0" encoding="utf-8"?>
-<p:sld xmlns:a="http://schemas.openxmlformats.org/drawingml/2006/main" xmlns:p="http://schemas.openxmlformats.org/presentationml/2006/main" xmlns:r="http://schemas.openxmlformats.org/officeDocument/2006/relationships" xmlns:p14="http://schemas.microsoft.com/office/powerpoint/2010/main" xmlns:p15="http://schemas.microsoft.com/office/powerpoint/2012/main" xmlns:mc="http://schemas.openxmlformats.org/markup-compatibility/2006">
+<p:sld xmlns:a="http://schemas.openxmlformats.org/drawingml/2006/main" xmlns:r="http://schemas.openxmlformats.org/officeDocument/2006/relationships" xmlns:p="http://schemas.openxmlformats.org/presentationml/2006/main">
   <p:cSld>
     <p:spTree>
       <p:nvGrpSpPr>
@@ -7314,13 +8705,14 @@
           </a:ln>
         </p:spPr>
         <p:txBody>
-          <a:bodyPr lIns="0" rIns="0" tIns="0" bIns="0" anchor="ctr">
+          <a:bodyPr lIns="0" tIns="0" rIns="0" bIns="0" anchor="ctr">
             <a:noAutofit/>
           </a:bodyPr>
+          <a:lstStyle/>
           <a:p>
             <a:pPr algn="ctr"/>
             <a:r>
-              <a:rPr b="0" lang="en-GB" sz="4400" spc="-1" strike="noStrike">
+              <a:rPr lang="en-GB" sz="4400" b="0" strike="noStrike" spc="-1">
                 <a:solidFill>
                   <a:srgbClr val="006699"/>
                 </a:solidFill>
@@ -7328,12 +8720,6 @@
               </a:rPr>
               <a:t>Who am I?</a:t>
             </a:r>
-            <a:endParaRPr b="0" lang="en-GB" sz="4400" spc="-1" strike="noStrike">
-              <a:solidFill>
-                <a:srgbClr val="006699"/>
-              </a:solidFill>
-              <a:latin typeface="Arial"/>
-            </a:endParaRPr>
           </a:p>
         </p:txBody>
       </p:sp>
@@ -7345,14 +8731,14 @@
         </p:nvSpPr>
         <p:spPr>
           <a:xfrm>
-            <a:off x="504000" y="4056120"/>
-            <a:ext cx="9071640" cy="2097360"/>
+            <a:off x="504000" y="2575663"/>
+            <a:ext cx="3777714" cy="2097360"/>
           </a:xfrm>
           <a:prstGeom prst="rect">
             <a:avLst/>
           </a:prstGeom>
           <a:solidFill>
-            <a:srgbClr val="ffffff">
+            <a:srgbClr val="FFFFFF">
               <a:alpha val="50000"/>
             </a:srgbClr>
           </a:solidFill>
@@ -7361,9 +8747,10 @@
           </a:ln>
         </p:spPr>
         <p:txBody>
-          <a:bodyPr lIns="0" rIns="0" tIns="0" bIns="0">
+          <a:bodyPr lIns="0" tIns="0" rIns="0" bIns="0">
             <a:normAutofit/>
           </a:bodyPr>
+          <a:lstStyle/>
           <a:p>
             <a:pPr marL="432000" indent="-324000">
               <a:spcBef>
@@ -7377,24 +8764,48 @@
               <a:buChar char=""/>
             </a:pPr>
             <a:r>
-              <a:rPr b="0" lang="en-GB" sz="3200" spc="-1" strike="noStrike">
+              <a:rPr lang="en-GB" sz="3200" b="0" strike="noStrike" spc="-1" dirty="0">
                 <a:latin typeface="Arial"/>
               </a:rPr>
               <a:t>A project to showcase what I have learnt at the Academy</a:t>
             </a:r>
-            <a:endParaRPr b="0" lang="en-GB" sz="3200" spc="-1" strike="noStrike">
-              <a:latin typeface="Arial"/>
-            </a:endParaRPr>
-          </a:p>
-        </p:txBody>
-      </p:sp>
+          </a:p>
+        </p:txBody>
+      </p:sp>
+      <p:pic>
+        <p:nvPicPr>
+          <p:cNvPr id="2" name="Picture 1"/>
+          <p:cNvPicPr>
+            <a:picLocks noChangeAspect="1"/>
+          </p:cNvPicPr>
+          <p:nvPr/>
+        </p:nvPicPr>
+        <p:blipFill>
+          <a:blip r:embed="rId2"/>
+          <a:stretch>
+            <a:fillRect/>
+          </a:stretch>
+        </p:blipFill>
+        <p:spPr>
+          <a:xfrm>
+            <a:off x="4604884" y="1990435"/>
+            <a:ext cx="4970756" cy="3316426"/>
+          </a:xfrm>
+          <a:prstGeom prst="rect">
+            <a:avLst/>
+          </a:prstGeom>
+        </p:spPr>
+      </p:pic>
     </p:spTree>
   </p:cSld>
-  <mc:AlternateContent>
+  <p:clrMapOvr>
+    <a:masterClrMapping/>
+  </p:clrMapOvr>
+  <mc:AlternateContent xmlns:mc="http://schemas.openxmlformats.org/markup-compatibility/2006" xmlns:p14="http://schemas.microsoft.com/office/powerpoint/2010/main">
     <mc:Choice Requires="p14">
       <p:transition spd="slow" p14:dur="2000"/>
     </mc:Choice>
-    <mc:Fallback>
+    <mc:Fallback xmlns:p15="http://schemas.microsoft.com/office/powerpoint/2012/main" xmlns="">
       <p:transition spd="slow"/>
     </mc:Fallback>
   </mc:AlternateContent>
@@ -7402,7 +8813,7 @@
 </file>
 
 <file path=ppt/slides/slide3.xml><?xml version="1.0" encoding="utf-8"?>
-<p:sld xmlns:a="http://schemas.openxmlformats.org/drawingml/2006/main" xmlns:p="http://schemas.openxmlformats.org/presentationml/2006/main" xmlns:r="http://schemas.openxmlformats.org/officeDocument/2006/relationships" xmlns:p14="http://schemas.microsoft.com/office/powerpoint/2010/main" xmlns:p15="http://schemas.microsoft.com/office/powerpoint/2012/main" xmlns:mc="http://schemas.openxmlformats.org/markup-compatibility/2006">
+<p:sld xmlns:a="http://schemas.openxmlformats.org/drawingml/2006/main" xmlns:r="http://schemas.openxmlformats.org/officeDocument/2006/relationships" xmlns:p="http://schemas.openxmlformats.org/presentationml/2006/main">
   <p:cSld>
     <p:spTree>
       <p:nvGrpSpPr>
@@ -7426,7 +8837,7 @@
         </p:nvSpPr>
         <p:spPr>
           <a:xfrm>
-            <a:off x="504000" y="249480"/>
+            <a:off x="447086" y="205937"/>
             <a:ext cx="9071640" cy="1262520"/>
           </a:xfrm>
           <a:prstGeom prst="rect">
@@ -7438,13 +8849,14 @@
           </a:ln>
         </p:spPr>
         <p:txBody>
-          <a:bodyPr lIns="0" rIns="0" tIns="0" bIns="0" anchor="ctr">
+          <a:bodyPr lIns="0" tIns="0" rIns="0" bIns="0" anchor="ctr">
             <a:noAutofit/>
           </a:bodyPr>
+          <a:lstStyle/>
           <a:p>
             <a:pPr algn="ctr"/>
             <a:r>
-              <a:rPr b="0" lang="en-GB" sz="4400" spc="-1" strike="noStrike">
+              <a:rPr lang="en-GB" sz="4400" b="0" strike="noStrike" spc="-1" dirty="0">
                 <a:solidFill>
                   <a:srgbClr val="006699"/>
                 </a:solidFill>
@@ -7452,12 +8864,6 @@
               </a:rPr>
               <a:t>Specification</a:t>
             </a:r>
-            <a:endParaRPr b="0" lang="en-GB" sz="4400" spc="-1" strike="noStrike">
-              <a:solidFill>
-                <a:srgbClr val="006699"/>
-              </a:solidFill>
-              <a:latin typeface="Arial"/>
-            </a:endParaRPr>
           </a:p>
         </p:txBody>
       </p:sp>
@@ -7469,14 +8875,14 @@
         </p:nvSpPr>
         <p:spPr>
           <a:xfrm>
-            <a:off x="504000" y="2020680"/>
-            <a:ext cx="9071640" cy="4675320"/>
+            <a:off x="274260" y="2499652"/>
+            <a:ext cx="5036623" cy="3015777"/>
           </a:xfrm>
           <a:prstGeom prst="rect">
             <a:avLst/>
           </a:prstGeom>
           <a:solidFill>
-            <a:srgbClr val="ffffff">
+            <a:srgbClr val="FFFFFF">
               <a:alpha val="50000"/>
             </a:srgbClr>
           </a:solidFill>
@@ -7485,9 +8891,10 @@
           </a:ln>
         </p:spPr>
         <p:txBody>
-          <a:bodyPr lIns="0" rIns="0" tIns="0" bIns="0">
+          <a:bodyPr lIns="0" tIns="0" rIns="0" bIns="0">
             <a:normAutofit/>
           </a:bodyPr>
+          <a:lstStyle/>
           <a:p>
             <a:pPr marL="432000" indent="-324000">
               <a:spcBef>
@@ -7501,14 +8908,11 @@
               <a:buChar char=""/>
             </a:pPr>
             <a:r>
-              <a:rPr b="0" lang="en-GB" sz="3200" spc="-1" strike="noStrike">
+              <a:rPr lang="en-GB" sz="3200" b="0" strike="noStrike" spc="-1" dirty="0">
                 <a:latin typeface="Arial"/>
               </a:rPr>
               <a:t>Specified functionality</a:t>
             </a:r>
-            <a:endParaRPr b="0" lang="en-GB" sz="3200" spc="-1" strike="noStrike">
-              <a:latin typeface="Arial"/>
-            </a:endParaRPr>
           </a:p>
           <a:p>
             <a:pPr marL="432000" indent="-324000">
@@ -7523,14 +8927,11 @@
               <a:buChar char=""/>
             </a:pPr>
             <a:r>
-              <a:rPr b="0" lang="en-GB" sz="3200" spc="-1" strike="noStrike">
+              <a:rPr lang="en-GB" sz="3200" b="0" strike="noStrike" spc="-1" dirty="0">
                 <a:latin typeface="Arial"/>
               </a:rPr>
               <a:t>User/order/item</a:t>
             </a:r>
-            <a:endParaRPr b="0" lang="en-GB" sz="3200" spc="-1" strike="noStrike">
-              <a:latin typeface="Arial"/>
-            </a:endParaRPr>
           </a:p>
           <a:p>
             <a:pPr marL="432000" indent="-324000">
@@ -7545,24 +8946,54 @@
               <a:buChar char=""/>
             </a:pPr>
             <a:r>
-              <a:rPr b="0" lang="en-GB" sz="3200" spc="-1" strike="noStrike">
+              <a:rPr lang="en-GB" sz="3200" b="0" strike="noStrike" spc="-1" dirty="0">
                 <a:latin typeface="Arial"/>
               </a:rPr>
               <a:t>Create/update/delete</a:t>
             </a:r>
-            <a:endParaRPr b="0" lang="en-GB" sz="3200" spc="-1" strike="noStrike">
-              <a:latin typeface="Arial"/>
-            </a:endParaRPr>
-          </a:p>
-        </p:txBody>
-      </p:sp>
+          </a:p>
+        </p:txBody>
+      </p:sp>
+      <p:pic>
+        <p:nvPicPr>
+          <p:cNvPr id="2" name="Picture 1"/>
+          <p:cNvPicPr>
+            <a:picLocks noChangeAspect="1"/>
+          </p:cNvPicPr>
+          <p:nvPr/>
+        </p:nvPicPr>
+        <p:blipFill>
+          <a:blip r:embed="rId2" cstate="print">
+            <a:extLst>
+              <a:ext uri="{28A0092B-C50C-407E-A947-70E740481C1C}">
+                <a14:useLocalDpi xmlns:a14="http://schemas.microsoft.com/office/drawing/2010/main" val="0"/>
+              </a:ext>
+            </a:extLst>
+          </a:blip>
+          <a:stretch>
+            <a:fillRect/>
+          </a:stretch>
+        </p:blipFill>
+        <p:spPr>
+          <a:xfrm>
+            <a:off x="5642223" y="1322397"/>
+            <a:ext cx="3805277" cy="5370286"/>
+          </a:xfrm>
+          <a:prstGeom prst="rect">
+            <a:avLst/>
+          </a:prstGeom>
+        </p:spPr>
+      </p:pic>
     </p:spTree>
   </p:cSld>
-  <mc:AlternateContent>
+  <p:clrMapOvr>
+    <a:masterClrMapping/>
+  </p:clrMapOvr>
+  <mc:AlternateContent xmlns:mc="http://schemas.openxmlformats.org/markup-compatibility/2006" xmlns:p14="http://schemas.microsoft.com/office/powerpoint/2010/main">
     <mc:Choice Requires="p14">
       <p:transition spd="slow" p14:dur="2000"/>
     </mc:Choice>
-    <mc:Fallback>
+    <mc:Fallback xmlns:p15="http://schemas.microsoft.com/office/powerpoint/2012/main" xmlns="">
       <p:transition spd="slow"/>
     </mc:Fallback>
   </mc:AlternateContent>
@@ -7570,7 +9001,7 @@
 </file>
 
 <file path=ppt/slides/slide4.xml><?xml version="1.0" encoding="utf-8"?>
-<p:sld xmlns:a="http://schemas.openxmlformats.org/drawingml/2006/main" xmlns:p="http://schemas.openxmlformats.org/presentationml/2006/main" xmlns:r="http://schemas.openxmlformats.org/officeDocument/2006/relationships" xmlns:p14="http://schemas.microsoft.com/office/powerpoint/2010/main" xmlns:p15="http://schemas.microsoft.com/office/powerpoint/2012/main" xmlns:mc="http://schemas.openxmlformats.org/markup-compatibility/2006">
+<p:sld xmlns:a="http://schemas.openxmlformats.org/drawingml/2006/main" xmlns:r="http://schemas.openxmlformats.org/officeDocument/2006/relationships" xmlns:p="http://schemas.openxmlformats.org/presentationml/2006/main">
   <p:cSld>
     <p:spTree>
       <p:nvGrpSpPr>
@@ -7594,7 +9025,7 @@
         </p:nvSpPr>
         <p:spPr>
           <a:xfrm>
-            <a:off x="504360" y="864000"/>
+            <a:off x="0" y="399543"/>
             <a:ext cx="9071640" cy="1262520"/>
           </a:xfrm>
           <a:prstGeom prst="rect">
@@ -7606,13 +9037,14 @@
           </a:ln>
         </p:spPr>
         <p:txBody>
-          <a:bodyPr lIns="0" rIns="0" tIns="0" bIns="0" anchor="ctr">
+          <a:bodyPr lIns="0" tIns="0" rIns="0" bIns="0" anchor="ctr">
             <a:noAutofit/>
           </a:bodyPr>
+          <a:lstStyle/>
           <a:p>
             <a:pPr algn="ctr"/>
             <a:r>
-              <a:rPr b="0" lang="en-GB" sz="4400" spc="-1" strike="noStrike">
+              <a:rPr lang="en-GB" sz="4400" b="0" strike="noStrike" spc="-1" dirty="0">
                 <a:solidFill>
                   <a:srgbClr val="006699"/>
                 </a:solidFill>
@@ -7620,12 +9052,6 @@
               </a:rPr>
               <a:t>Agile</a:t>
             </a:r>
-            <a:endParaRPr b="0" lang="en-GB" sz="4400" spc="-1" strike="noStrike">
-              <a:solidFill>
-                <a:srgbClr val="006699"/>
-              </a:solidFill>
-              <a:latin typeface="Arial"/>
-            </a:endParaRPr>
           </a:p>
         </p:txBody>
       </p:sp>
@@ -7637,7 +9063,7 @@
         </p:nvSpPr>
         <p:spPr>
           <a:xfrm>
-            <a:off x="504000" y="2664000"/>
+            <a:off x="342920" y="2411820"/>
             <a:ext cx="3888000" cy="2952000"/>
           </a:xfrm>
           <a:prstGeom prst="rect">
@@ -7649,9 +9075,10 @@
           </a:ln>
         </p:spPr>
         <p:txBody>
-          <a:bodyPr lIns="0" rIns="0" tIns="0" bIns="0">
+          <a:bodyPr lIns="0" tIns="0" rIns="0" bIns="0">
             <a:normAutofit/>
           </a:bodyPr>
+          <a:lstStyle/>
           <a:p>
             <a:pPr marL="432000" indent="-324000">
               <a:spcBef>
@@ -7665,14 +9092,11 @@
               <a:buChar char=""/>
             </a:pPr>
             <a:r>
-              <a:rPr b="0" lang="en-GB" sz="3200" spc="-1" strike="noStrike">
+              <a:rPr lang="en-GB" sz="3200" b="0" strike="noStrike" spc="-1" dirty="0">
                 <a:latin typeface="Arial"/>
               </a:rPr>
               <a:t>Trello board</a:t>
             </a:r>
-            <a:endParaRPr b="0" lang="en-GB" sz="3200" spc="-1" strike="noStrike">
-              <a:latin typeface="Arial"/>
-            </a:endParaRPr>
           </a:p>
           <a:p>
             <a:pPr marL="432000" indent="-324000">
@@ -7687,17 +9111,17 @@
               <a:buChar char=""/>
             </a:pPr>
             <a:r>
-              <a:rPr b="0" lang="en-GB" sz="3200" spc="-1" strike="noStrike">
+              <a:rPr lang="en-GB" sz="3200" b="0" strike="noStrike" spc="-1" dirty="0" err="1">
                 <a:latin typeface="Arial"/>
               </a:rPr>
               <a:t>Github</a:t>
             </a:r>
-            <a:endParaRPr b="0" lang="en-GB" sz="3200" spc="-1" strike="noStrike">
-              <a:latin typeface="Arial"/>
-            </a:endParaRPr>
-          </a:p>
-          <a:p>
-            <a:pPr lvl="1" marL="864000" indent="-324000">
+            <a:endParaRPr lang="en-GB" sz="3200" b="0" strike="noStrike" spc="-1" dirty="0">
+              <a:latin typeface="Arial"/>
+            </a:endParaRPr>
+          </a:p>
+          <a:p>
+            <a:pPr marL="864000" lvl="1" indent="-324000">
               <a:spcBef>
                 <a:spcPts val="1134"/>
               </a:spcBef>
@@ -7709,17 +9133,14 @@
               <a:buChar char=""/>
             </a:pPr>
             <a:r>
-              <a:rPr b="0" lang="en-GB" sz="2800" spc="-1" strike="noStrike">
+              <a:rPr lang="en-GB" sz="2800" b="0" strike="noStrike" spc="-1" dirty="0">
                 <a:latin typeface="Arial"/>
               </a:rPr>
               <a:t>Issues</a:t>
             </a:r>
-            <a:endParaRPr b="0" lang="en-GB" sz="2800" spc="-1" strike="noStrike">
-              <a:latin typeface="Arial"/>
-            </a:endParaRPr>
-          </a:p>
-          <a:p>
-            <a:pPr lvl="1" marL="864000" indent="-324000">
+          </a:p>
+          <a:p>
+            <a:pPr marL="864000" lvl="1" indent="-324000">
               <a:spcBef>
                 <a:spcPts val="1134"/>
               </a:spcBef>
@@ -7731,17 +9152,14 @@
               <a:buChar char=""/>
             </a:pPr>
             <a:r>
-              <a:rPr b="0" lang="en-GB" sz="2800" spc="-1" strike="noStrike">
+              <a:rPr lang="en-GB" sz="2800" b="0" strike="noStrike" spc="-1" dirty="0">
                 <a:latin typeface="Arial"/>
               </a:rPr>
               <a:t>Feature/branch</a:t>
             </a:r>
-            <a:endParaRPr b="0" lang="en-GB" sz="2800" spc="-1" strike="noStrike">
-              <a:latin typeface="Arial"/>
-            </a:endParaRPr>
-          </a:p>
-          <a:p>
-            <a:pPr lvl="1" marL="864000" indent="-324000">
+          </a:p>
+          <a:p>
+            <a:pPr marL="864000" lvl="1" indent="-324000">
               <a:spcBef>
                 <a:spcPts val="1134"/>
               </a:spcBef>
@@ -7753,24 +9171,54 @@
               <a:buChar char=""/>
             </a:pPr>
             <a:r>
-              <a:rPr b="0" lang="en-GB" sz="2800" spc="-1" strike="noStrike">
+              <a:rPr lang="en-GB" sz="2800" b="0" strike="noStrike" spc="-1" dirty="0">
                 <a:latin typeface="Arial"/>
               </a:rPr>
               <a:t>Pull requests</a:t>
             </a:r>
-            <a:endParaRPr b="0" lang="en-GB" sz="2800" spc="-1" strike="noStrike">
-              <a:latin typeface="Arial"/>
-            </a:endParaRPr>
-          </a:p>
-        </p:txBody>
-      </p:sp>
+          </a:p>
+        </p:txBody>
+      </p:sp>
+      <p:pic>
+        <p:nvPicPr>
+          <p:cNvPr id="2" name="Picture 1"/>
+          <p:cNvPicPr>
+            <a:picLocks noChangeAspect="1"/>
+          </p:cNvPicPr>
+          <p:nvPr/>
+        </p:nvPicPr>
+        <p:blipFill>
+          <a:blip r:embed="rId2" cstate="print">
+            <a:extLst>
+              <a:ext uri="{28A0092B-C50C-407E-A947-70E740481C1C}">
+                <a14:useLocalDpi xmlns:a14="http://schemas.microsoft.com/office/drawing/2010/main" val="0"/>
+              </a:ext>
+            </a:extLst>
+          </a:blip>
+          <a:stretch>
+            <a:fillRect/>
+          </a:stretch>
+        </p:blipFill>
+        <p:spPr>
+          <a:xfrm>
+            <a:off x="4230920" y="2159641"/>
+            <a:ext cx="5345080" cy="3456359"/>
+          </a:xfrm>
+          <a:prstGeom prst="rect">
+            <a:avLst/>
+          </a:prstGeom>
+        </p:spPr>
+      </p:pic>
     </p:spTree>
   </p:cSld>
-  <mc:AlternateContent>
+  <p:clrMapOvr>
+    <a:masterClrMapping/>
+  </p:clrMapOvr>
+  <mc:AlternateContent xmlns:mc="http://schemas.openxmlformats.org/markup-compatibility/2006" xmlns:p14="http://schemas.microsoft.com/office/powerpoint/2010/main">
     <mc:Choice Requires="p14">
       <p:transition spd="slow" p14:dur="2000"/>
     </mc:Choice>
-    <mc:Fallback>
+    <mc:Fallback xmlns:p15="http://schemas.microsoft.com/office/powerpoint/2012/main" xmlns="">
       <p:transition spd="slow"/>
     </mc:Fallback>
   </mc:AlternateContent>
@@ -7778,7 +9226,7 @@
 </file>
 
 <file path=ppt/slides/slide5.xml><?xml version="1.0" encoding="utf-8"?>
-<p:sld xmlns:a="http://schemas.openxmlformats.org/drawingml/2006/main" xmlns:p="http://schemas.openxmlformats.org/presentationml/2006/main" xmlns:r="http://schemas.openxmlformats.org/officeDocument/2006/relationships" xmlns:p14="http://schemas.microsoft.com/office/powerpoint/2010/main" xmlns:p15="http://schemas.microsoft.com/office/powerpoint/2012/main" xmlns:mc="http://schemas.openxmlformats.org/markup-compatibility/2006">
+<p:sld xmlns:a="http://schemas.openxmlformats.org/drawingml/2006/main" xmlns:r="http://schemas.openxmlformats.org/officeDocument/2006/relationships" xmlns:p="http://schemas.openxmlformats.org/presentationml/2006/main">
   <p:cSld>
     <p:spTree>
       <p:nvGrpSpPr>
@@ -7802,7 +9250,7 @@
         </p:nvSpPr>
         <p:spPr>
           <a:xfrm>
-            <a:off x="1008000" y="720000"/>
+            <a:off x="644726" y="409979"/>
             <a:ext cx="9071640" cy="1262160"/>
           </a:xfrm>
           <a:prstGeom prst="rect">
@@ -7814,13 +9262,14 @@
           </a:ln>
         </p:spPr>
         <p:txBody>
-          <a:bodyPr lIns="0" rIns="0" tIns="0" bIns="0" anchor="ctr">
+          <a:bodyPr lIns="0" tIns="0" rIns="0" bIns="0" anchor="ctr">
             <a:noAutofit/>
           </a:bodyPr>
+          <a:lstStyle/>
           <a:p>
             <a:pPr algn="ctr"/>
             <a:r>
-              <a:rPr b="0" lang="en-GB" sz="4400" spc="-1" strike="noStrike">
+              <a:rPr lang="en-GB" sz="4400" b="0" strike="noStrike" spc="-1" dirty="0">
                 <a:solidFill>
                   <a:srgbClr val="006699"/>
                 </a:solidFill>
@@ -7828,12 +9277,6 @@
               </a:rPr>
               <a:t>Analysis and Design</a:t>
             </a:r>
-            <a:endParaRPr b="0" lang="en-GB" sz="4400" spc="-1" strike="noStrike">
-              <a:solidFill>
-                <a:srgbClr val="006699"/>
-              </a:solidFill>
-              <a:latin typeface="Arial"/>
-            </a:endParaRPr>
           </a:p>
         </p:txBody>
       </p:sp>
@@ -7857,9 +9300,10 @@
           </a:ln>
         </p:spPr>
         <p:txBody>
-          <a:bodyPr lIns="0" rIns="0" tIns="0" bIns="0">
+          <a:bodyPr lIns="0" tIns="0" rIns="0" bIns="0">
             <a:normAutofit/>
           </a:bodyPr>
+          <a:lstStyle/>
           <a:p>
             <a:pPr marL="432000" indent="-324000">
               <a:spcBef>
@@ -7873,14 +9317,11 @@
               <a:buChar char=""/>
             </a:pPr>
             <a:r>
-              <a:rPr b="0" lang="en-GB" sz="3200" spc="-1" strike="noStrike">
+              <a:rPr lang="en-GB" sz="3200" b="0" strike="noStrike" spc="-1">
                 <a:latin typeface="Arial"/>
               </a:rPr>
               <a:t>ERD – Entity Relationship Diagram</a:t>
             </a:r>
-            <a:endParaRPr b="0" lang="en-GB" sz="3200" spc="-1" strike="noStrike">
-              <a:latin typeface="Arial"/>
-            </a:endParaRPr>
           </a:p>
         </p:txBody>
       </p:sp>
@@ -7904,9 +9345,10 @@
           </a:ln>
         </p:spPr>
         <p:txBody>
-          <a:bodyPr lIns="0" rIns="0" tIns="0" bIns="0">
+          <a:bodyPr lIns="0" tIns="0" rIns="0" bIns="0">
             <a:normAutofit/>
           </a:bodyPr>
+          <a:lstStyle/>
           <a:p>
             <a:pPr marL="432000" indent="-324000">
               <a:spcBef>
@@ -7920,24 +9362,84 @@
               <a:buChar char=""/>
             </a:pPr>
             <a:r>
-              <a:rPr b="0" lang="en-GB" sz="3200" spc="-1" strike="noStrike">
+              <a:rPr lang="en-GB" sz="3200" b="0" strike="noStrike" spc="-1">
                 <a:latin typeface="Arial"/>
               </a:rPr>
               <a:t>UML diagram</a:t>
             </a:r>
-            <a:endParaRPr b="0" lang="en-GB" sz="3200" spc="-1" strike="noStrike">
-              <a:latin typeface="Arial"/>
-            </a:endParaRPr>
-          </a:p>
-        </p:txBody>
-      </p:sp>
+          </a:p>
+        </p:txBody>
+      </p:sp>
+      <p:pic>
+        <p:nvPicPr>
+          <p:cNvPr id="2" name="Picture 1"/>
+          <p:cNvPicPr>
+            <a:picLocks noChangeAspect="1"/>
+          </p:cNvPicPr>
+          <p:nvPr/>
+        </p:nvPicPr>
+        <p:blipFill>
+          <a:blip r:embed="rId2" cstate="print">
+            <a:extLst>
+              <a:ext uri="{28A0092B-C50C-407E-A947-70E740481C1C}">
+                <a14:useLocalDpi xmlns:a14="http://schemas.microsoft.com/office/drawing/2010/main" val="0"/>
+              </a:ext>
+            </a:extLst>
+          </a:blip>
+          <a:stretch>
+            <a:fillRect/>
+          </a:stretch>
+        </p:blipFill>
+        <p:spPr>
+          <a:xfrm>
+            <a:off x="130332" y="3181453"/>
+            <a:ext cx="4586811" cy="2854728"/>
+          </a:xfrm>
+          <a:prstGeom prst="rect">
+            <a:avLst/>
+          </a:prstGeom>
+        </p:spPr>
+      </p:pic>
+      <p:pic>
+        <p:nvPicPr>
+          <p:cNvPr id="3" name="Picture 2"/>
+          <p:cNvPicPr>
+            <a:picLocks noChangeAspect="1"/>
+          </p:cNvPicPr>
+          <p:nvPr/>
+        </p:nvPicPr>
+        <p:blipFill>
+          <a:blip r:embed="rId3" cstate="print">
+            <a:extLst>
+              <a:ext uri="{28A0092B-C50C-407E-A947-70E740481C1C}">
+                <a14:useLocalDpi xmlns:a14="http://schemas.microsoft.com/office/drawing/2010/main" val="0"/>
+              </a:ext>
+            </a:extLst>
+          </a:blip>
+          <a:stretch>
+            <a:fillRect/>
+          </a:stretch>
+        </p:blipFill>
+        <p:spPr>
+          <a:xfrm>
+            <a:off x="5180546" y="1982160"/>
+            <a:ext cx="3992483" cy="2394800"/>
+          </a:xfrm>
+          <a:prstGeom prst="rect">
+            <a:avLst/>
+          </a:prstGeom>
+        </p:spPr>
+      </p:pic>
     </p:spTree>
   </p:cSld>
-  <mc:AlternateContent>
+  <p:clrMapOvr>
+    <a:masterClrMapping/>
+  </p:clrMapOvr>
+  <mc:AlternateContent xmlns:mc="http://schemas.openxmlformats.org/markup-compatibility/2006" xmlns:p14="http://schemas.microsoft.com/office/powerpoint/2010/main">
     <mc:Choice Requires="p14">
       <p:transition spd="slow" p14:dur="2000"/>
     </mc:Choice>
-    <mc:Fallback>
+    <mc:Fallback xmlns:p15="http://schemas.microsoft.com/office/powerpoint/2012/main" xmlns="">
       <p:transition spd="slow"/>
     </mc:Fallback>
   </mc:AlternateContent>
@@ -7945,7 +9447,7 @@
 </file>
 
 <file path=ppt/slides/slide6.xml><?xml version="1.0" encoding="utf-8"?>
-<p:sld xmlns:a="http://schemas.openxmlformats.org/drawingml/2006/main" xmlns:p="http://schemas.openxmlformats.org/presentationml/2006/main" xmlns:r="http://schemas.openxmlformats.org/officeDocument/2006/relationships" xmlns:p14="http://schemas.microsoft.com/office/powerpoint/2010/main" xmlns:p15="http://schemas.microsoft.com/office/powerpoint/2012/main" xmlns:mc="http://schemas.openxmlformats.org/markup-compatibility/2006">
+<p:sld xmlns:a="http://schemas.openxmlformats.org/drawingml/2006/main" xmlns:r="http://schemas.openxmlformats.org/officeDocument/2006/relationships" xmlns:p="http://schemas.openxmlformats.org/presentationml/2006/main">
   <p:cSld>
     <p:spTree>
       <p:nvGrpSpPr>
@@ -7981,13 +9483,14 @@
           </a:ln>
         </p:spPr>
         <p:txBody>
-          <a:bodyPr lIns="0" rIns="0" tIns="0" bIns="0" anchor="ctr">
+          <a:bodyPr lIns="0" tIns="0" rIns="0" bIns="0" anchor="ctr">
             <a:noAutofit/>
           </a:bodyPr>
+          <a:lstStyle/>
           <a:p>
             <a:pPr algn="ctr"/>
             <a:r>
-              <a:rPr b="0" lang="en-GB" sz="4400" spc="-1" strike="noStrike">
+              <a:rPr lang="en-GB" sz="4400" b="0" strike="noStrike" spc="-1">
                 <a:solidFill>
                   <a:srgbClr val="006699"/>
                 </a:solidFill>
@@ -7995,12 +9498,6 @@
               </a:rPr>
               <a:t>The Code</a:t>
             </a:r>
-            <a:endParaRPr b="0" lang="en-GB" sz="4400" spc="-1" strike="noStrike">
-              <a:solidFill>
-                <a:srgbClr val="006699"/>
-              </a:solidFill>
-              <a:latin typeface="Arial"/>
-            </a:endParaRPr>
           </a:p>
         </p:txBody>
       </p:sp>
@@ -8024,9 +9521,10 @@
           </a:ln>
         </p:spPr>
         <p:txBody>
-          <a:bodyPr lIns="0" rIns="0" tIns="0" bIns="0">
+          <a:bodyPr lIns="0" tIns="0" rIns="0" bIns="0">
             <a:normAutofit fontScale="93000"/>
           </a:bodyPr>
+          <a:lstStyle/>
           <a:p>
             <a:pPr marL="432000" indent="-324000">
               <a:spcBef>
@@ -8040,14 +9538,11 @@
               <a:buChar char=""/>
             </a:pPr>
             <a:r>
-              <a:rPr b="0" lang="en-GB" sz="3200" spc="-1" strike="noStrike">
+              <a:rPr lang="en-GB" sz="3200" b="0" strike="noStrike" spc="-1">
                 <a:latin typeface="Arial"/>
               </a:rPr>
               <a:t>Controller – Services – DAO structure for maintainability</a:t>
             </a:r>
-            <a:endParaRPr b="0" lang="en-GB" sz="3200" spc="-1" strike="noStrike">
-              <a:latin typeface="Arial"/>
-            </a:endParaRPr>
           </a:p>
           <a:p>
             <a:pPr marL="432000" indent="-324000">
@@ -8062,24 +9557,54 @@
               <a:buChar char=""/>
             </a:pPr>
             <a:r>
-              <a:rPr b="0" lang="en-GB" sz="3200" spc="-1" strike="noStrike">
+              <a:rPr lang="en-GB" sz="3200" b="0" strike="noStrike" spc="-1">
                 <a:latin typeface="Arial"/>
               </a:rPr>
               <a:t>Connects to GCP database for which user has to authenticate when they log in</a:t>
             </a:r>
-            <a:endParaRPr b="0" lang="en-GB" sz="3200" spc="-1" strike="noStrike">
-              <a:latin typeface="Arial"/>
-            </a:endParaRPr>
-          </a:p>
-        </p:txBody>
-      </p:sp>
+          </a:p>
+        </p:txBody>
+      </p:sp>
+      <p:pic>
+        <p:nvPicPr>
+          <p:cNvPr id="2" name="Picture 1"/>
+          <p:cNvPicPr>
+            <a:picLocks noChangeAspect="1"/>
+          </p:cNvPicPr>
+          <p:nvPr/>
+        </p:nvPicPr>
+        <p:blipFill>
+          <a:blip r:embed="rId2" cstate="print">
+            <a:extLst>
+              <a:ext uri="{28A0092B-C50C-407E-A947-70E740481C1C}">
+                <a14:useLocalDpi xmlns:a14="http://schemas.microsoft.com/office/drawing/2010/main" val="0"/>
+              </a:ext>
+            </a:extLst>
+          </a:blip>
+          <a:stretch>
+            <a:fillRect/>
+          </a:stretch>
+        </p:blipFill>
+        <p:spPr>
+          <a:xfrm>
+            <a:off x="5074440" y="2160000"/>
+            <a:ext cx="4701385" cy="2903592"/>
+          </a:xfrm>
+          <a:prstGeom prst="rect">
+            <a:avLst/>
+          </a:prstGeom>
+        </p:spPr>
+      </p:pic>
     </p:spTree>
   </p:cSld>
-  <mc:AlternateContent>
+  <p:clrMapOvr>
+    <a:masterClrMapping/>
+  </p:clrMapOvr>
+  <mc:AlternateContent xmlns:mc="http://schemas.openxmlformats.org/markup-compatibility/2006" xmlns:p14="http://schemas.microsoft.com/office/powerpoint/2010/main">
     <mc:Choice Requires="p14">
       <p:transition spd="slow" p14:dur="2000"/>
     </mc:Choice>
-    <mc:Fallback>
+    <mc:Fallback xmlns:p15="http://schemas.microsoft.com/office/powerpoint/2012/main" xmlns="">
       <p:transition spd="slow"/>
     </mc:Fallback>
   </mc:AlternateContent>
@@ -8087,7 +9612,7 @@
 </file>
 
 <file path=ppt/slides/slide7.xml><?xml version="1.0" encoding="utf-8"?>
-<p:sld xmlns:a="http://schemas.openxmlformats.org/drawingml/2006/main" xmlns:p="http://schemas.openxmlformats.org/presentationml/2006/main" xmlns:r="http://schemas.openxmlformats.org/officeDocument/2006/relationships" xmlns:p14="http://schemas.microsoft.com/office/powerpoint/2010/main" xmlns:p15="http://schemas.microsoft.com/office/powerpoint/2012/main" xmlns:mc="http://schemas.openxmlformats.org/markup-compatibility/2006">
+<p:sld xmlns:a="http://schemas.openxmlformats.org/drawingml/2006/main" xmlns:r="http://schemas.openxmlformats.org/officeDocument/2006/relationships" xmlns:p="http://schemas.openxmlformats.org/presentationml/2006/main">
   <p:cSld>
     <p:spTree>
       <p:nvGrpSpPr>
@@ -8111,7 +9636,7 @@
         </p:nvSpPr>
         <p:spPr>
           <a:xfrm>
-            <a:off x="864000" y="720000"/>
+            <a:off x="602237" y="559508"/>
             <a:ext cx="9071640" cy="1262160"/>
           </a:xfrm>
           <a:prstGeom prst="rect">
@@ -8123,13 +9648,14 @@
           </a:ln>
         </p:spPr>
         <p:txBody>
-          <a:bodyPr lIns="0" rIns="0" tIns="0" bIns="0" anchor="ctr">
+          <a:bodyPr lIns="0" tIns="0" rIns="0" bIns="0" anchor="ctr">
             <a:noAutofit/>
           </a:bodyPr>
+          <a:lstStyle/>
           <a:p>
             <a:pPr algn="ctr"/>
             <a:r>
-              <a:rPr b="0" lang="en-GB" sz="4400" spc="-1" strike="noStrike">
+              <a:rPr lang="en-GB" sz="4400" b="0" strike="noStrike" spc="-1" dirty="0">
                 <a:solidFill>
                   <a:srgbClr val="006699"/>
                 </a:solidFill>
@@ -8137,12 +9663,6 @@
               </a:rPr>
               <a:t>Testing</a:t>
             </a:r>
-            <a:endParaRPr b="0" lang="en-GB" sz="4400" spc="-1" strike="noStrike">
-              <a:solidFill>
-                <a:srgbClr val="006699"/>
-              </a:solidFill>
-              <a:latin typeface="Arial"/>
-            </a:endParaRPr>
           </a:p>
         </p:txBody>
       </p:sp>
@@ -8155,7 +9675,7 @@
         <p:spPr>
           <a:xfrm>
             <a:off x="360360" y="2510640"/>
-            <a:ext cx="5255640" cy="3321360"/>
+            <a:ext cx="4777697" cy="3321360"/>
           </a:xfrm>
           <a:prstGeom prst="rect">
             <a:avLst/>
@@ -8166,9 +9686,10 @@
           </a:ln>
         </p:spPr>
         <p:txBody>
-          <a:bodyPr lIns="0" rIns="0" tIns="0" bIns="0">
+          <a:bodyPr lIns="0" tIns="0" rIns="0" bIns="0">
             <a:normAutofit/>
           </a:bodyPr>
+          <a:lstStyle/>
           <a:p>
             <a:pPr marL="432000" indent="-324000">
               <a:spcBef>
@@ -8182,14 +9703,11 @@
               <a:buChar char=""/>
             </a:pPr>
             <a:r>
-              <a:rPr b="0" lang="en-GB" sz="3200" spc="-1" strike="noStrike">
+              <a:rPr lang="en-GB" sz="3200" b="0" strike="noStrike" spc="-1" dirty="0">
                 <a:latin typeface="Arial"/>
               </a:rPr>
               <a:t>~70% coverage</a:t>
             </a:r>
-            <a:endParaRPr b="0" lang="en-GB" sz="3200" spc="-1" strike="noStrike">
-              <a:latin typeface="Arial"/>
-            </a:endParaRPr>
           </a:p>
           <a:p>
             <a:pPr marL="432000" indent="-324000">
@@ -8204,12 +9722,18 @@
               <a:buChar char=""/>
             </a:pPr>
             <a:r>
-              <a:rPr b="0" lang="en-GB" sz="3200" spc="-1" strike="noStrike">
+              <a:rPr lang="en-GB" sz="3200" b="0" strike="noStrike" spc="-1" dirty="0">
                 <a:latin typeface="Arial"/>
               </a:rPr>
-              <a:t>~55% in SonarQube</a:t>
+              <a:t>~55% in </a:t>
             </a:r>
-            <a:endParaRPr b="0" lang="en-GB" sz="3200" spc="-1" strike="noStrike">
+            <a:r>
+              <a:rPr lang="en-GB" sz="3200" b="0" strike="noStrike" spc="-1" dirty="0" err="1">
+                <a:latin typeface="Arial"/>
+              </a:rPr>
+              <a:t>SonarQube</a:t>
+            </a:r>
+            <a:endParaRPr lang="en-GB" sz="3200" b="0" strike="noStrike" spc="-1" dirty="0">
               <a:latin typeface="Arial"/>
             </a:endParaRPr>
           </a:p>
@@ -8226,12 +9750,18 @@
               <a:buChar char=""/>
             </a:pPr>
             <a:r>
-              <a:rPr b="0" lang="en-GB" sz="3200" spc="-1" strike="noStrike">
+              <a:rPr lang="en-GB" sz="3200" b="0" strike="noStrike" spc="-1" dirty="0">
                 <a:latin typeface="Arial"/>
               </a:rPr>
-              <a:t>Integration and unit tests</a:t>
+              <a:t>Integration and </a:t>
             </a:r>
-            <a:endParaRPr b="0" lang="en-GB" sz="3200" spc="-1" strike="noStrike">
+            <a:r>
+              <a:rPr lang="en-GB" sz="3200" b="0" strike="noStrike" spc="-1" dirty="0" smtClean="0">
+                <a:latin typeface="Arial"/>
+              </a:rPr>
+              <a:t>unit tests</a:t>
+            </a:r>
+            <a:endParaRPr lang="en-GB" sz="3200" b="0" strike="noStrike" spc="-1" dirty="0">
               <a:latin typeface="Arial"/>
             </a:endParaRPr>
           </a:p>
@@ -8248,24 +9778,57 @@
               <a:buChar char=""/>
             </a:pPr>
             <a:r>
-              <a:rPr b="0" lang="en-GB" sz="3200" spc="-1" strike="noStrike">
+              <a:rPr lang="en-GB" sz="3200" b="0" strike="noStrike" spc="-1" dirty="0" err="1">
                 <a:latin typeface="Arial"/>
               </a:rPr>
               <a:t>Mockito</a:t>
             </a:r>
-            <a:endParaRPr b="0" lang="en-GB" sz="3200" spc="-1" strike="noStrike">
-              <a:latin typeface="Arial"/>
-            </a:endParaRPr>
-          </a:p>
-        </p:txBody>
-      </p:sp>
+            <a:endParaRPr lang="en-GB" sz="3200" b="0" strike="noStrike" spc="-1" dirty="0">
+              <a:latin typeface="Arial"/>
+            </a:endParaRPr>
+          </a:p>
+        </p:txBody>
+      </p:sp>
+      <p:pic>
+        <p:nvPicPr>
+          <p:cNvPr id="3" name="Picture 2"/>
+          <p:cNvPicPr>
+            <a:picLocks noChangeAspect="1"/>
+          </p:cNvPicPr>
+          <p:nvPr/>
+        </p:nvPicPr>
+        <p:blipFill>
+          <a:blip r:embed="rId2" cstate="print">
+            <a:extLst>
+              <a:ext uri="{28A0092B-C50C-407E-A947-70E740481C1C}">
+                <a14:useLocalDpi xmlns:a14="http://schemas.microsoft.com/office/drawing/2010/main" val="0"/>
+              </a:ext>
+            </a:extLst>
+          </a:blip>
+          <a:stretch>
+            <a:fillRect/>
+          </a:stretch>
+        </p:blipFill>
+        <p:spPr>
+          <a:xfrm>
+            <a:off x="5138057" y="2394855"/>
+            <a:ext cx="4523210" cy="2801259"/>
+          </a:xfrm>
+          <a:prstGeom prst="rect">
+            <a:avLst/>
+          </a:prstGeom>
+        </p:spPr>
+      </p:pic>
     </p:spTree>
   </p:cSld>
-  <mc:AlternateContent>
+  <p:clrMapOvr>
+    <a:masterClrMapping/>
+  </p:clrMapOvr>
+  <mc:AlternateContent xmlns:mc="http://schemas.openxmlformats.org/markup-compatibility/2006" xmlns:p14="http://schemas.microsoft.com/office/powerpoint/2010/main">
     <mc:Choice Requires="p14">
       <p:transition spd="slow" p14:dur="2000"/>
     </mc:Choice>
-    <mc:Fallback>
+    <mc:Fallback xmlns:p15="http://schemas.microsoft.com/office/powerpoint/2012/main" xmlns="">
       <p:transition spd="slow"/>
     </mc:Fallback>
   </mc:AlternateContent>
@@ -8273,7 +9836,7 @@
 </file>
 
 <file path=ppt/slides/slide8.xml><?xml version="1.0" encoding="utf-8"?>
-<p:sld xmlns:a="http://schemas.openxmlformats.org/drawingml/2006/main" xmlns:p="http://schemas.openxmlformats.org/presentationml/2006/main" xmlns:r="http://schemas.openxmlformats.org/officeDocument/2006/relationships" xmlns:p14="http://schemas.microsoft.com/office/powerpoint/2010/main" xmlns:p15="http://schemas.microsoft.com/office/powerpoint/2012/main" xmlns:mc="http://schemas.openxmlformats.org/markup-compatibility/2006">
+<p:sld xmlns:a="http://schemas.openxmlformats.org/drawingml/2006/main" xmlns:r="http://schemas.openxmlformats.org/officeDocument/2006/relationships" xmlns:p="http://schemas.openxmlformats.org/presentationml/2006/main">
   <p:cSld>
     <p:spTree>
       <p:nvGrpSpPr>
@@ -8297,7 +9860,7 @@
         </p:nvSpPr>
         <p:spPr>
           <a:xfrm>
-            <a:off x="1080360" y="648000"/>
+            <a:off x="561600" y="372228"/>
             <a:ext cx="9071640" cy="1262160"/>
           </a:xfrm>
           <a:prstGeom prst="rect">
@@ -8309,13 +9872,14 @@
           </a:ln>
         </p:spPr>
         <p:txBody>
-          <a:bodyPr lIns="0" rIns="0" tIns="0" bIns="0" anchor="ctr">
+          <a:bodyPr lIns="0" tIns="0" rIns="0" bIns="0" anchor="ctr">
             <a:noAutofit/>
           </a:bodyPr>
+          <a:lstStyle/>
           <a:p>
             <a:pPr algn="ctr"/>
             <a:r>
-              <a:rPr b="0" lang="en-GB" sz="4400" spc="-1" strike="noStrike">
+              <a:rPr lang="en-GB" sz="4400" b="0" strike="noStrike" spc="-1" dirty="0">
                 <a:solidFill>
                   <a:srgbClr val="006699"/>
                 </a:solidFill>
@@ -8323,12 +9887,6 @@
               </a:rPr>
               <a:t>System and Build</a:t>
             </a:r>
-            <a:endParaRPr b="0" lang="en-GB" sz="4400" spc="-1" strike="noStrike">
-              <a:solidFill>
-                <a:srgbClr val="006699"/>
-              </a:solidFill>
-              <a:latin typeface="Arial"/>
-            </a:endParaRPr>
           </a:p>
         </p:txBody>
       </p:sp>
@@ -8352,9 +9910,10 @@
           </a:ln>
         </p:spPr>
         <p:txBody>
-          <a:bodyPr lIns="0" rIns="0" tIns="0" bIns="0">
+          <a:bodyPr lIns="0" tIns="0" rIns="0" bIns="0">
             <a:normAutofit/>
           </a:bodyPr>
+          <a:lstStyle/>
           <a:p>
             <a:pPr marL="432000" indent="-324000">
               <a:spcBef>
@@ -8368,14 +9927,11 @@
               <a:buChar char=""/>
             </a:pPr>
             <a:r>
-              <a:rPr b="0" lang="en-GB" sz="3200" spc="-1" strike="noStrike">
+              <a:rPr lang="en-GB" sz="3200" b="0" strike="noStrike" spc="-1">
                 <a:latin typeface="Arial"/>
               </a:rPr>
               <a:t>Automation using Jenkins</a:t>
             </a:r>
-            <a:endParaRPr b="0" lang="en-GB" sz="3200" spc="-1" strike="noStrike">
-              <a:latin typeface="Arial"/>
-            </a:endParaRPr>
           </a:p>
           <a:p>
             <a:pPr marL="432000" indent="-324000">
@@ -8390,14 +9946,11 @@
               <a:buChar char=""/>
             </a:pPr>
             <a:r>
-              <a:rPr b="0" lang="en-GB" sz="3200" spc="-1" strike="noStrike">
+              <a:rPr lang="en-GB" sz="3200" b="0" strike="noStrike" spc="-1">
                 <a:latin typeface="Arial"/>
               </a:rPr>
               <a:t>Ran Maven including tests</a:t>
             </a:r>
-            <a:endParaRPr b="0" lang="en-GB" sz="3200" spc="-1" strike="noStrike">
-              <a:latin typeface="Arial"/>
-            </a:endParaRPr>
           </a:p>
           <a:p>
             <a:pPr marL="432000" indent="-324000">
@@ -8412,31 +9965,22 @@
               <a:buChar char=""/>
             </a:pPr>
             <a:r>
-              <a:rPr b="0" lang="en-GB" sz="3200" spc="-1" strike="noStrike">
+              <a:rPr lang="en-GB" sz="3200" b="0" strike="noStrike" spc="-1">
                 <a:latin typeface="Arial"/>
               </a:rPr>
-              <a:t>Uploaded to SonarQube for quality assessment </a:t>
+              <a:t>Uploaded to SonarQube for quality assessment and Nexus to store executable</a:t>
             </a:r>
-            <a:r>
-              <a:rPr b="0" lang="en-GB" sz="3200" spc="-1" strike="noStrike">
-                <a:latin typeface="Arial"/>
-              </a:rPr>
-              <a:t>and Nexus to store executable</a:t>
-            </a:r>
-            <a:endParaRPr b="0" lang="en-GB" sz="3200" spc="-1" strike="noStrike">
-              <a:latin typeface="Arial"/>
-            </a:endParaRPr>
           </a:p>
         </p:txBody>
       </p:sp>
       <p:pic>
         <p:nvPicPr>
-          <p:cNvPr id="183" name="" descr=""/>
+          <p:cNvPr id="183" name="Picture 182"/>
           <p:cNvPicPr/>
           <p:nvPr/>
         </p:nvPicPr>
         <p:blipFill>
-          <a:blip r:embed="rId1"/>
+          <a:blip r:embed="rId2"/>
           <a:stretch/>
         </p:blipFill>
         <p:spPr>
@@ -8454,14 +9998,76 @@
       </p:pic>
     </p:spTree>
   </p:cSld>
-  <mc:AlternateContent>
+  <p:clrMapOvr>
+    <a:masterClrMapping/>
+  </p:clrMapOvr>
+  <mc:AlternateContent xmlns:mc="http://schemas.openxmlformats.org/markup-compatibility/2006" xmlns:p14="http://schemas.microsoft.com/office/powerpoint/2010/main">
     <mc:Choice Requires="p14">
       <p:transition spd="slow" p14:dur="2000"/>
     </mc:Choice>
-    <mc:Fallback>
+    <mc:Fallback xmlns:p15="http://schemas.microsoft.com/office/powerpoint/2012/main" xmlns="">
       <p:transition spd="slow"/>
     </mc:Fallback>
   </mc:AlternateContent>
+</p:sld>
+</file>
+
+<file path=ppt/slides/slide9.xml><?xml version="1.0" encoding="utf-8"?>
+<p:sld xmlns:a="http://schemas.openxmlformats.org/drawingml/2006/main" xmlns:r="http://schemas.openxmlformats.org/officeDocument/2006/relationships" xmlns:p="http://schemas.openxmlformats.org/presentationml/2006/main">
+  <p:cSld>
+    <p:spTree>
+      <p:nvGrpSpPr>
+        <p:cNvPr id="1" name=""/>
+        <p:cNvGrpSpPr/>
+        <p:nvPr/>
+      </p:nvGrpSpPr>
+      <p:grpSpPr>
+        <a:xfrm>
+          <a:off x="0" y="0"/>
+          <a:ext cx="0" cy="0"/>
+          <a:chOff x="0" y="0"/>
+          <a:chExt cx="0" cy="0"/>
+        </a:xfrm>
+      </p:grpSpPr>
+      <p:sp>
+        <p:nvSpPr>
+          <p:cNvPr id="2" name="Title 1"/>
+          <p:cNvSpPr>
+            <a:spLocks noGrp="1"/>
+          </p:cNvSpPr>
+          <p:nvPr>
+            <p:ph type="title"/>
+          </p:nvPr>
+        </p:nvSpPr>
+        <p:spPr>
+          <a:xfrm>
+            <a:off x="667658" y="2921652"/>
+            <a:ext cx="9071640" cy="1262160"/>
+          </a:xfrm>
+        </p:spPr>
+        <p:txBody>
+          <a:bodyPr/>
+          <a:lstStyle/>
+          <a:p>
+            <a:pPr algn="ctr"/>
+            <a:r>
+              <a:rPr lang="en-GB" dirty="0" smtClean="0"/>
+              <a:t>Thanks for listening!</a:t>
+            </a:r>
+            <a:endParaRPr lang="en-GB" dirty="0"/>
+          </a:p>
+        </p:txBody>
+      </p:sp>
+    </p:spTree>
+    <p:extLst>
+      <p:ext uri="{BB962C8B-B14F-4D97-AF65-F5344CB8AC3E}">
+        <p14:creationId xmlns:p14="http://schemas.microsoft.com/office/powerpoint/2010/main" val="4218081149"/>
+      </p:ext>
+    </p:extLst>
+  </p:cSld>
+  <p:clrMapOvr>
+    <a:masterClrMapping/>
+  </p:clrMapOvr>
 </p:sld>
 </file>
 
@@ -8476,31 +10082,31 @@
         <a:sysClr val="window" lastClr="FFFFFF"/>
       </a:lt1>
       <a:dk2>
-        <a:srgbClr val="1f497d"/>
+        <a:srgbClr val="1F497D"/>
       </a:dk2>
       <a:lt2>
-        <a:srgbClr val="eeece1"/>
+        <a:srgbClr val="EEECE1"/>
       </a:lt2>
       <a:accent1>
-        <a:srgbClr val="4f81bd"/>
+        <a:srgbClr val="4F81BD"/>
       </a:accent1>
       <a:accent2>
-        <a:srgbClr val="c0504d"/>
+        <a:srgbClr val="C0504D"/>
       </a:accent2>
       <a:accent3>
-        <a:srgbClr val="9bbb59"/>
+        <a:srgbClr val="9BBB59"/>
       </a:accent3>
       <a:accent4>
-        <a:srgbClr val="8064a2"/>
+        <a:srgbClr val="8064A2"/>
       </a:accent4>
       <a:accent5>
-        <a:srgbClr val="4bacc6"/>
+        <a:srgbClr val="4BACC6"/>
       </a:accent5>
       <a:accent6>
-        <a:srgbClr val="f79646"/>
+        <a:srgbClr val="F79646"/>
       </a:accent6>
       <a:hlink>
-        <a:srgbClr val="0000ff"/>
+        <a:srgbClr val="0000FF"/>
       </a:hlink>
       <a:folHlink>
         <a:srgbClr val="800080"/>
@@ -8688,6 +10294,8 @@
       </a:bgFillStyleLst>
     </a:fmtScheme>
   </a:themeElements>
+  <a:objectDefaults/>
+  <a:extraClrSchemeLst/>
 </a:theme>
 </file>
 
@@ -8702,31 +10310,31 @@
         <a:sysClr val="window" lastClr="FFFFFF"/>
       </a:lt1>
       <a:dk2>
-        <a:srgbClr val="1f497d"/>
+        <a:srgbClr val="1F497D"/>
       </a:dk2>
       <a:lt2>
-        <a:srgbClr val="eeece1"/>
+        <a:srgbClr val="EEECE1"/>
       </a:lt2>
       <a:accent1>
-        <a:srgbClr val="4f81bd"/>
+        <a:srgbClr val="4F81BD"/>
       </a:accent1>
       <a:accent2>
-        <a:srgbClr val="c0504d"/>
+        <a:srgbClr val="C0504D"/>
       </a:accent2>
       <a:accent3>
-        <a:srgbClr val="9bbb59"/>
+        <a:srgbClr val="9BBB59"/>
       </a:accent3>
       <a:accent4>
-        <a:srgbClr val="8064a2"/>
+        <a:srgbClr val="8064A2"/>
       </a:accent4>
       <a:accent5>
-        <a:srgbClr val="4bacc6"/>
+        <a:srgbClr val="4BACC6"/>
       </a:accent5>
       <a:accent6>
-        <a:srgbClr val="f79646"/>
+        <a:srgbClr val="F79646"/>
       </a:accent6>
       <a:hlink>
-        <a:srgbClr val="0000ff"/>
+        <a:srgbClr val="0000FF"/>
       </a:hlink>
       <a:folHlink>
         <a:srgbClr val="800080"/>
@@ -8914,6 +10522,8 @@
       </a:bgFillStyleLst>
     </a:fmtScheme>
   </a:themeElements>
+  <a:objectDefaults/>
+  <a:extraClrSchemeLst/>
 </a:theme>
 </file>
 
@@ -8928,31 +10538,31 @@
         <a:sysClr val="window" lastClr="FFFFFF"/>
       </a:lt1>
       <a:dk2>
-        <a:srgbClr val="1f497d"/>
+        <a:srgbClr val="1F497D"/>
       </a:dk2>
       <a:lt2>
-        <a:srgbClr val="eeece1"/>
+        <a:srgbClr val="EEECE1"/>
       </a:lt2>
       <a:accent1>
-        <a:srgbClr val="4f81bd"/>
+        <a:srgbClr val="4F81BD"/>
       </a:accent1>
       <a:accent2>
-        <a:srgbClr val="c0504d"/>
+        <a:srgbClr val="C0504D"/>
       </a:accent2>
       <a:accent3>
-        <a:srgbClr val="9bbb59"/>
+        <a:srgbClr val="9BBB59"/>
       </a:accent3>
       <a:accent4>
-        <a:srgbClr val="8064a2"/>
+        <a:srgbClr val="8064A2"/>
       </a:accent4>
       <a:accent5>
-        <a:srgbClr val="4bacc6"/>
+        <a:srgbClr val="4BACC6"/>
       </a:accent5>
       <a:accent6>
-        <a:srgbClr val="f79646"/>
+        <a:srgbClr val="F79646"/>
       </a:accent6>
       <a:hlink>
-        <a:srgbClr val="0000ff"/>
+        <a:srgbClr val="0000FF"/>
       </a:hlink>
       <a:folHlink>
         <a:srgbClr val="800080"/>
@@ -9140,6 +10750,8 @@
       </a:bgFillStyleLst>
     </a:fmtScheme>
   </a:themeElements>
+  <a:objectDefaults/>
+  <a:extraClrSchemeLst/>
 </a:theme>
 </file>
 
@@ -9154,31 +10766,31 @@
         <a:sysClr val="window" lastClr="FFFFFF"/>
       </a:lt1>
       <a:dk2>
-        <a:srgbClr val="1f497d"/>
+        <a:srgbClr val="1F497D"/>
       </a:dk2>
       <a:lt2>
-        <a:srgbClr val="eeece1"/>
+        <a:srgbClr val="EEECE1"/>
       </a:lt2>
       <a:accent1>
-        <a:srgbClr val="4f81bd"/>
+        <a:srgbClr val="4F81BD"/>
       </a:accent1>
       <a:accent2>
-        <a:srgbClr val="c0504d"/>
+        <a:srgbClr val="C0504D"/>
       </a:accent2>
       <a:accent3>
-        <a:srgbClr val="9bbb59"/>
+        <a:srgbClr val="9BBB59"/>
       </a:accent3>
       <a:accent4>
-        <a:srgbClr val="8064a2"/>
+        <a:srgbClr val="8064A2"/>
       </a:accent4>
       <a:accent5>
-        <a:srgbClr val="4bacc6"/>
+        <a:srgbClr val="4BACC6"/>
       </a:accent5>
       <a:accent6>
-        <a:srgbClr val="f79646"/>
+        <a:srgbClr val="F79646"/>
       </a:accent6>
       <a:hlink>
-        <a:srgbClr val="0000ff"/>
+        <a:srgbClr val="0000FF"/>
       </a:hlink>
       <a:folHlink>
         <a:srgbClr val="800080"/>
@@ -9366,5 +10978,7 @@
       </a:bgFillStyleLst>
     </a:fmtScheme>
   </a:themeElements>
+  <a:objectDefaults/>
+  <a:extraClrSchemeLst/>
 </a:theme>
 </file>